--- a/Documents/Presentations/PRCO204 Group Presentation 2.pptx
+++ b/Documents/Presentations/PRCO204 Group Presentation 2.pptx
@@ -5,18 +5,17 @@
     <p:sldMasterId id="2147483648" r:id="rId1"/>
   </p:sldMasterIdLst>
   <p:notesMasterIdLst>
-    <p:notesMasterId r:id="rId11"/>
+    <p:notesMasterId r:id="rId10"/>
   </p:notesMasterIdLst>
   <p:sldIdLst>
     <p:sldId id="256" r:id="rId2"/>
     <p:sldId id="257" r:id="rId3"/>
-    <p:sldId id="264" r:id="rId4"/>
-    <p:sldId id="265" r:id="rId5"/>
-    <p:sldId id="267" r:id="rId6"/>
-    <p:sldId id="266" r:id="rId7"/>
-    <p:sldId id="261" r:id="rId8"/>
-    <p:sldId id="262" r:id="rId9"/>
-    <p:sldId id="263" r:id="rId10"/>
+    <p:sldId id="268" r:id="rId4"/>
+    <p:sldId id="269" r:id="rId5"/>
+    <p:sldId id="270" r:id="rId6"/>
+    <p:sldId id="264" r:id="rId7"/>
+    <p:sldId id="267" r:id="rId8"/>
+    <p:sldId id="263" r:id="rId9"/>
   </p:sldIdLst>
   <p:sldSz cx="12192000" cy="6858000"/>
   <p:notesSz cx="6858000" cy="9144000"/>
@@ -205,7 +204,7 @@
           <a:p>
             <a:fld id="{3BD742AD-520A-47F7-B2C9-40E93A8FC620}" type="datetimeFigureOut">
               <a:rPr lang="en-GB" smtClean="0"/>
-              <a:t>19/02/2020</a:t>
+              <a:t>04/03/2020</a:t>
             </a:fld>
             <a:endParaRPr lang="en-GB"/>
           </a:p>
@@ -652,7 +651,7 @@
           <a:p>
             <a:fld id="{C0B17FCB-F812-4DC3-A3DE-7A40917F3657}" type="datetimeFigureOut">
               <a:rPr lang="en-GB" smtClean="0"/>
-              <a:t>19/02/2020</a:t>
+              <a:t>04/03/2020</a:t>
             </a:fld>
             <a:endParaRPr lang="en-GB"/>
           </a:p>
@@ -852,7 +851,7 @@
           <a:p>
             <a:fld id="{C0B17FCB-F812-4DC3-A3DE-7A40917F3657}" type="datetimeFigureOut">
               <a:rPr lang="en-GB" smtClean="0"/>
-              <a:t>19/02/2020</a:t>
+              <a:t>04/03/2020</a:t>
             </a:fld>
             <a:endParaRPr lang="en-GB"/>
           </a:p>
@@ -1062,7 +1061,7 @@
           <a:p>
             <a:fld id="{C0B17FCB-F812-4DC3-A3DE-7A40917F3657}" type="datetimeFigureOut">
               <a:rPr lang="en-GB" smtClean="0"/>
-              <a:t>19/02/2020</a:t>
+              <a:t>04/03/2020</a:t>
             </a:fld>
             <a:endParaRPr lang="en-GB"/>
           </a:p>
@@ -1397,7 +1396,7 @@
           <a:p>
             <a:fld id="{C0B17FCB-F812-4DC3-A3DE-7A40917F3657}" type="datetimeFigureOut">
               <a:rPr lang="en-GB" smtClean="0"/>
-              <a:t>19/02/2020</a:t>
+              <a:t>04/03/2020</a:t>
             </a:fld>
             <a:endParaRPr lang="en-GB"/>
           </a:p>
@@ -1740,7 +1739,7 @@
           <a:p>
             <a:fld id="{C0B17FCB-F812-4DC3-A3DE-7A40917F3657}" type="datetimeFigureOut">
               <a:rPr lang="en-GB" smtClean="0"/>
-              <a:t>19/02/2020</a:t>
+              <a:t>04/03/2020</a:t>
             </a:fld>
             <a:endParaRPr lang="en-GB"/>
           </a:p>
@@ -2008,7 +2007,7 @@
           <a:p>
             <a:fld id="{C0B17FCB-F812-4DC3-A3DE-7A40917F3657}" type="datetimeFigureOut">
               <a:rPr lang="en-GB" smtClean="0"/>
-              <a:t>19/02/2020</a:t>
+              <a:t>04/03/2020</a:t>
             </a:fld>
             <a:endParaRPr lang="en-GB"/>
           </a:p>
@@ -2423,7 +2422,7 @@
           <a:p>
             <a:fld id="{C0B17FCB-F812-4DC3-A3DE-7A40917F3657}" type="datetimeFigureOut">
               <a:rPr lang="en-GB" smtClean="0"/>
-              <a:t>19/02/2020</a:t>
+              <a:t>04/03/2020</a:t>
             </a:fld>
             <a:endParaRPr lang="en-GB"/>
           </a:p>
@@ -2565,7 +2564,7 @@
           <a:p>
             <a:fld id="{C0B17FCB-F812-4DC3-A3DE-7A40917F3657}" type="datetimeFigureOut">
               <a:rPr lang="en-GB" smtClean="0"/>
-              <a:t>19/02/2020</a:t>
+              <a:t>04/03/2020</a:t>
             </a:fld>
             <a:endParaRPr lang="en-GB"/>
           </a:p>
@@ -2678,7 +2677,7 @@
           <a:p>
             <a:fld id="{C0B17FCB-F812-4DC3-A3DE-7A40917F3657}" type="datetimeFigureOut">
               <a:rPr lang="en-GB" smtClean="0"/>
-              <a:t>19/02/2020</a:t>
+              <a:t>04/03/2020</a:t>
             </a:fld>
             <a:endParaRPr lang="en-GB"/>
           </a:p>
@@ -2991,7 +2990,7 @@
           <a:p>
             <a:fld id="{C0B17FCB-F812-4DC3-A3DE-7A40917F3657}" type="datetimeFigureOut">
               <a:rPr lang="en-GB" smtClean="0"/>
-              <a:t>19/02/2020</a:t>
+              <a:t>04/03/2020</a:t>
             </a:fld>
             <a:endParaRPr lang="en-GB"/>
           </a:p>
@@ -3280,7 +3279,7 @@
           <a:p>
             <a:fld id="{C0B17FCB-F812-4DC3-A3DE-7A40917F3657}" type="datetimeFigureOut">
               <a:rPr lang="en-GB" smtClean="0"/>
-              <a:t>19/02/2020</a:t>
+              <a:t>04/03/2020</a:t>
             </a:fld>
             <a:endParaRPr lang="en-GB"/>
           </a:p>
@@ -3539,7 +3538,7 @@
           <a:p>
             <a:fld id="{C0B17FCB-F812-4DC3-A3DE-7A40917F3657}" type="datetimeFigureOut">
               <a:rPr lang="en-GB" smtClean="0"/>
-              <a:t>19/02/2020</a:t>
+              <a:t>04/03/2020</a:t>
             </a:fld>
             <a:endParaRPr lang="en-GB"/>
           </a:p>
@@ -4028,6 +4027,26 @@
 <file path=ppt/slides/slide2.xml><?xml version="1.0" encoding="utf-8"?>
 <p:sld xmlns:a="http://schemas.openxmlformats.org/drawingml/2006/main" xmlns:r="http://schemas.openxmlformats.org/officeDocument/2006/relationships" xmlns:p="http://schemas.openxmlformats.org/presentationml/2006/main">
   <p:cSld>
+    <p:bg>
+      <p:bgPr>
+        <a:gradFill>
+          <a:gsLst>
+            <a:gs pos="100000">
+              <a:schemeClr val="accent1">
+                <a:lumMod val="75000"/>
+              </a:schemeClr>
+            </a:gs>
+            <a:gs pos="0">
+              <a:schemeClr val="accent5">
+                <a:lumMod val="75000"/>
+              </a:schemeClr>
+            </a:gs>
+          </a:gsLst>
+          <a:lin ang="5400000" scaled="1"/>
+        </a:gradFill>
+        <a:effectLst/>
+      </p:bgPr>
+    </p:bg>
     <p:spTree>
       <p:nvGrpSpPr>
         <p:cNvPr id="1" name=""/>
@@ -4065,7 +4084,7 @@
           <a:p>
             <a:r>
               <a:rPr lang="en-GB" dirty="0"/>
-              <a:t>Project Vision</a:t>
+              <a:t>Product Goals</a:t>
             </a:r>
           </a:p>
         </p:txBody>
@@ -4102,12 +4121,101 @@
               <a:t>Administrators can create and remove flights; they can also view the audit log, send secure messages to customers and run statistics for business purposes</a:t>
             </a:r>
           </a:p>
+          <a:p>
+            <a:endParaRPr lang="en-GB" dirty="0"/>
+          </a:p>
         </p:txBody>
       </p:sp>
     </p:spTree>
     <p:extLst>
       <p:ext uri="{BB962C8B-B14F-4D97-AF65-F5344CB8AC3E}">
         <p14:creationId xmlns:p14="http://schemas.microsoft.com/office/powerpoint/2010/main" val="1117230992"/>
+      </p:ext>
+    </p:extLst>
+  </p:cSld>
+  <p:clrMapOvr>
+    <a:overrideClrMapping bg1="lt1" tx1="dk1" bg2="lt2" tx2="dk2" accent1="accent1" accent2="accent2" accent3="accent3" accent4="accent4" accent5="accent5" accent6="accent6" hlink="hlink" folHlink="folHlink"/>
+  </p:clrMapOvr>
+</p:sld>
+</file>
+
+<file path=ppt/slides/slide3.xml><?xml version="1.0" encoding="utf-8"?>
+<p:sld xmlns:a="http://schemas.openxmlformats.org/drawingml/2006/main" xmlns:r="http://schemas.openxmlformats.org/officeDocument/2006/relationships" xmlns:p="http://schemas.openxmlformats.org/presentationml/2006/main">
+  <p:cSld>
+    <p:spTree>
+      <p:nvGrpSpPr>
+        <p:cNvPr id="1" name=""/>
+        <p:cNvGrpSpPr/>
+        <p:nvPr/>
+      </p:nvGrpSpPr>
+      <p:grpSpPr>
+        <a:xfrm>
+          <a:off x="0" y="0"/>
+          <a:ext cx="0" cy="0"/>
+          <a:chOff x="0" y="0"/>
+          <a:chExt cx="0" cy="0"/>
+        </a:xfrm>
+      </p:grpSpPr>
+      <p:sp>
+        <p:nvSpPr>
+          <p:cNvPr id="2" name="Title 1">
+            <a:extLst>
+              <a:ext uri="{FF2B5EF4-FFF2-40B4-BE49-F238E27FC236}">
+                <a16:creationId xmlns:a16="http://schemas.microsoft.com/office/drawing/2014/main" id="{D7128E3B-18DE-424A-9FCE-07667EBEA289}"/>
+              </a:ext>
+            </a:extLst>
+          </p:cNvPr>
+          <p:cNvSpPr>
+            <a:spLocks noGrp="1"/>
+          </p:cNvSpPr>
+          <p:nvPr>
+            <p:ph type="title"/>
+          </p:nvPr>
+        </p:nvSpPr>
+        <p:spPr/>
+        <p:txBody>
+          <a:bodyPr/>
+          <a:lstStyle/>
+          <a:p>
+            <a:r>
+              <a:rPr lang="en-GB" dirty="0"/>
+              <a:t>Backlog</a:t>
+            </a:r>
+          </a:p>
+        </p:txBody>
+      </p:sp>
+      <p:sp>
+        <p:nvSpPr>
+          <p:cNvPr id="3" name="Content Placeholder 2">
+            <a:extLst>
+              <a:ext uri="{FF2B5EF4-FFF2-40B4-BE49-F238E27FC236}">
+                <a16:creationId xmlns:a16="http://schemas.microsoft.com/office/drawing/2014/main" id="{4B2A85D3-2A27-45AF-8935-A9709A43ED1F}"/>
+              </a:ext>
+            </a:extLst>
+          </p:cNvPr>
+          <p:cNvSpPr>
+            <a:spLocks noGrp="1"/>
+          </p:cNvSpPr>
+          <p:nvPr>
+            <p:ph idx="1"/>
+          </p:nvPr>
+        </p:nvSpPr>
+        <p:spPr/>
+        <p:txBody>
+          <a:bodyPr/>
+          <a:lstStyle/>
+          <a:p>
+            <a:r>
+              <a:rPr lang="en-GB" dirty="0"/>
+              <a:t>https://github.com/Plymouth-University/prco204-flight-crew/projects/2</a:t>
+            </a:r>
+          </a:p>
+        </p:txBody>
+      </p:sp>
+    </p:spTree>
+    <p:extLst>
+      <p:ext uri="{BB962C8B-B14F-4D97-AF65-F5344CB8AC3E}">
+        <p14:creationId xmlns:p14="http://schemas.microsoft.com/office/powerpoint/2010/main" val="1913028321"/>
       </p:ext>
     </p:extLst>
   </p:cSld>
@@ -4117,7 +4225,176 @@
 </p:sld>
 </file>
 
-<file path=ppt/slides/slide3.xml><?xml version="1.0" encoding="utf-8"?>
+<file path=ppt/slides/slide4.xml><?xml version="1.0" encoding="utf-8"?>
+<p:sld xmlns:a="http://schemas.openxmlformats.org/drawingml/2006/main" xmlns:r="http://schemas.openxmlformats.org/officeDocument/2006/relationships" xmlns:p="http://schemas.openxmlformats.org/presentationml/2006/main">
+  <p:cSld>
+    <p:spTree>
+      <p:nvGrpSpPr>
+        <p:cNvPr id="1" name=""/>
+        <p:cNvGrpSpPr/>
+        <p:nvPr/>
+      </p:nvGrpSpPr>
+      <p:grpSpPr>
+        <a:xfrm>
+          <a:off x="0" y="0"/>
+          <a:ext cx="0" cy="0"/>
+          <a:chOff x="0" y="0"/>
+          <a:chExt cx="0" cy="0"/>
+        </a:xfrm>
+      </p:grpSpPr>
+      <p:sp>
+        <p:nvSpPr>
+          <p:cNvPr id="2" name="Title 1">
+            <a:extLst>
+              <a:ext uri="{FF2B5EF4-FFF2-40B4-BE49-F238E27FC236}">
+                <a16:creationId xmlns:a16="http://schemas.microsoft.com/office/drawing/2014/main" id="{BBFD5FB7-62AD-4F1F-B617-6774570CDD92}"/>
+              </a:ext>
+            </a:extLst>
+          </p:cNvPr>
+          <p:cNvSpPr>
+            <a:spLocks noGrp="1"/>
+          </p:cNvSpPr>
+          <p:nvPr>
+            <p:ph type="title"/>
+          </p:nvPr>
+        </p:nvSpPr>
+        <p:spPr/>
+        <p:txBody>
+          <a:bodyPr/>
+          <a:lstStyle/>
+          <a:p>
+            <a:r>
+              <a:rPr lang="en-GB" dirty="0"/>
+              <a:t>Sprint Planning</a:t>
+            </a:r>
+          </a:p>
+        </p:txBody>
+      </p:sp>
+      <p:sp>
+        <p:nvSpPr>
+          <p:cNvPr id="3" name="Content Placeholder 2">
+            <a:extLst>
+              <a:ext uri="{FF2B5EF4-FFF2-40B4-BE49-F238E27FC236}">
+                <a16:creationId xmlns:a16="http://schemas.microsoft.com/office/drawing/2014/main" id="{D001DBE7-67DF-4AA8-8E31-BE66D1342B48}"/>
+              </a:ext>
+            </a:extLst>
+          </p:cNvPr>
+          <p:cNvSpPr>
+            <a:spLocks noGrp="1"/>
+          </p:cNvSpPr>
+          <p:nvPr>
+            <p:ph idx="1"/>
+          </p:nvPr>
+        </p:nvSpPr>
+        <p:spPr/>
+        <p:txBody>
+          <a:bodyPr/>
+          <a:lstStyle/>
+          <a:p>
+            <a:r>
+              <a:rPr lang="en-GB" dirty="0"/>
+              <a:t>Sprint Documents</a:t>
+            </a:r>
+          </a:p>
+        </p:txBody>
+      </p:sp>
+    </p:spTree>
+    <p:extLst>
+      <p:ext uri="{BB962C8B-B14F-4D97-AF65-F5344CB8AC3E}">
+        <p14:creationId xmlns:p14="http://schemas.microsoft.com/office/powerpoint/2010/main" val="1225627463"/>
+      </p:ext>
+    </p:extLst>
+  </p:cSld>
+  <p:clrMapOvr>
+    <a:masterClrMapping/>
+  </p:clrMapOvr>
+</p:sld>
+</file>
+
+<file path=ppt/slides/slide5.xml><?xml version="1.0" encoding="utf-8"?>
+<p:sld xmlns:a="http://schemas.openxmlformats.org/drawingml/2006/main" xmlns:r="http://schemas.openxmlformats.org/officeDocument/2006/relationships" xmlns:p="http://schemas.openxmlformats.org/presentationml/2006/main">
+  <p:cSld>
+    <p:spTree>
+      <p:nvGrpSpPr>
+        <p:cNvPr id="1" name=""/>
+        <p:cNvGrpSpPr/>
+        <p:nvPr/>
+      </p:nvGrpSpPr>
+      <p:grpSpPr>
+        <a:xfrm>
+          <a:off x="0" y="0"/>
+          <a:ext cx="0" cy="0"/>
+          <a:chOff x="0" y="0"/>
+          <a:chExt cx="0" cy="0"/>
+        </a:xfrm>
+      </p:grpSpPr>
+      <p:sp>
+        <p:nvSpPr>
+          <p:cNvPr id="2" name="Title 1">
+            <a:extLst>
+              <a:ext uri="{FF2B5EF4-FFF2-40B4-BE49-F238E27FC236}">
+                <a16:creationId xmlns:a16="http://schemas.microsoft.com/office/drawing/2014/main" id="{5399851E-FD90-427A-B00D-729037E009C0}"/>
+              </a:ext>
+            </a:extLst>
+          </p:cNvPr>
+          <p:cNvSpPr>
+            <a:spLocks noGrp="1"/>
+          </p:cNvSpPr>
+          <p:nvPr>
+            <p:ph type="title"/>
+          </p:nvPr>
+        </p:nvSpPr>
+        <p:spPr/>
+        <p:txBody>
+          <a:bodyPr/>
+          <a:lstStyle/>
+          <a:p>
+            <a:r>
+              <a:rPr lang="en-GB" dirty="0"/>
+              <a:t>Product Demo</a:t>
+            </a:r>
+          </a:p>
+        </p:txBody>
+      </p:sp>
+      <p:sp>
+        <p:nvSpPr>
+          <p:cNvPr id="3" name="Content Placeholder 2">
+            <a:extLst>
+              <a:ext uri="{FF2B5EF4-FFF2-40B4-BE49-F238E27FC236}">
+                <a16:creationId xmlns:a16="http://schemas.microsoft.com/office/drawing/2014/main" id="{E1FA8661-64E2-48BB-86D2-77BBBFE9AAD0}"/>
+              </a:ext>
+            </a:extLst>
+          </p:cNvPr>
+          <p:cNvSpPr>
+            <a:spLocks noGrp="1"/>
+          </p:cNvSpPr>
+          <p:nvPr>
+            <p:ph idx="1"/>
+          </p:nvPr>
+        </p:nvSpPr>
+        <p:spPr/>
+        <p:txBody>
+          <a:bodyPr/>
+          <a:lstStyle/>
+          <a:p>
+            <a:endParaRPr lang="en-GB"/>
+          </a:p>
+        </p:txBody>
+      </p:sp>
+    </p:spTree>
+    <p:extLst>
+      <p:ext uri="{BB962C8B-B14F-4D97-AF65-F5344CB8AC3E}">
+        <p14:creationId xmlns:p14="http://schemas.microsoft.com/office/powerpoint/2010/main" val="3328914800"/>
+      </p:ext>
+    </p:extLst>
+  </p:cSld>
+  <p:clrMapOvr>
+    <a:masterClrMapping/>
+  </p:clrMapOvr>
+</p:sld>
+</file>
+
+<file path=ppt/slides/slide6.xml><?xml version="1.0" encoding="utf-8"?>
 <p:sld xmlns:a="http://schemas.openxmlformats.org/drawingml/2006/main" xmlns:r="http://schemas.openxmlformats.org/officeDocument/2006/relationships" xmlns:p="http://schemas.openxmlformats.org/presentationml/2006/main">
   <p:cSld>
     <p:spTree>
@@ -6213,7 +6490,7 @@
 </p:sld>
 </file>
 
-<file path=ppt/slides/slide4.xml><?xml version="1.0" encoding="utf-8"?>
+<file path=ppt/slides/slide7.xml><?xml version="1.0" encoding="utf-8"?>
 <p:sld xmlns:a="http://schemas.openxmlformats.org/drawingml/2006/main" xmlns:r="http://schemas.openxmlformats.org/officeDocument/2006/relationships" xmlns:p="http://schemas.openxmlformats.org/presentationml/2006/main">
   <p:cSld>
     <p:spTree>
@@ -6235,7 +6512,7 @@
           <p:cNvPr id="2" name="Title 1">
             <a:extLst>
               <a:ext uri="{FF2B5EF4-FFF2-40B4-BE49-F238E27FC236}">
-                <a16:creationId xmlns:a16="http://schemas.microsoft.com/office/drawing/2014/main" id="{2DE6455C-2B87-49DD-B8AB-6F74061EEC7E}"/>
+                <a16:creationId xmlns:a16="http://schemas.microsoft.com/office/drawing/2014/main" id="{EF431E20-CF03-4A3D-9423-7904A2B23333}"/>
               </a:ext>
             </a:extLst>
           </p:cNvPr>
@@ -6253,980 +6530,6 @@
           <a:p>
             <a:r>
               <a:rPr lang="en-GB" dirty="0"/>
-              <a:t>Story Map</a:t>
-            </a:r>
-          </a:p>
-        </p:txBody>
-      </p:sp>
-      <p:sp>
-        <p:nvSpPr>
-          <p:cNvPr id="4" name="TextBox 3">
-            <a:extLst>
-              <a:ext uri="{FF2B5EF4-FFF2-40B4-BE49-F238E27FC236}">
-                <a16:creationId xmlns:a16="http://schemas.microsoft.com/office/drawing/2014/main" id="{4C45B761-431C-4F74-8EAA-32576AA4A03D}"/>
-              </a:ext>
-            </a:extLst>
-          </p:cNvPr>
-          <p:cNvSpPr txBox="1"/>
-          <p:nvPr/>
-        </p:nvSpPr>
-        <p:spPr>
-          <a:xfrm>
-            <a:off x="671120" y="1371599"/>
-            <a:ext cx="1132514" cy="4524315"/>
-          </a:xfrm>
-          <a:prstGeom prst="rect">
-            <a:avLst/>
-          </a:prstGeom>
-          <a:noFill/>
-        </p:spPr>
-        <p:txBody>
-          <a:bodyPr wrap="square" rtlCol="0">
-            <a:spAutoFit/>
-          </a:bodyPr>
-          <a:lstStyle/>
-          <a:p>
-            <a:r>
-              <a:rPr lang="en-GB" dirty="0">
-                <a:solidFill>
-                  <a:schemeClr val="bg1"/>
-                </a:solidFill>
-              </a:rPr>
-              <a:t>User activities</a:t>
-            </a:r>
-          </a:p>
-          <a:p>
-            <a:endParaRPr lang="en-GB" dirty="0">
-              <a:solidFill>
-                <a:schemeClr val="bg1"/>
-              </a:solidFill>
-            </a:endParaRPr>
-          </a:p>
-          <a:p>
-            <a:r>
-              <a:rPr lang="en-GB" dirty="0">
-                <a:solidFill>
-                  <a:schemeClr val="bg1"/>
-                </a:solidFill>
-              </a:rPr>
-              <a:t>User tasks</a:t>
-            </a:r>
-          </a:p>
-          <a:p>
-            <a:endParaRPr lang="en-GB" dirty="0">
-              <a:solidFill>
-                <a:schemeClr val="bg1"/>
-              </a:solidFill>
-            </a:endParaRPr>
-          </a:p>
-          <a:p>
-            <a:endParaRPr lang="en-GB" dirty="0">
-              <a:solidFill>
-                <a:schemeClr val="bg1"/>
-              </a:solidFill>
-            </a:endParaRPr>
-          </a:p>
-          <a:p>
-            <a:r>
-              <a:rPr lang="en-GB" dirty="0">
-                <a:solidFill>
-                  <a:schemeClr val="bg1"/>
-                </a:solidFill>
-              </a:rPr>
-              <a:t>User stories</a:t>
-            </a:r>
-          </a:p>
-          <a:p>
-            <a:endParaRPr lang="en-GB" dirty="0">
-              <a:solidFill>
-                <a:schemeClr val="bg1"/>
-              </a:solidFill>
-            </a:endParaRPr>
-          </a:p>
-          <a:p>
-            <a:endParaRPr lang="en-GB" dirty="0">
-              <a:solidFill>
-                <a:schemeClr val="bg1"/>
-              </a:solidFill>
-            </a:endParaRPr>
-          </a:p>
-          <a:p>
-            <a:endParaRPr lang="en-GB" dirty="0">
-              <a:solidFill>
-                <a:schemeClr val="bg1"/>
-              </a:solidFill>
-            </a:endParaRPr>
-          </a:p>
-          <a:p>
-            <a:endParaRPr lang="en-GB" dirty="0">
-              <a:solidFill>
-                <a:schemeClr val="bg1"/>
-              </a:solidFill>
-            </a:endParaRPr>
-          </a:p>
-          <a:p>
-            <a:endParaRPr lang="en-GB" dirty="0">
-              <a:solidFill>
-                <a:schemeClr val="bg1"/>
-              </a:solidFill>
-            </a:endParaRPr>
-          </a:p>
-          <a:p>
-            <a:endParaRPr lang="en-GB" dirty="0">
-              <a:solidFill>
-                <a:schemeClr val="bg1"/>
-              </a:solidFill>
-            </a:endParaRPr>
-          </a:p>
-          <a:p>
-            <a:endParaRPr lang="en-GB" dirty="0">
-              <a:solidFill>
-                <a:schemeClr val="bg1"/>
-              </a:solidFill>
-            </a:endParaRPr>
-          </a:p>
-          <a:p>
-            <a:endParaRPr lang="en-GB" dirty="0">
-              <a:solidFill>
-                <a:schemeClr val="bg1"/>
-              </a:solidFill>
-            </a:endParaRPr>
-          </a:p>
-        </p:txBody>
-      </p:sp>
-      <p:sp>
-        <p:nvSpPr>
-          <p:cNvPr id="5" name="TextBox 4">
-            <a:extLst>
-              <a:ext uri="{FF2B5EF4-FFF2-40B4-BE49-F238E27FC236}">
-                <a16:creationId xmlns:a16="http://schemas.microsoft.com/office/drawing/2014/main" id="{027AD365-E1A6-4BF7-9373-D2F79EB38F9B}"/>
-              </a:ext>
-            </a:extLst>
-          </p:cNvPr>
-          <p:cNvSpPr txBox="1"/>
-          <p:nvPr/>
-        </p:nvSpPr>
-        <p:spPr>
-          <a:xfrm>
-            <a:off x="3302466" y="1413577"/>
-            <a:ext cx="1536582" cy="646331"/>
-          </a:xfrm>
-          <a:prstGeom prst="rect">
-            <a:avLst/>
-          </a:prstGeom>
-          <a:noFill/>
-        </p:spPr>
-        <p:txBody>
-          <a:bodyPr wrap="square" rtlCol="0">
-            <a:spAutoFit/>
-          </a:bodyPr>
-          <a:lstStyle/>
-          <a:p>
-            <a:r>
-              <a:rPr lang="en-GB" dirty="0">
-                <a:solidFill>
-                  <a:schemeClr val="bg1"/>
-                </a:solidFill>
-              </a:rPr>
-              <a:t>Flight management</a:t>
-            </a:r>
-          </a:p>
-        </p:txBody>
-      </p:sp>
-      <p:sp>
-        <p:nvSpPr>
-          <p:cNvPr id="6" name="TextBox 5">
-            <a:extLst>
-              <a:ext uri="{FF2B5EF4-FFF2-40B4-BE49-F238E27FC236}">
-                <a16:creationId xmlns:a16="http://schemas.microsoft.com/office/drawing/2014/main" id="{71038A87-02C1-44AB-8398-20852E0371E1}"/>
-              </a:ext>
-            </a:extLst>
-          </p:cNvPr>
-          <p:cNvSpPr txBox="1"/>
-          <p:nvPr/>
-        </p:nvSpPr>
-        <p:spPr>
-          <a:xfrm>
-            <a:off x="2462171" y="2326290"/>
-            <a:ext cx="3015840" cy="307777"/>
-          </a:xfrm>
-          <a:prstGeom prst="rect">
-            <a:avLst/>
-          </a:prstGeom>
-          <a:noFill/>
-        </p:spPr>
-        <p:txBody>
-          <a:bodyPr wrap="square" rtlCol="0">
-            <a:spAutoFit/>
-          </a:bodyPr>
-          <a:lstStyle/>
-          <a:p>
-            <a:r>
-              <a:rPr lang="en-GB" sz="1400" dirty="0">
-                <a:solidFill>
-                  <a:schemeClr val="bg1"/>
-                </a:solidFill>
-              </a:rPr>
-              <a:t>Search / Book / Cancel / Pay for a flight</a:t>
-            </a:r>
-          </a:p>
-        </p:txBody>
-      </p:sp>
-      <p:sp>
-        <p:nvSpPr>
-          <p:cNvPr id="7" name="TextBox 6">
-            <a:extLst>
-              <a:ext uri="{FF2B5EF4-FFF2-40B4-BE49-F238E27FC236}">
-                <a16:creationId xmlns:a16="http://schemas.microsoft.com/office/drawing/2014/main" id="{E1C6D520-951B-4A8F-89F0-645DBB997D02}"/>
-              </a:ext>
-            </a:extLst>
-          </p:cNvPr>
-          <p:cNvSpPr txBox="1"/>
-          <p:nvPr/>
-        </p:nvSpPr>
-        <p:spPr>
-          <a:xfrm>
-            <a:off x="5568892" y="1371599"/>
-            <a:ext cx="1536582" cy="646331"/>
-          </a:xfrm>
-          <a:prstGeom prst="rect">
-            <a:avLst/>
-          </a:prstGeom>
-          <a:noFill/>
-        </p:spPr>
-        <p:txBody>
-          <a:bodyPr wrap="square" rtlCol="0">
-            <a:spAutoFit/>
-          </a:bodyPr>
-          <a:lstStyle/>
-          <a:p>
-            <a:r>
-              <a:rPr lang="en-GB" dirty="0">
-                <a:solidFill>
-                  <a:schemeClr val="bg1"/>
-                </a:solidFill>
-              </a:rPr>
-              <a:t>Account management</a:t>
-            </a:r>
-          </a:p>
-        </p:txBody>
-      </p:sp>
-      <p:sp>
-        <p:nvSpPr>
-          <p:cNvPr id="8" name="TextBox 7">
-            <a:extLst>
-              <a:ext uri="{FF2B5EF4-FFF2-40B4-BE49-F238E27FC236}">
-                <a16:creationId xmlns:a16="http://schemas.microsoft.com/office/drawing/2014/main" id="{E579A0CC-ADC6-42CE-9875-6227F50BC3D5}"/>
-              </a:ext>
-            </a:extLst>
-          </p:cNvPr>
-          <p:cNvSpPr txBox="1"/>
-          <p:nvPr/>
-        </p:nvSpPr>
-        <p:spPr>
-          <a:xfrm>
-            <a:off x="5652081" y="2316441"/>
-            <a:ext cx="1347135" cy="523220"/>
-          </a:xfrm>
-          <a:prstGeom prst="rect">
-            <a:avLst/>
-          </a:prstGeom>
-          <a:noFill/>
-        </p:spPr>
-        <p:txBody>
-          <a:bodyPr wrap="square" rtlCol="0">
-            <a:spAutoFit/>
-          </a:bodyPr>
-          <a:lstStyle/>
-          <a:p>
-            <a:r>
-              <a:rPr lang="en-GB" sz="1400" dirty="0">
-                <a:solidFill>
-                  <a:schemeClr val="bg1"/>
-                </a:solidFill>
-              </a:rPr>
-              <a:t>Create / Delete account</a:t>
-            </a:r>
-          </a:p>
-        </p:txBody>
-      </p:sp>
-      <p:sp>
-        <p:nvSpPr>
-          <p:cNvPr id="9" name="TextBox 8">
-            <a:extLst>
-              <a:ext uri="{FF2B5EF4-FFF2-40B4-BE49-F238E27FC236}">
-                <a16:creationId xmlns:a16="http://schemas.microsoft.com/office/drawing/2014/main" id="{1C51A210-5C88-44B5-A146-5D35065C9FCC}"/>
-              </a:ext>
-            </a:extLst>
-          </p:cNvPr>
-          <p:cNvSpPr txBox="1"/>
-          <p:nvPr/>
-        </p:nvSpPr>
-        <p:spPr>
-          <a:xfrm>
-            <a:off x="9047527" y="1413577"/>
-            <a:ext cx="914400" cy="369332"/>
-          </a:xfrm>
-          <a:prstGeom prst="rect">
-            <a:avLst/>
-          </a:prstGeom>
-          <a:noFill/>
-        </p:spPr>
-        <p:txBody>
-          <a:bodyPr wrap="square" rtlCol="0">
-            <a:spAutoFit/>
-          </a:bodyPr>
-          <a:lstStyle/>
-          <a:p>
-            <a:r>
-              <a:rPr lang="en-GB" dirty="0">
-                <a:solidFill>
-                  <a:schemeClr val="bg1"/>
-                </a:solidFill>
-              </a:rPr>
-              <a:t>Admin</a:t>
-            </a:r>
-          </a:p>
-        </p:txBody>
-      </p:sp>
-      <p:sp>
-        <p:nvSpPr>
-          <p:cNvPr id="10" name="TextBox 9">
-            <a:extLst>
-              <a:ext uri="{FF2B5EF4-FFF2-40B4-BE49-F238E27FC236}">
-                <a16:creationId xmlns:a16="http://schemas.microsoft.com/office/drawing/2014/main" id="{EA7C2083-BDDC-48A5-923D-3CAF404B512C}"/>
-              </a:ext>
-            </a:extLst>
-          </p:cNvPr>
-          <p:cNvSpPr txBox="1"/>
-          <p:nvPr/>
-        </p:nvSpPr>
-        <p:spPr>
-          <a:xfrm>
-            <a:off x="7835318" y="2281939"/>
-            <a:ext cx="1669409" cy="523220"/>
-          </a:xfrm>
-          <a:prstGeom prst="rect">
-            <a:avLst/>
-          </a:prstGeom>
-          <a:noFill/>
-        </p:spPr>
-        <p:txBody>
-          <a:bodyPr wrap="square" rtlCol="0">
-            <a:spAutoFit/>
-          </a:bodyPr>
-          <a:lstStyle/>
-          <a:p>
-            <a:r>
-              <a:rPr lang="en-GB" sz="1400" dirty="0">
-                <a:solidFill>
-                  <a:schemeClr val="bg1"/>
-                </a:solidFill>
-              </a:rPr>
-              <a:t>Add/remove/check flights</a:t>
-            </a:r>
-          </a:p>
-        </p:txBody>
-      </p:sp>
-      <p:sp>
-        <p:nvSpPr>
-          <p:cNvPr id="11" name="TextBox 10">
-            <a:extLst>
-              <a:ext uri="{FF2B5EF4-FFF2-40B4-BE49-F238E27FC236}">
-                <a16:creationId xmlns:a16="http://schemas.microsoft.com/office/drawing/2014/main" id="{A682DCBD-5B74-4FF6-BD91-1CC17BC4F182}"/>
-              </a:ext>
-            </a:extLst>
-          </p:cNvPr>
-          <p:cNvSpPr txBox="1"/>
-          <p:nvPr/>
-        </p:nvSpPr>
-        <p:spPr>
-          <a:xfrm>
-            <a:off x="9504727" y="2100997"/>
-            <a:ext cx="1449194" cy="738664"/>
-          </a:xfrm>
-          <a:prstGeom prst="rect">
-            <a:avLst/>
-          </a:prstGeom>
-          <a:noFill/>
-        </p:spPr>
-        <p:txBody>
-          <a:bodyPr wrap="square" rtlCol="0">
-            <a:spAutoFit/>
-          </a:bodyPr>
-          <a:lstStyle/>
-          <a:p>
-            <a:r>
-              <a:rPr lang="en-GB" sz="1400" dirty="0">
-                <a:solidFill>
-                  <a:schemeClr val="bg1"/>
-                </a:solidFill>
-              </a:rPr>
-              <a:t>View audit logs / send a secure message</a:t>
-            </a:r>
-          </a:p>
-        </p:txBody>
-      </p:sp>
-      <p:sp>
-        <p:nvSpPr>
-          <p:cNvPr id="12" name="TextBox 11">
-            <a:extLst>
-              <a:ext uri="{FF2B5EF4-FFF2-40B4-BE49-F238E27FC236}">
-                <a16:creationId xmlns:a16="http://schemas.microsoft.com/office/drawing/2014/main" id="{E4AA30FE-4DFD-4E9E-A597-F6272722C2A7}"/>
-              </a:ext>
-            </a:extLst>
-          </p:cNvPr>
-          <p:cNvSpPr txBox="1"/>
-          <p:nvPr/>
-        </p:nvSpPr>
-        <p:spPr>
-          <a:xfrm>
-            <a:off x="3302466" y="3062310"/>
-            <a:ext cx="1132513" cy="830997"/>
-          </a:xfrm>
-          <a:prstGeom prst="rect">
-            <a:avLst/>
-          </a:prstGeom>
-          <a:noFill/>
-        </p:spPr>
-        <p:txBody>
-          <a:bodyPr wrap="square" rtlCol="0">
-            <a:spAutoFit/>
-          </a:bodyPr>
-          <a:lstStyle/>
-          <a:p>
-            <a:r>
-              <a:rPr lang="en-GB" sz="1200" dirty="0">
-                <a:solidFill>
-                  <a:schemeClr val="bg1"/>
-                </a:solidFill>
-              </a:rPr>
-              <a:t>Customer logs in, searches for an then books a flight</a:t>
-            </a:r>
-          </a:p>
-        </p:txBody>
-      </p:sp>
-      <p:sp>
-        <p:nvSpPr>
-          <p:cNvPr id="13" name="TextBox 12">
-            <a:extLst>
-              <a:ext uri="{FF2B5EF4-FFF2-40B4-BE49-F238E27FC236}">
-                <a16:creationId xmlns:a16="http://schemas.microsoft.com/office/drawing/2014/main" id="{77E39B55-6F7C-4725-8F61-82CA3021F724}"/>
-              </a:ext>
-            </a:extLst>
-          </p:cNvPr>
-          <p:cNvSpPr txBox="1"/>
-          <p:nvPr/>
-        </p:nvSpPr>
-        <p:spPr>
-          <a:xfrm>
-            <a:off x="7798268" y="4052842"/>
-            <a:ext cx="1132514" cy="646331"/>
-          </a:xfrm>
-          <a:prstGeom prst="rect">
-            <a:avLst/>
-          </a:prstGeom>
-          <a:noFill/>
-        </p:spPr>
-        <p:txBody>
-          <a:bodyPr wrap="square" rtlCol="0">
-            <a:spAutoFit/>
-          </a:bodyPr>
-          <a:lstStyle/>
-          <a:p>
-            <a:r>
-              <a:rPr lang="en-GB" sz="1200" dirty="0">
-                <a:solidFill>
-                  <a:schemeClr val="bg1"/>
-                </a:solidFill>
-              </a:rPr>
-              <a:t>Administrator adds/removes a flight</a:t>
-            </a:r>
-          </a:p>
-        </p:txBody>
-      </p:sp>
-      <p:sp>
-        <p:nvSpPr>
-          <p:cNvPr id="14" name="TextBox 13">
-            <a:extLst>
-              <a:ext uri="{FF2B5EF4-FFF2-40B4-BE49-F238E27FC236}">
-                <a16:creationId xmlns:a16="http://schemas.microsoft.com/office/drawing/2014/main" id="{9F9F61B0-F24F-4B0F-ADF1-2217B1D931F3}"/>
-              </a:ext>
-            </a:extLst>
-          </p:cNvPr>
-          <p:cNvSpPr txBox="1"/>
-          <p:nvPr/>
-        </p:nvSpPr>
-        <p:spPr>
-          <a:xfrm>
-            <a:off x="3479334" y="4294443"/>
-            <a:ext cx="914400" cy="646331"/>
-          </a:xfrm>
-          <a:prstGeom prst="rect">
-            <a:avLst/>
-          </a:prstGeom>
-          <a:noFill/>
-        </p:spPr>
-        <p:txBody>
-          <a:bodyPr wrap="square" rtlCol="0">
-            <a:spAutoFit/>
-          </a:bodyPr>
-          <a:lstStyle/>
-          <a:p>
-            <a:r>
-              <a:rPr lang="en-GB" sz="1200" dirty="0">
-                <a:solidFill>
-                  <a:schemeClr val="bg1"/>
-                </a:solidFill>
-              </a:rPr>
-              <a:t>Customer pays for a flight</a:t>
-            </a:r>
-          </a:p>
-        </p:txBody>
-      </p:sp>
-      <p:sp>
-        <p:nvSpPr>
-          <p:cNvPr id="15" name="TextBox 14">
-            <a:extLst>
-              <a:ext uri="{FF2B5EF4-FFF2-40B4-BE49-F238E27FC236}">
-                <a16:creationId xmlns:a16="http://schemas.microsoft.com/office/drawing/2014/main" id="{7AF453B2-F118-4DE9-BFF9-6B9BCD77234D}"/>
-              </a:ext>
-            </a:extLst>
-          </p:cNvPr>
-          <p:cNvSpPr txBox="1"/>
-          <p:nvPr/>
-        </p:nvSpPr>
-        <p:spPr>
-          <a:xfrm>
-            <a:off x="4293768" y="4294442"/>
-            <a:ext cx="914400" cy="646331"/>
-          </a:xfrm>
-          <a:prstGeom prst="rect">
-            <a:avLst/>
-          </a:prstGeom>
-          <a:noFill/>
-        </p:spPr>
-        <p:txBody>
-          <a:bodyPr wrap="square" rtlCol="0">
-            <a:spAutoFit/>
-          </a:bodyPr>
-          <a:lstStyle/>
-          <a:p>
-            <a:r>
-              <a:rPr lang="en-GB" sz="1200" dirty="0">
-                <a:solidFill>
-                  <a:schemeClr val="bg1"/>
-                </a:solidFill>
-              </a:rPr>
-              <a:t>Customer cancels a flight</a:t>
-            </a:r>
-          </a:p>
-        </p:txBody>
-      </p:sp>
-      <p:sp>
-        <p:nvSpPr>
-          <p:cNvPr id="16" name="TextBox 15">
-            <a:extLst>
-              <a:ext uri="{FF2B5EF4-FFF2-40B4-BE49-F238E27FC236}">
-                <a16:creationId xmlns:a16="http://schemas.microsoft.com/office/drawing/2014/main" id="{2897D201-5E2B-4ED2-8B35-DF24BD986E7B}"/>
-              </a:ext>
-            </a:extLst>
-          </p:cNvPr>
-          <p:cNvSpPr txBox="1"/>
-          <p:nvPr/>
-        </p:nvSpPr>
-        <p:spPr>
-          <a:xfrm>
-            <a:off x="5626213" y="3033591"/>
-            <a:ext cx="914400" cy="646331"/>
-          </a:xfrm>
-          <a:prstGeom prst="rect">
-            <a:avLst/>
-          </a:prstGeom>
-          <a:noFill/>
-        </p:spPr>
-        <p:txBody>
-          <a:bodyPr wrap="square" rtlCol="0">
-            <a:spAutoFit/>
-          </a:bodyPr>
-          <a:lstStyle/>
-          <a:p>
-            <a:r>
-              <a:rPr lang="en-GB" sz="1200" dirty="0">
-                <a:solidFill>
-                  <a:schemeClr val="bg1"/>
-                </a:solidFill>
-              </a:rPr>
-              <a:t>Customer creates an account</a:t>
-            </a:r>
-          </a:p>
-        </p:txBody>
-      </p:sp>
-      <p:sp>
-        <p:nvSpPr>
-          <p:cNvPr id="17" name="TextBox 16">
-            <a:extLst>
-              <a:ext uri="{FF2B5EF4-FFF2-40B4-BE49-F238E27FC236}">
-                <a16:creationId xmlns:a16="http://schemas.microsoft.com/office/drawing/2014/main" id="{125E644A-7456-47E0-9464-829972F47F9B}"/>
-              </a:ext>
-            </a:extLst>
-          </p:cNvPr>
-          <p:cNvSpPr txBox="1"/>
-          <p:nvPr/>
-        </p:nvSpPr>
-        <p:spPr>
-          <a:xfrm>
-            <a:off x="9168654" y="4083807"/>
-            <a:ext cx="2023145" cy="461665"/>
-          </a:xfrm>
-          <a:prstGeom prst="rect">
-            <a:avLst/>
-          </a:prstGeom>
-          <a:noFill/>
-        </p:spPr>
-        <p:txBody>
-          <a:bodyPr wrap="square" rtlCol="0">
-            <a:spAutoFit/>
-          </a:bodyPr>
-          <a:lstStyle/>
-          <a:p>
-            <a:r>
-              <a:rPr lang="en-GB" sz="1200" dirty="0">
-                <a:solidFill>
-                  <a:schemeClr val="bg1"/>
-                </a:solidFill>
-              </a:rPr>
-              <a:t>Administrator sends a secure message to a customer</a:t>
-            </a:r>
-          </a:p>
-        </p:txBody>
-      </p:sp>
-      <p:sp>
-        <p:nvSpPr>
-          <p:cNvPr id="18" name="TextBox 17">
-            <a:extLst>
-              <a:ext uri="{FF2B5EF4-FFF2-40B4-BE49-F238E27FC236}">
-                <a16:creationId xmlns:a16="http://schemas.microsoft.com/office/drawing/2014/main" id="{FC1A53E5-A29E-49BE-81C7-2397562AF4EE}"/>
-              </a:ext>
-            </a:extLst>
-          </p:cNvPr>
-          <p:cNvSpPr txBox="1"/>
-          <p:nvPr/>
-        </p:nvSpPr>
-        <p:spPr>
-          <a:xfrm>
-            <a:off x="9168654" y="6064605"/>
-            <a:ext cx="1476462" cy="461665"/>
-          </a:xfrm>
-          <a:prstGeom prst="rect">
-            <a:avLst/>
-          </a:prstGeom>
-          <a:noFill/>
-        </p:spPr>
-        <p:txBody>
-          <a:bodyPr wrap="square" rtlCol="0">
-            <a:spAutoFit/>
-          </a:bodyPr>
-          <a:lstStyle/>
-          <a:p>
-            <a:r>
-              <a:rPr lang="en-GB" sz="1200" dirty="0">
-                <a:solidFill>
-                  <a:schemeClr val="bg1"/>
-                </a:solidFill>
-              </a:rPr>
-              <a:t>Administrator looks at security logs</a:t>
-            </a:r>
-          </a:p>
-        </p:txBody>
-      </p:sp>
-      <p:sp>
-        <p:nvSpPr>
-          <p:cNvPr id="19" name="TextBox 18">
-            <a:extLst>
-              <a:ext uri="{FF2B5EF4-FFF2-40B4-BE49-F238E27FC236}">
-                <a16:creationId xmlns:a16="http://schemas.microsoft.com/office/drawing/2014/main" id="{0FDEF6CF-D8EB-4A86-A91D-45E883DCD6F9}"/>
-              </a:ext>
-            </a:extLst>
-          </p:cNvPr>
-          <p:cNvSpPr txBox="1"/>
-          <p:nvPr/>
-        </p:nvSpPr>
-        <p:spPr>
-          <a:xfrm>
-            <a:off x="6254691" y="5434249"/>
-            <a:ext cx="1273032" cy="461665"/>
-          </a:xfrm>
-          <a:prstGeom prst="rect">
-            <a:avLst/>
-          </a:prstGeom>
-          <a:noFill/>
-        </p:spPr>
-        <p:txBody>
-          <a:bodyPr wrap="square" rtlCol="0">
-            <a:spAutoFit/>
-          </a:bodyPr>
-          <a:lstStyle/>
-          <a:p>
-            <a:r>
-              <a:rPr lang="en-GB" sz="1200" dirty="0">
-                <a:solidFill>
-                  <a:schemeClr val="bg1"/>
-                </a:solidFill>
-              </a:rPr>
-              <a:t>Customer deletes account</a:t>
-            </a:r>
-          </a:p>
-        </p:txBody>
-      </p:sp>
-      <p:sp>
-        <p:nvSpPr>
-          <p:cNvPr id="20" name="TextBox 19">
-            <a:extLst>
-              <a:ext uri="{FF2B5EF4-FFF2-40B4-BE49-F238E27FC236}">
-                <a16:creationId xmlns:a16="http://schemas.microsoft.com/office/drawing/2014/main" id="{66E0164A-6D8E-4A81-8847-9B6F6B925DE6}"/>
-              </a:ext>
-            </a:extLst>
-          </p:cNvPr>
-          <p:cNvSpPr txBox="1"/>
-          <p:nvPr/>
-        </p:nvSpPr>
-        <p:spPr>
-          <a:xfrm>
-            <a:off x="9168654" y="5457189"/>
-            <a:ext cx="1897122" cy="276999"/>
-          </a:xfrm>
-          <a:prstGeom prst="rect">
-            <a:avLst/>
-          </a:prstGeom>
-          <a:noFill/>
-        </p:spPr>
-        <p:txBody>
-          <a:bodyPr wrap="none" rtlCol="0">
-            <a:spAutoFit/>
-          </a:bodyPr>
-          <a:lstStyle/>
-          <a:p>
-            <a:r>
-              <a:rPr lang="en-GB" sz="1200" dirty="0">
-                <a:solidFill>
-                  <a:schemeClr val="bg1"/>
-                </a:solidFill>
-              </a:rPr>
-              <a:t>Administrator looks at stats</a:t>
-            </a:r>
-          </a:p>
-        </p:txBody>
-      </p:sp>
-      <p:sp>
-        <p:nvSpPr>
-          <p:cNvPr id="21" name="TextBox 20">
-            <a:extLst>
-              <a:ext uri="{FF2B5EF4-FFF2-40B4-BE49-F238E27FC236}">
-                <a16:creationId xmlns:a16="http://schemas.microsoft.com/office/drawing/2014/main" id="{FDBF4D74-B481-4183-8084-0F6557F5EAA5}"/>
-              </a:ext>
-            </a:extLst>
-          </p:cNvPr>
-          <p:cNvSpPr txBox="1"/>
-          <p:nvPr/>
-        </p:nvSpPr>
-        <p:spPr>
-          <a:xfrm>
-            <a:off x="1621800" y="3172090"/>
-            <a:ext cx="867610" cy="369332"/>
-          </a:xfrm>
-          <a:prstGeom prst="rect">
-            <a:avLst/>
-          </a:prstGeom>
-          <a:noFill/>
-        </p:spPr>
-        <p:txBody>
-          <a:bodyPr wrap="none" rtlCol="0">
-            <a:spAutoFit/>
-          </a:bodyPr>
-          <a:lstStyle/>
-          <a:p>
-            <a:r>
-              <a:rPr lang="en-GB" dirty="0">
-                <a:solidFill>
-                  <a:schemeClr val="bg1"/>
-                </a:solidFill>
-              </a:rPr>
-              <a:t>Stage 1</a:t>
-            </a:r>
-          </a:p>
-        </p:txBody>
-      </p:sp>
-      <p:sp>
-        <p:nvSpPr>
-          <p:cNvPr id="22" name="TextBox 21">
-            <a:extLst>
-              <a:ext uri="{FF2B5EF4-FFF2-40B4-BE49-F238E27FC236}">
-                <a16:creationId xmlns:a16="http://schemas.microsoft.com/office/drawing/2014/main" id="{942FFCE0-02FB-4F64-B78F-34CD4F8CDAC1}"/>
-              </a:ext>
-            </a:extLst>
-          </p:cNvPr>
-          <p:cNvSpPr txBox="1"/>
-          <p:nvPr/>
-        </p:nvSpPr>
-        <p:spPr>
-          <a:xfrm>
-            <a:off x="1608519" y="4360806"/>
-            <a:ext cx="867610" cy="369332"/>
-          </a:xfrm>
-          <a:prstGeom prst="rect">
-            <a:avLst/>
-          </a:prstGeom>
-          <a:noFill/>
-        </p:spPr>
-        <p:txBody>
-          <a:bodyPr wrap="none" rtlCol="0">
-            <a:spAutoFit/>
-          </a:bodyPr>
-          <a:lstStyle/>
-          <a:p>
-            <a:r>
-              <a:rPr lang="en-GB" dirty="0">
-                <a:solidFill>
-                  <a:schemeClr val="bg1"/>
-                </a:solidFill>
-              </a:rPr>
-              <a:t>Stage 2</a:t>
-            </a:r>
-          </a:p>
-        </p:txBody>
-      </p:sp>
-      <p:sp>
-        <p:nvSpPr>
-          <p:cNvPr id="23" name="TextBox 22">
-            <a:extLst>
-              <a:ext uri="{FF2B5EF4-FFF2-40B4-BE49-F238E27FC236}">
-                <a16:creationId xmlns:a16="http://schemas.microsoft.com/office/drawing/2014/main" id="{E738C715-7B4B-411B-8F75-E2EB17DE4074}"/>
-              </a:ext>
-            </a:extLst>
-          </p:cNvPr>
-          <p:cNvSpPr txBox="1"/>
-          <p:nvPr/>
-        </p:nvSpPr>
-        <p:spPr>
-          <a:xfrm>
-            <a:off x="1583352" y="5364856"/>
-            <a:ext cx="867610" cy="369332"/>
-          </a:xfrm>
-          <a:prstGeom prst="rect">
-            <a:avLst/>
-          </a:prstGeom>
-          <a:noFill/>
-        </p:spPr>
-        <p:txBody>
-          <a:bodyPr wrap="none" rtlCol="0">
-            <a:spAutoFit/>
-          </a:bodyPr>
-          <a:lstStyle/>
-          <a:p>
-            <a:r>
-              <a:rPr lang="en-GB" dirty="0">
-                <a:solidFill>
-                  <a:schemeClr val="bg1"/>
-                </a:solidFill>
-              </a:rPr>
-              <a:t>Stage 3</a:t>
-            </a:r>
-          </a:p>
-        </p:txBody>
-      </p:sp>
-      <p:sp>
-        <p:nvSpPr>
-          <p:cNvPr id="24" name="TextBox 23">
-            <a:extLst>
-              <a:ext uri="{FF2B5EF4-FFF2-40B4-BE49-F238E27FC236}">
-                <a16:creationId xmlns:a16="http://schemas.microsoft.com/office/drawing/2014/main" id="{5B276DD6-6306-480C-928E-BB445C59C8F5}"/>
-              </a:ext>
-            </a:extLst>
-          </p:cNvPr>
-          <p:cNvSpPr txBox="1"/>
-          <p:nvPr/>
-        </p:nvSpPr>
-        <p:spPr>
-          <a:xfrm>
-            <a:off x="1621800" y="6295438"/>
-            <a:ext cx="867610" cy="369332"/>
-          </a:xfrm>
-          <a:prstGeom prst="rect">
-            <a:avLst/>
-          </a:prstGeom>
-          <a:noFill/>
-        </p:spPr>
-        <p:txBody>
-          <a:bodyPr wrap="none" rtlCol="0">
-            <a:spAutoFit/>
-          </a:bodyPr>
-          <a:lstStyle/>
-          <a:p>
-            <a:r>
-              <a:rPr lang="en-GB" dirty="0">
-                <a:solidFill>
-                  <a:schemeClr val="bg1"/>
-                </a:solidFill>
-              </a:rPr>
-              <a:t>Stage 4</a:t>
-            </a:r>
-          </a:p>
-        </p:txBody>
-      </p:sp>
-    </p:spTree>
-    <p:extLst>
-      <p:ext uri="{BB962C8B-B14F-4D97-AF65-F5344CB8AC3E}">
-        <p14:creationId xmlns:p14="http://schemas.microsoft.com/office/powerpoint/2010/main" val="822419268"/>
-      </p:ext>
-    </p:extLst>
-  </p:cSld>
-  <p:clrMapOvr>
-    <a:masterClrMapping/>
-  </p:clrMapOvr>
-</p:sld>
-</file>
-
-<file path=ppt/slides/slide5.xml><?xml version="1.0" encoding="utf-8"?>
-<p:sld xmlns:a="http://schemas.openxmlformats.org/drawingml/2006/main" xmlns:r="http://schemas.openxmlformats.org/officeDocument/2006/relationships" xmlns:p="http://schemas.openxmlformats.org/presentationml/2006/main">
-  <p:cSld>
-    <p:spTree>
-      <p:nvGrpSpPr>
-        <p:cNvPr id="1" name=""/>
-        <p:cNvGrpSpPr/>
-        <p:nvPr/>
-      </p:nvGrpSpPr>
-      <p:grpSpPr>
-        <a:xfrm>
-          <a:off x="0" y="0"/>
-          <a:ext cx="0" cy="0"/>
-          <a:chOff x="0" y="0"/>
-          <a:chExt cx="0" cy="0"/>
-        </a:xfrm>
-      </p:grpSpPr>
-      <p:sp>
-        <p:nvSpPr>
-          <p:cNvPr id="2" name="Title 1">
-            <a:extLst>
-              <a:ext uri="{FF2B5EF4-FFF2-40B4-BE49-F238E27FC236}">
-                <a16:creationId xmlns:a16="http://schemas.microsoft.com/office/drawing/2014/main" id="{EF431E20-CF03-4A3D-9423-7904A2B23333}"/>
-              </a:ext>
-            </a:extLst>
-          </p:cNvPr>
-          <p:cNvSpPr>
-            <a:spLocks noGrp="1"/>
-          </p:cNvSpPr>
-          <p:nvPr>
-            <p:ph type="title"/>
-          </p:nvPr>
-        </p:nvSpPr>
-        <p:spPr/>
-        <p:txBody>
-          <a:bodyPr/>
-          <a:lstStyle/>
-          <a:p>
-            <a:r>
-              <a:rPr lang="en-GB" dirty="0"/>
               <a:t>Risk Assessment – Project Scope</a:t>
             </a:r>
           </a:p>
@@ -7245,7 +6548,7 @@
           <p:nvPr>
             <p:extLst>
               <p:ext uri="{D42A27DB-BD31-4B8C-83A1-F6EECF244321}">
-                <p14:modId xmlns:p14="http://schemas.microsoft.com/office/powerpoint/2010/main" val="2206562656"/>
+                <p14:modId xmlns:p14="http://schemas.microsoft.com/office/powerpoint/2010/main" val="1165678135"/>
               </p:ext>
             </p:extLst>
           </p:nvPr>
@@ -7509,14 +6812,14 @@
                         <a:buNone/>
                       </a:pPr>
                       <a:r>
-                        <a:rPr lang="en-GB" sz="1050">
+                        <a:rPr lang="en-GB" sz="1050" dirty="0">
                           <a:solidFill>
                             <a:schemeClr val="bg1"/>
                           </a:solidFill>
                         </a:rPr>
                         <a:t>Medium-Low</a:t>
                       </a:r>
-                      <a:endParaRPr sz="1050">
+                      <a:endParaRPr sz="1050" dirty="0">
                         <a:solidFill>
                           <a:schemeClr val="bg1"/>
                         </a:solidFill>
@@ -7665,14 +6968,14 @@
                         <a:buNone/>
                       </a:pPr>
                       <a:r>
-                        <a:rPr lang="en-GB" sz="1050">
+                        <a:rPr lang="en-GB" sz="1050" dirty="0">
                           <a:solidFill>
                             <a:schemeClr val="bg1"/>
                           </a:solidFill>
                         </a:rPr>
                         <a:t>Medium-High</a:t>
                       </a:r>
-                      <a:endParaRPr sz="1050">
+                      <a:endParaRPr sz="1050" dirty="0">
                         <a:solidFill>
                           <a:schemeClr val="bg1"/>
                         </a:solidFill>
@@ -7833,14 +7136,14 @@
                         <a:buNone/>
                       </a:pPr>
                       <a:r>
-                        <a:rPr lang="en-GB" sz="1050">
+                        <a:rPr lang="en-GB" sz="1050" dirty="0">
                           <a:solidFill>
                             <a:schemeClr val="bg1"/>
                           </a:solidFill>
                         </a:rPr>
                         <a:t>disagreement on the way forward</a:t>
                       </a:r>
-                      <a:endParaRPr sz="1050">
+                      <a:endParaRPr sz="1050" dirty="0">
                         <a:solidFill>
                           <a:schemeClr val="bg1"/>
                         </a:solidFill>
@@ -7873,14 +7176,14 @@
                         <a:buNone/>
                       </a:pPr>
                       <a:r>
-                        <a:rPr lang="en-GB" sz="1050">
+                        <a:rPr lang="en-GB" sz="1050" dirty="0">
                           <a:solidFill>
                             <a:schemeClr val="bg1"/>
                           </a:solidFill>
                         </a:rPr>
                         <a:t>Medium-Low</a:t>
                       </a:r>
-                      <a:endParaRPr sz="1050">
+                      <a:endParaRPr sz="1050" dirty="0">
                         <a:solidFill>
                           <a:schemeClr val="bg1"/>
                         </a:solidFill>
@@ -8031,14 +7334,14 @@
                         <a:buNone/>
                       </a:pPr>
                       <a:r>
-                        <a:rPr lang="en-GB" sz="1050">
+                        <a:rPr lang="en-GB" sz="1050" dirty="0">
                           <a:solidFill>
                             <a:schemeClr val="bg1"/>
                           </a:solidFill>
                         </a:rPr>
-                        <a:t>Medium-High</a:t>
+                        <a:t>Medium</a:t>
                       </a:r>
-                      <a:endParaRPr sz="1050">
+                      <a:endParaRPr sz="1050" dirty="0">
                         <a:solidFill>
                           <a:schemeClr val="bg1"/>
                         </a:solidFill>
@@ -8047,7 +7350,7 @@
                   </a:txBody>
                   <a:tcPr marL="91450" marR="91450" marT="45725" marB="45725">
                     <a:solidFill>
-                      <a:srgbClr val="E69138"/>
+                      <a:schemeClr val="accent4"/>
                     </a:solidFill>
                   </a:tcPr>
                 </a:tc>
@@ -8224,14 +7527,14 @@
                         <a:buNone/>
                       </a:pPr>
                       <a:r>
-                        <a:rPr lang="en-GB" sz="1050">
+                        <a:rPr lang="en-GB" sz="1050" dirty="0">
                           <a:solidFill>
                             <a:schemeClr val="bg1"/>
                           </a:solidFill>
                         </a:rPr>
-                        <a:t>Low</a:t>
+                        <a:t>Medium-Low</a:t>
                       </a:r>
-                      <a:endParaRPr sz="1050">
+                      <a:endParaRPr sz="1050" dirty="0">
                         <a:solidFill>
                           <a:schemeClr val="bg1"/>
                         </a:solidFill>
@@ -8240,7 +7543,7 @@
                   </a:txBody>
                   <a:tcPr marL="91450" marR="91450" marT="45725" marB="45725">
                     <a:solidFill>
-                      <a:srgbClr val="1155CC"/>
+                      <a:schemeClr val="accent6"/>
                     </a:solidFill>
                   </a:tcPr>
                 </a:tc>
@@ -8382,14 +7685,14 @@
                         <a:buNone/>
                       </a:pPr>
                       <a:r>
-                        <a:rPr lang="en-GB" sz="1050">
+                        <a:rPr lang="en-GB" sz="1050" dirty="0">
                           <a:solidFill>
                             <a:schemeClr val="bg1"/>
                           </a:solidFill>
                         </a:rPr>
                         <a:t>Medium-Low</a:t>
                       </a:r>
-                      <a:endParaRPr sz="1050">
+                      <a:endParaRPr sz="1050" dirty="0">
                         <a:solidFill>
                           <a:schemeClr val="bg1"/>
                         </a:solidFill>
@@ -8540,14 +7843,14 @@
                         <a:buNone/>
                       </a:pPr>
                       <a:r>
-                        <a:rPr lang="en-GB" sz="1050">
+                        <a:rPr lang="en-GB" sz="1050" dirty="0">
                           <a:solidFill>
                             <a:schemeClr val="bg1"/>
                           </a:solidFill>
                         </a:rPr>
                         <a:t>Low</a:t>
                       </a:r>
-                      <a:endParaRPr sz="1050">
+                      <a:endParaRPr sz="1050" dirty="0">
                         <a:solidFill>
                           <a:schemeClr val="bg1"/>
                         </a:solidFill>
@@ -8698,14 +8001,14 @@
                         <a:buNone/>
                       </a:pPr>
                       <a:r>
-                        <a:rPr lang="en-GB" sz="1050">
+                        <a:rPr lang="en-GB" sz="1050" dirty="0">
                           <a:solidFill>
                             <a:schemeClr val="bg1"/>
                           </a:solidFill>
                         </a:rPr>
                         <a:t>Medium</a:t>
                       </a:r>
-                      <a:endParaRPr sz="1050">
+                      <a:endParaRPr sz="1050" dirty="0">
                         <a:solidFill>
                           <a:schemeClr val="bg1"/>
                         </a:solidFill>
@@ -8884,895 +8187,7 @@
 </p:sld>
 </file>
 
-<file path=ppt/slides/slide6.xml><?xml version="1.0" encoding="utf-8"?>
-<p:sld xmlns:a="http://schemas.openxmlformats.org/drawingml/2006/main" xmlns:r="http://schemas.openxmlformats.org/officeDocument/2006/relationships" xmlns:p="http://schemas.openxmlformats.org/presentationml/2006/main">
-  <p:cSld>
-    <p:spTree>
-      <p:nvGrpSpPr>
-        <p:cNvPr id="1" name=""/>
-        <p:cNvGrpSpPr/>
-        <p:nvPr/>
-      </p:nvGrpSpPr>
-      <p:grpSpPr>
-        <a:xfrm>
-          <a:off x="0" y="0"/>
-          <a:ext cx="0" cy="0"/>
-          <a:chOff x="0" y="0"/>
-          <a:chExt cx="0" cy="0"/>
-        </a:xfrm>
-      </p:grpSpPr>
-      <p:sp>
-        <p:nvSpPr>
-          <p:cNvPr id="2" name="Title 1">
-            <a:extLst>
-              <a:ext uri="{FF2B5EF4-FFF2-40B4-BE49-F238E27FC236}">
-                <a16:creationId xmlns:a16="http://schemas.microsoft.com/office/drawing/2014/main" id="{EF431E20-CF03-4A3D-9423-7904A2B23333}"/>
-              </a:ext>
-            </a:extLst>
-          </p:cNvPr>
-          <p:cNvSpPr>
-            <a:spLocks noGrp="1"/>
-          </p:cNvSpPr>
-          <p:nvPr>
-            <p:ph type="title"/>
-          </p:nvPr>
-        </p:nvSpPr>
-        <p:spPr/>
-        <p:txBody>
-          <a:bodyPr/>
-          <a:lstStyle/>
-          <a:p>
-            <a:r>
-              <a:rPr lang="en-GB" dirty="0"/>
-              <a:t>Risk Assessment –Security Issues</a:t>
-            </a:r>
-          </a:p>
-        </p:txBody>
-      </p:sp>
-      <p:graphicFrame>
-        <p:nvGraphicFramePr>
-          <p:cNvPr id="4" name="Google Shape;90;p2">
-            <a:extLst>
-              <a:ext uri="{FF2B5EF4-FFF2-40B4-BE49-F238E27FC236}">
-                <a16:creationId xmlns:a16="http://schemas.microsoft.com/office/drawing/2014/main" id="{4AFDF826-8BF7-49AA-BB0B-71931C4CF7D3}"/>
-              </a:ext>
-            </a:extLst>
-          </p:cNvPr>
-          <p:cNvGraphicFramePr/>
-          <p:nvPr>
-            <p:extLst>
-              <p:ext uri="{D42A27DB-BD31-4B8C-83A1-F6EECF244321}">
-                <p14:modId xmlns:p14="http://schemas.microsoft.com/office/powerpoint/2010/main" val="1246705108"/>
-              </p:ext>
-            </p:extLst>
-          </p:nvPr>
-        </p:nvGraphicFramePr>
-        <p:xfrm>
-          <a:off x="2099112" y="1454977"/>
-          <a:ext cx="8128000" cy="4125020"/>
-        </p:xfrm>
-        <a:graphic>
-          <a:graphicData uri="http://schemas.openxmlformats.org/drawingml/2006/table">
-            <a:tbl>
-              <a:tblPr firstRow="1" bandRow="1">
-                <a:noFill/>
-              </a:tblPr>
-              <a:tblGrid>
-                <a:gridCol w="4064000">
-                  <a:extLst>
-                    <a:ext uri="{9D8B030D-6E8A-4147-A177-3AD203B41FA5}">
-                      <a16:colId xmlns:a16="http://schemas.microsoft.com/office/drawing/2014/main" val="20000"/>
-                    </a:ext>
-                  </a:extLst>
-                </a:gridCol>
-                <a:gridCol w="4064000">
-                  <a:extLst>
-                    <a:ext uri="{9D8B030D-6E8A-4147-A177-3AD203B41FA5}">
-                      <a16:colId xmlns:a16="http://schemas.microsoft.com/office/drawing/2014/main" val="20001"/>
-                    </a:ext>
-                  </a:extLst>
-                </a:gridCol>
-              </a:tblGrid>
-              <a:tr h="370850">
-                <a:tc>
-                  <a:txBody>
-                    <a:bodyPr/>
-                    <a:lstStyle/>
-                    <a:p>
-                      <a:pPr marL="0" marR="0" lvl="0" indent="0" algn="l" rtl="0">
-                        <a:spcBef>
-                          <a:spcPts val="0"/>
-                        </a:spcBef>
-                        <a:spcAft>
-                          <a:spcPts val="0"/>
-                        </a:spcAft>
-                        <a:buNone/>
-                      </a:pPr>
-                      <a:r>
-                        <a:rPr lang="en-GB" sz="1800">
-                          <a:solidFill>
-                            <a:schemeClr val="bg1"/>
-                          </a:solidFill>
-                        </a:rPr>
-                        <a:t>Risk</a:t>
-                      </a:r>
-                      <a:endParaRPr>
-                        <a:solidFill>
-                          <a:schemeClr val="bg1"/>
-                        </a:solidFill>
-                      </a:endParaRPr>
-                    </a:p>
-                  </a:txBody>
-                  <a:tcPr marL="91450" marR="91450" marT="45725" marB="45725">
-                    <a:solidFill>
-                      <a:schemeClr val="accent1">
-                        <a:lumMod val="50000"/>
-                      </a:schemeClr>
-                    </a:solidFill>
-                  </a:tcPr>
-                </a:tc>
-                <a:tc>
-                  <a:txBody>
-                    <a:bodyPr/>
-                    <a:lstStyle/>
-                    <a:p>
-                      <a:pPr marL="0" marR="0" lvl="0" indent="0" algn="l" rtl="0">
-                        <a:spcBef>
-                          <a:spcPts val="0"/>
-                        </a:spcBef>
-                        <a:spcAft>
-                          <a:spcPts val="0"/>
-                        </a:spcAft>
-                        <a:buNone/>
-                      </a:pPr>
-                      <a:r>
-                        <a:rPr lang="en-GB" sz="1800" dirty="0">
-                          <a:solidFill>
-                            <a:schemeClr val="bg1"/>
-                          </a:solidFill>
-                        </a:rPr>
-                        <a:t>Mitigation</a:t>
-                      </a:r>
-                      <a:endParaRPr dirty="0">
-                        <a:solidFill>
-                          <a:schemeClr val="bg1"/>
-                        </a:solidFill>
-                      </a:endParaRPr>
-                    </a:p>
-                  </a:txBody>
-                  <a:tcPr marL="91450" marR="91450" marT="45725" marB="45725">
-                    <a:solidFill>
-                      <a:schemeClr val="accent1">
-                        <a:lumMod val="50000"/>
-                      </a:schemeClr>
-                    </a:solidFill>
-                  </a:tcPr>
-                </a:tc>
-                <a:extLst>
-                  <a:ext uri="{0D108BD9-81ED-4DB2-BD59-A6C34878D82A}">
-                    <a16:rowId xmlns:a16="http://schemas.microsoft.com/office/drawing/2014/main" val="10000"/>
-                  </a:ext>
-                </a:extLst>
-              </a:tr>
-              <a:tr h="370850">
-                <a:tc>
-                  <a:txBody>
-                    <a:bodyPr/>
-                    <a:lstStyle/>
-                    <a:p>
-                      <a:pPr marL="0" marR="0" lvl="0" indent="0" algn="l" rtl="0">
-                        <a:lnSpc>
-                          <a:spcPct val="100000"/>
-                        </a:lnSpc>
-                        <a:spcBef>
-                          <a:spcPts val="0"/>
-                        </a:spcBef>
-                        <a:spcAft>
-                          <a:spcPts val="0"/>
-                        </a:spcAft>
-                        <a:buClr>
-                          <a:schemeClr val="dk1"/>
-                        </a:buClr>
-                        <a:buSzPts val="1800"/>
-                        <a:buFont typeface="Calibri"/>
-                        <a:buNone/>
-                      </a:pPr>
-                      <a:r>
-                        <a:rPr lang="en-GB" sz="1800">
-                          <a:solidFill>
-                            <a:schemeClr val="bg1"/>
-                          </a:solidFill>
-                        </a:rPr>
-                        <a:t>Login security/validation - credential stealing, replay attacks</a:t>
-                      </a:r>
-                      <a:endParaRPr>
-                        <a:solidFill>
-                          <a:schemeClr val="bg1"/>
-                        </a:solidFill>
-                      </a:endParaRPr>
-                    </a:p>
-                    <a:p>
-                      <a:pPr marL="0" marR="0" lvl="0" indent="0" algn="l" rtl="0">
-                        <a:lnSpc>
-                          <a:spcPct val="100000"/>
-                        </a:lnSpc>
-                        <a:spcBef>
-                          <a:spcPts val="0"/>
-                        </a:spcBef>
-                        <a:spcAft>
-                          <a:spcPts val="0"/>
-                        </a:spcAft>
-                        <a:buClr>
-                          <a:schemeClr val="dk1"/>
-                        </a:buClr>
-                        <a:buSzPts val="1800"/>
-                        <a:buFont typeface="Calibri"/>
-                        <a:buNone/>
-                      </a:pPr>
-                      <a:endParaRPr sz="1800">
-                        <a:solidFill>
-                          <a:schemeClr val="bg1"/>
-                        </a:solidFill>
-                      </a:endParaRPr>
-                    </a:p>
-                    <a:p>
-                      <a:pPr marL="0" marR="0" lvl="0" indent="0" algn="l" rtl="0">
-                        <a:spcBef>
-                          <a:spcPts val="0"/>
-                        </a:spcBef>
-                        <a:spcAft>
-                          <a:spcPts val="0"/>
-                        </a:spcAft>
-                        <a:buNone/>
-                      </a:pPr>
-                      <a:endParaRPr sz="1800">
-                        <a:solidFill>
-                          <a:schemeClr val="bg1"/>
-                        </a:solidFill>
-                      </a:endParaRPr>
-                    </a:p>
-                  </a:txBody>
-                  <a:tcPr marL="91450" marR="91450" marT="45725" marB="45725">
-                    <a:solidFill>
-                      <a:schemeClr val="accent5">
-                        <a:lumMod val="75000"/>
-                      </a:schemeClr>
-                    </a:solidFill>
-                  </a:tcPr>
-                </a:tc>
-                <a:tc>
-                  <a:txBody>
-                    <a:bodyPr/>
-                    <a:lstStyle/>
-                    <a:p>
-                      <a:pPr marL="0" marR="0" lvl="0" indent="0" algn="l" rtl="0">
-                        <a:spcBef>
-                          <a:spcPts val="0"/>
-                        </a:spcBef>
-                        <a:spcAft>
-                          <a:spcPts val="0"/>
-                        </a:spcAft>
-                        <a:buNone/>
-                      </a:pPr>
-                      <a:r>
-                        <a:rPr lang="en-GB" sz="1800" dirty="0">
-                          <a:solidFill>
-                            <a:schemeClr val="bg1"/>
-                          </a:solidFill>
-                        </a:rPr>
-                        <a:t>encrypting passwords with salt,, limited user accounts on database for customer users, password policy, minimum length</a:t>
-                      </a:r>
-                      <a:endParaRPr dirty="0">
-                        <a:solidFill>
-                          <a:schemeClr val="bg1"/>
-                        </a:solidFill>
-                      </a:endParaRPr>
-                    </a:p>
-                  </a:txBody>
-                  <a:tcPr marL="91450" marR="91450" marT="45725" marB="45725">
-                    <a:solidFill>
-                      <a:schemeClr val="accent5">
-                        <a:lumMod val="75000"/>
-                      </a:schemeClr>
-                    </a:solidFill>
-                  </a:tcPr>
-                </a:tc>
-                <a:extLst>
-                  <a:ext uri="{0D108BD9-81ED-4DB2-BD59-A6C34878D82A}">
-                    <a16:rowId xmlns:a16="http://schemas.microsoft.com/office/drawing/2014/main" val="10001"/>
-                  </a:ext>
-                </a:extLst>
-              </a:tr>
-              <a:tr h="370850">
-                <a:tc>
-                  <a:txBody>
-                    <a:bodyPr/>
-                    <a:lstStyle/>
-                    <a:p>
-                      <a:pPr marL="0" marR="0" lvl="0" indent="0" algn="l" rtl="0">
-                        <a:spcBef>
-                          <a:spcPts val="0"/>
-                        </a:spcBef>
-                        <a:spcAft>
-                          <a:spcPts val="0"/>
-                        </a:spcAft>
-                        <a:buNone/>
-                      </a:pPr>
-                      <a:r>
-                        <a:rPr lang="en-GB" sz="1800" dirty="0">
-                          <a:solidFill>
-                            <a:schemeClr val="bg1"/>
-                          </a:solidFill>
-                        </a:rPr>
-                        <a:t>insecure input - SQL injection</a:t>
-                      </a:r>
-                      <a:endParaRPr dirty="0">
-                        <a:solidFill>
-                          <a:schemeClr val="bg1"/>
-                        </a:solidFill>
-                      </a:endParaRPr>
-                    </a:p>
-                  </a:txBody>
-                  <a:tcPr marL="91450" marR="91450" marT="45725" marB="45725">
-                    <a:solidFill>
-                      <a:schemeClr val="accent1">
-                        <a:lumMod val="75000"/>
-                      </a:schemeClr>
-                    </a:solidFill>
-                  </a:tcPr>
-                </a:tc>
-                <a:tc>
-                  <a:txBody>
-                    <a:bodyPr/>
-                    <a:lstStyle/>
-                    <a:p>
-                      <a:pPr marL="0" marR="0" lvl="0" indent="0" algn="l" rtl="0">
-                        <a:spcBef>
-                          <a:spcPts val="0"/>
-                        </a:spcBef>
-                        <a:spcAft>
-                          <a:spcPts val="0"/>
-                        </a:spcAft>
-                        <a:buNone/>
-                      </a:pPr>
-                      <a:r>
-                        <a:rPr lang="en-GB" sz="1800" dirty="0">
-                          <a:solidFill>
-                            <a:schemeClr val="bg1"/>
-                          </a:solidFill>
-                        </a:rPr>
-                        <a:t>use binding parameters in SQL procedures, sanitize input</a:t>
-                      </a:r>
-                      <a:endParaRPr dirty="0">
-                        <a:solidFill>
-                          <a:schemeClr val="bg1"/>
-                        </a:solidFill>
-                      </a:endParaRPr>
-                    </a:p>
-                  </a:txBody>
-                  <a:tcPr marL="91450" marR="91450" marT="45725" marB="45725">
-                    <a:solidFill>
-                      <a:schemeClr val="accent1">
-                        <a:lumMod val="75000"/>
-                      </a:schemeClr>
-                    </a:solidFill>
-                  </a:tcPr>
-                </a:tc>
-                <a:extLst>
-                  <a:ext uri="{0D108BD9-81ED-4DB2-BD59-A6C34878D82A}">
-                    <a16:rowId xmlns:a16="http://schemas.microsoft.com/office/drawing/2014/main" val="10002"/>
-                  </a:ext>
-                </a:extLst>
-              </a:tr>
-              <a:tr h="370850">
-                <a:tc>
-                  <a:txBody>
-                    <a:bodyPr/>
-                    <a:lstStyle/>
-                    <a:p>
-                      <a:pPr marL="0" marR="0" lvl="0" indent="0" algn="l" rtl="0">
-                        <a:lnSpc>
-                          <a:spcPct val="100000"/>
-                        </a:lnSpc>
-                        <a:spcBef>
-                          <a:spcPts val="0"/>
-                        </a:spcBef>
-                        <a:spcAft>
-                          <a:spcPts val="0"/>
-                        </a:spcAft>
-                        <a:buClr>
-                          <a:schemeClr val="dk1"/>
-                        </a:buClr>
-                        <a:buSzPts val="1800"/>
-                        <a:buFont typeface="Calibri"/>
-                        <a:buNone/>
-                      </a:pPr>
-                      <a:r>
-                        <a:rPr lang="en-GB" sz="1800">
-                          <a:solidFill>
-                            <a:schemeClr val="bg1"/>
-                          </a:solidFill>
-                        </a:rPr>
-                        <a:t>denial of service attacks</a:t>
-                      </a:r>
-                      <a:endParaRPr>
-                        <a:solidFill>
-                          <a:schemeClr val="bg1"/>
-                        </a:solidFill>
-                      </a:endParaRPr>
-                    </a:p>
-                  </a:txBody>
-                  <a:tcPr marL="91450" marR="91450" marT="45725" marB="45725">
-                    <a:solidFill>
-                      <a:schemeClr val="accent5">
-                        <a:lumMod val="75000"/>
-                      </a:schemeClr>
-                    </a:solidFill>
-                  </a:tcPr>
-                </a:tc>
-                <a:tc>
-                  <a:txBody>
-                    <a:bodyPr/>
-                    <a:lstStyle/>
-                    <a:p>
-                      <a:pPr marL="0" marR="0" lvl="0" indent="0" algn="l" rtl="0">
-                        <a:spcBef>
-                          <a:spcPts val="0"/>
-                        </a:spcBef>
-                        <a:spcAft>
-                          <a:spcPts val="0"/>
-                        </a:spcAft>
-                        <a:buNone/>
-                      </a:pPr>
-                      <a:r>
-                        <a:rPr lang="en-GB" sz="1800" dirty="0">
-                          <a:solidFill>
-                            <a:schemeClr val="bg1"/>
-                          </a:solidFill>
-                        </a:rPr>
-                        <a:t>limit number of failed login attempts, restrict time between ping requests</a:t>
-                      </a:r>
-                      <a:endParaRPr dirty="0">
-                        <a:solidFill>
-                          <a:schemeClr val="bg1"/>
-                        </a:solidFill>
-                      </a:endParaRPr>
-                    </a:p>
-                  </a:txBody>
-                  <a:tcPr marL="91450" marR="91450" marT="45725" marB="45725">
-                    <a:solidFill>
-                      <a:schemeClr val="accent5">
-                        <a:lumMod val="75000"/>
-                      </a:schemeClr>
-                    </a:solidFill>
-                  </a:tcPr>
-                </a:tc>
-                <a:extLst>
-                  <a:ext uri="{0D108BD9-81ED-4DB2-BD59-A6C34878D82A}">
-                    <a16:rowId xmlns:a16="http://schemas.microsoft.com/office/drawing/2014/main" val="10003"/>
-                  </a:ext>
-                </a:extLst>
-              </a:tr>
-              <a:tr h="370850">
-                <a:tc>
-                  <a:txBody>
-                    <a:bodyPr/>
-                    <a:lstStyle/>
-                    <a:p>
-                      <a:pPr marL="0" marR="0" lvl="0" indent="0" algn="l" rtl="0">
-                        <a:spcBef>
-                          <a:spcPts val="0"/>
-                        </a:spcBef>
-                        <a:spcAft>
-                          <a:spcPts val="0"/>
-                        </a:spcAft>
-                        <a:buNone/>
-                      </a:pPr>
-                      <a:r>
-                        <a:rPr lang="en-GB" sz="1800">
-                          <a:solidFill>
-                            <a:schemeClr val="bg1"/>
-                          </a:solidFill>
-                        </a:rPr>
-                        <a:t>brute force attacks</a:t>
-                      </a:r>
-                      <a:endParaRPr>
-                        <a:solidFill>
-                          <a:schemeClr val="bg1"/>
-                        </a:solidFill>
-                      </a:endParaRPr>
-                    </a:p>
-                  </a:txBody>
-                  <a:tcPr marL="91450" marR="91450" marT="45725" marB="45725">
-                    <a:solidFill>
-                      <a:schemeClr val="accent1">
-                        <a:lumMod val="75000"/>
-                      </a:schemeClr>
-                    </a:solidFill>
-                  </a:tcPr>
-                </a:tc>
-                <a:tc>
-                  <a:txBody>
-                    <a:bodyPr/>
-                    <a:lstStyle/>
-                    <a:p>
-                      <a:pPr marL="0" marR="0" lvl="0" indent="0" algn="l" rtl="0">
-                        <a:spcBef>
-                          <a:spcPts val="0"/>
-                        </a:spcBef>
-                        <a:spcAft>
-                          <a:spcPts val="0"/>
-                        </a:spcAft>
-                        <a:buNone/>
-                      </a:pPr>
-                      <a:r>
-                        <a:rPr lang="en-GB" sz="1800" dirty="0">
-                          <a:solidFill>
-                            <a:schemeClr val="bg1"/>
-                          </a:solidFill>
-                        </a:rPr>
-                        <a:t>limit number of failed login attempts</a:t>
-                      </a:r>
-                      <a:endParaRPr dirty="0">
-                        <a:solidFill>
-                          <a:schemeClr val="bg1"/>
-                        </a:solidFill>
-                      </a:endParaRPr>
-                    </a:p>
-                  </a:txBody>
-                  <a:tcPr marL="91450" marR="91450" marT="45725" marB="45725">
-                    <a:solidFill>
-                      <a:schemeClr val="accent1">
-                        <a:lumMod val="75000"/>
-                      </a:schemeClr>
-                    </a:solidFill>
-                  </a:tcPr>
-                </a:tc>
-                <a:extLst>
-                  <a:ext uri="{0D108BD9-81ED-4DB2-BD59-A6C34878D82A}">
-                    <a16:rowId xmlns:a16="http://schemas.microsoft.com/office/drawing/2014/main" val="10004"/>
-                  </a:ext>
-                </a:extLst>
-              </a:tr>
-              <a:tr h="302420">
-                <a:tc>
-                  <a:txBody>
-                    <a:bodyPr/>
-                    <a:lstStyle/>
-                    <a:p>
-                      <a:pPr marL="0" marR="0" lvl="0" indent="0" algn="l" rtl="0">
-                        <a:spcBef>
-                          <a:spcPts val="0"/>
-                        </a:spcBef>
-                        <a:spcAft>
-                          <a:spcPts val="0"/>
-                        </a:spcAft>
-                        <a:buNone/>
-                      </a:pPr>
-                      <a:r>
-                        <a:rPr lang="en-GB" sz="1800">
-                          <a:solidFill>
-                            <a:schemeClr val="bg1"/>
-                          </a:solidFill>
-                        </a:rPr>
-                        <a:t>man in the middle attack</a:t>
-                      </a:r>
-                      <a:endParaRPr>
-                        <a:solidFill>
-                          <a:schemeClr val="bg1"/>
-                        </a:solidFill>
-                      </a:endParaRPr>
-                    </a:p>
-                  </a:txBody>
-                  <a:tcPr marL="91450" marR="91450" marT="45725" marB="45725">
-                    <a:solidFill>
-                      <a:schemeClr val="accent5">
-                        <a:lumMod val="75000"/>
-                      </a:schemeClr>
-                    </a:solidFill>
-                  </a:tcPr>
-                </a:tc>
-                <a:tc>
-                  <a:txBody>
-                    <a:bodyPr/>
-                    <a:lstStyle/>
-                    <a:p>
-                      <a:pPr marL="0" marR="0" lvl="0" indent="0" algn="l" rtl="0">
-                        <a:spcBef>
-                          <a:spcPts val="0"/>
-                        </a:spcBef>
-                        <a:spcAft>
-                          <a:spcPts val="0"/>
-                        </a:spcAft>
-                        <a:buNone/>
-                      </a:pPr>
-                      <a:r>
-                        <a:rPr lang="en-GB" sz="1800" dirty="0">
-                          <a:solidFill>
-                            <a:schemeClr val="bg1"/>
-                          </a:solidFill>
-                        </a:rPr>
-                        <a:t>token authentication - PHP session variable or token, use of HTTPS if available</a:t>
-                      </a:r>
-                      <a:endParaRPr dirty="0">
-                        <a:solidFill>
-                          <a:schemeClr val="bg1"/>
-                        </a:solidFill>
-                      </a:endParaRPr>
-                    </a:p>
-                  </a:txBody>
-                  <a:tcPr marL="91450" marR="91450" marT="45725" marB="45725">
-                    <a:solidFill>
-                      <a:schemeClr val="accent5">
-                        <a:lumMod val="75000"/>
-                      </a:schemeClr>
-                    </a:solidFill>
-                  </a:tcPr>
-                </a:tc>
-                <a:extLst>
-                  <a:ext uri="{0D108BD9-81ED-4DB2-BD59-A6C34878D82A}">
-                    <a16:rowId xmlns:a16="http://schemas.microsoft.com/office/drawing/2014/main" val="10005"/>
-                  </a:ext>
-                </a:extLst>
-              </a:tr>
-            </a:tbl>
-          </a:graphicData>
-        </a:graphic>
-      </p:graphicFrame>
-    </p:spTree>
-    <p:extLst>
-      <p:ext uri="{BB962C8B-B14F-4D97-AF65-F5344CB8AC3E}">
-        <p14:creationId xmlns:p14="http://schemas.microsoft.com/office/powerpoint/2010/main" val="3161342937"/>
-      </p:ext>
-    </p:extLst>
-  </p:cSld>
-  <p:clrMapOvr>
-    <a:masterClrMapping/>
-  </p:clrMapOvr>
-</p:sld>
-</file>
-
-<file path=ppt/slides/slide7.xml><?xml version="1.0" encoding="utf-8"?>
-<p:sld xmlns:a="http://schemas.openxmlformats.org/drawingml/2006/main" xmlns:r="http://schemas.openxmlformats.org/officeDocument/2006/relationships" xmlns:p="http://schemas.openxmlformats.org/presentationml/2006/main">
-  <p:cSld>
-    <p:spTree>
-      <p:nvGrpSpPr>
-        <p:cNvPr id="1" name=""/>
-        <p:cNvGrpSpPr/>
-        <p:nvPr/>
-      </p:nvGrpSpPr>
-      <p:grpSpPr>
-        <a:xfrm>
-          <a:off x="0" y="0"/>
-          <a:ext cx="0" cy="0"/>
-          <a:chOff x="0" y="0"/>
-          <a:chExt cx="0" cy="0"/>
-        </a:xfrm>
-      </p:grpSpPr>
-      <p:sp>
-        <p:nvSpPr>
-          <p:cNvPr id="2" name="Title 1">
-            <a:extLst>
-              <a:ext uri="{FF2B5EF4-FFF2-40B4-BE49-F238E27FC236}">
-                <a16:creationId xmlns:a16="http://schemas.microsoft.com/office/drawing/2014/main" id="{E186EE41-6B74-40A0-AE7B-E0882D433652}"/>
-              </a:ext>
-            </a:extLst>
-          </p:cNvPr>
-          <p:cNvSpPr>
-            <a:spLocks noGrp="1"/>
-          </p:cNvSpPr>
-          <p:nvPr>
-            <p:ph type="title"/>
-          </p:nvPr>
-        </p:nvSpPr>
-        <p:spPr/>
-        <p:txBody>
-          <a:bodyPr/>
-          <a:lstStyle/>
-          <a:p>
-            <a:r>
-              <a:rPr lang="en-GB" dirty="0"/>
-              <a:t>Computer Science Elements</a:t>
-            </a:r>
-          </a:p>
-        </p:txBody>
-      </p:sp>
-      <p:sp>
-        <p:nvSpPr>
-          <p:cNvPr id="3" name="Content Placeholder 2">
-            <a:extLst>
-              <a:ext uri="{FF2B5EF4-FFF2-40B4-BE49-F238E27FC236}">
-                <a16:creationId xmlns:a16="http://schemas.microsoft.com/office/drawing/2014/main" id="{1F1A997C-0D9F-49B9-AF88-6760B082751F}"/>
-              </a:ext>
-            </a:extLst>
-          </p:cNvPr>
-          <p:cNvSpPr>
-            <a:spLocks noGrp="1"/>
-          </p:cNvSpPr>
-          <p:nvPr>
-            <p:ph idx="1"/>
-          </p:nvPr>
-        </p:nvSpPr>
-        <p:spPr/>
-        <p:txBody>
-          <a:bodyPr/>
-          <a:lstStyle/>
-          <a:p>
-            <a:r>
-              <a:rPr lang="en-GB" dirty="0"/>
-              <a:t>Predict number of flights for a day based on previous data</a:t>
-            </a:r>
-          </a:p>
-          <a:p>
-            <a:r>
-              <a:rPr lang="en-GB" dirty="0"/>
-              <a:t>Determine how much a flight can be overbooked based on cancellations</a:t>
-            </a:r>
-          </a:p>
-          <a:p>
-            <a:r>
-              <a:rPr lang="en-GB" dirty="0"/>
-              <a:t>Determine optimal price for flights based on previous data</a:t>
-            </a:r>
-          </a:p>
-          <a:p>
-            <a:r>
-              <a:rPr lang="en-GB" dirty="0"/>
-              <a:t>Figure out a packing algorithm for 3d space</a:t>
-            </a:r>
-          </a:p>
-        </p:txBody>
-      </p:sp>
-    </p:spTree>
-    <p:extLst>
-      <p:ext uri="{BB962C8B-B14F-4D97-AF65-F5344CB8AC3E}">
-        <p14:creationId xmlns:p14="http://schemas.microsoft.com/office/powerpoint/2010/main" val="3783491452"/>
-      </p:ext>
-    </p:extLst>
-  </p:cSld>
-  <p:clrMapOvr>
-    <a:masterClrMapping/>
-  </p:clrMapOvr>
-</p:sld>
-</file>
-
 <file path=ppt/slides/slide8.xml><?xml version="1.0" encoding="utf-8"?>
-<p:sld xmlns:a="http://schemas.openxmlformats.org/drawingml/2006/main" xmlns:r="http://schemas.openxmlformats.org/officeDocument/2006/relationships" xmlns:p="http://schemas.openxmlformats.org/presentationml/2006/main">
-  <p:cSld>
-    <p:spTree>
-      <p:nvGrpSpPr>
-        <p:cNvPr id="1" name=""/>
-        <p:cNvGrpSpPr/>
-        <p:nvPr/>
-      </p:nvGrpSpPr>
-      <p:grpSpPr>
-        <a:xfrm>
-          <a:off x="0" y="0"/>
-          <a:ext cx="0" cy="0"/>
-          <a:chOff x="0" y="0"/>
-          <a:chExt cx="0" cy="0"/>
-        </a:xfrm>
-      </p:grpSpPr>
-      <p:sp>
-        <p:nvSpPr>
-          <p:cNvPr id="2" name="Title 1">
-            <a:extLst>
-              <a:ext uri="{FF2B5EF4-FFF2-40B4-BE49-F238E27FC236}">
-                <a16:creationId xmlns:a16="http://schemas.microsoft.com/office/drawing/2014/main" id="{3DC76213-A104-49ED-994D-E168FADD581A}"/>
-              </a:ext>
-            </a:extLst>
-          </p:cNvPr>
-          <p:cNvSpPr>
-            <a:spLocks noGrp="1"/>
-          </p:cNvSpPr>
-          <p:nvPr>
-            <p:ph type="title"/>
-          </p:nvPr>
-        </p:nvSpPr>
-        <p:spPr/>
-        <p:txBody>
-          <a:bodyPr/>
-          <a:lstStyle/>
-          <a:p>
-            <a:r>
-              <a:rPr lang="en-GB" dirty="0"/>
-              <a:t>Security Elements</a:t>
-            </a:r>
-          </a:p>
-        </p:txBody>
-      </p:sp>
-      <p:sp>
-        <p:nvSpPr>
-          <p:cNvPr id="3" name="Content Placeholder 2">
-            <a:extLst>
-              <a:ext uri="{FF2B5EF4-FFF2-40B4-BE49-F238E27FC236}">
-                <a16:creationId xmlns:a16="http://schemas.microsoft.com/office/drawing/2014/main" id="{4C7E304C-1BBE-482F-832B-D711CA31C8FF}"/>
-              </a:ext>
-            </a:extLst>
-          </p:cNvPr>
-          <p:cNvSpPr>
-            <a:spLocks noGrp="1"/>
-          </p:cNvSpPr>
-          <p:nvPr>
-            <p:ph idx="1"/>
-          </p:nvPr>
-        </p:nvSpPr>
-        <p:spPr/>
-        <p:txBody>
-          <a:bodyPr>
-            <a:normAutofit fontScale="92500" lnSpcReduction="10000"/>
-          </a:bodyPr>
-          <a:lstStyle/>
-          <a:p>
-            <a:r>
-              <a:rPr lang="en-GB" dirty="0"/>
-              <a:t>encrypting passwords with salt</a:t>
-            </a:r>
-          </a:p>
-          <a:p>
-            <a:r>
-              <a:rPr lang="en-GB" dirty="0"/>
-              <a:t>limit number of failed login attempts</a:t>
-            </a:r>
-          </a:p>
-          <a:p>
-            <a:r>
-              <a:rPr lang="en-GB" dirty="0"/>
-              <a:t>limit number of failed login attempts</a:t>
-            </a:r>
-          </a:p>
-          <a:p>
-            <a:r>
-              <a:rPr lang="en-GB" dirty="0"/>
-              <a:t>token authentication - PHP session variable using a random number?</a:t>
-            </a:r>
-          </a:p>
-          <a:p>
-            <a:r>
-              <a:rPr lang="en-GB" dirty="0"/>
-              <a:t>use of HTTPS if available</a:t>
-            </a:r>
-          </a:p>
-          <a:p>
-            <a:r>
-              <a:rPr lang="en-GB" dirty="0"/>
-              <a:t>limited user accounts on database for customer users</a:t>
-            </a:r>
-          </a:p>
-          <a:p>
-            <a:r>
-              <a:rPr lang="en-GB" dirty="0"/>
-              <a:t>sanitize input</a:t>
-            </a:r>
-          </a:p>
-          <a:p>
-            <a:r>
-              <a:rPr lang="en-GB" dirty="0"/>
-              <a:t>password policy, minimum length</a:t>
-            </a:r>
-          </a:p>
-          <a:p>
-            <a:r>
-              <a:rPr lang="en-GB" dirty="0"/>
-              <a:t>implement an encryption algorithm to send secure messages to customers/admin stored on database</a:t>
-            </a:r>
-          </a:p>
-        </p:txBody>
-      </p:sp>
-    </p:spTree>
-    <p:extLst>
-      <p:ext uri="{BB962C8B-B14F-4D97-AF65-F5344CB8AC3E}">
-        <p14:creationId xmlns:p14="http://schemas.microsoft.com/office/powerpoint/2010/main" val="929155232"/>
-      </p:ext>
-    </p:extLst>
-  </p:cSld>
-  <p:clrMapOvr>
-    <a:masterClrMapping/>
-  </p:clrMapOvr>
-</p:sld>
-</file>
-
-<file path=ppt/slides/slide9.xml><?xml version="1.0" encoding="utf-8"?>
 <p:sld xmlns:a="http://schemas.openxmlformats.org/drawingml/2006/main" xmlns:r="http://schemas.openxmlformats.org/officeDocument/2006/relationships" xmlns:p="http://schemas.openxmlformats.org/presentationml/2006/main">
   <p:cSld>
     <p:spTree>
@@ -10443,4 +8858,47 @@
     </a:ext>
   </a:extLst>
 </a:theme>
+</file>
+
+<file path=ppt/theme/themeOverride1.xml><?xml version="1.0" encoding="utf-8"?>
+<a:themeOverride xmlns:a="http://schemas.openxmlformats.org/drawingml/2006/main">
+  <a:clrScheme name="Office">
+    <a:dk1>
+      <a:sysClr val="windowText" lastClr="000000"/>
+    </a:dk1>
+    <a:lt1>
+      <a:sysClr val="window" lastClr="FFFFFF"/>
+    </a:lt1>
+    <a:dk2>
+      <a:srgbClr val="44546A"/>
+    </a:dk2>
+    <a:lt2>
+      <a:srgbClr val="E7E6E6"/>
+    </a:lt2>
+    <a:accent1>
+      <a:srgbClr val="4472C4"/>
+    </a:accent1>
+    <a:accent2>
+      <a:srgbClr val="ED7D31"/>
+    </a:accent2>
+    <a:accent3>
+      <a:srgbClr val="A5A5A5"/>
+    </a:accent3>
+    <a:accent4>
+      <a:srgbClr val="FFC000"/>
+    </a:accent4>
+    <a:accent5>
+      <a:srgbClr val="5B9BD5"/>
+    </a:accent5>
+    <a:accent6>
+      <a:srgbClr val="70AD47"/>
+    </a:accent6>
+    <a:hlink>
+      <a:srgbClr val="0563C1"/>
+    </a:hlink>
+    <a:folHlink>
+      <a:srgbClr val="954F72"/>
+    </a:folHlink>
+  </a:clrScheme>
+</a:themeOverride>
 </file>
--- a/Documents/Presentations/PRCO204 Group Presentation 2.pptx
+++ b/Documents/Presentations/PRCO204 Group Presentation 2.pptx
@@ -5,17 +5,28 @@
     <p:sldMasterId id="2147483648" r:id="rId1"/>
   </p:sldMasterIdLst>
   <p:notesMasterIdLst>
-    <p:notesMasterId r:id="rId10"/>
+    <p:notesMasterId r:id="rId21"/>
   </p:notesMasterIdLst>
   <p:sldIdLst>
     <p:sldId id="256" r:id="rId2"/>
     <p:sldId id="257" r:id="rId3"/>
     <p:sldId id="268" r:id="rId4"/>
-    <p:sldId id="269" r:id="rId5"/>
-    <p:sldId id="270" r:id="rId6"/>
+    <p:sldId id="283" r:id="rId5"/>
+    <p:sldId id="269" r:id="rId6"/>
     <p:sldId id="264" r:id="rId7"/>
-    <p:sldId id="267" r:id="rId8"/>
-    <p:sldId id="263" r:id="rId9"/>
+    <p:sldId id="270" r:id="rId8"/>
+    <p:sldId id="271" r:id="rId9"/>
+    <p:sldId id="272" r:id="rId10"/>
+    <p:sldId id="273" r:id="rId11"/>
+    <p:sldId id="274" r:id="rId12"/>
+    <p:sldId id="275" r:id="rId13"/>
+    <p:sldId id="276" r:id="rId14"/>
+    <p:sldId id="278" r:id="rId15"/>
+    <p:sldId id="279" r:id="rId16"/>
+    <p:sldId id="281" r:id="rId17"/>
+    <p:sldId id="282" r:id="rId18"/>
+    <p:sldId id="267" r:id="rId19"/>
+    <p:sldId id="263" r:id="rId20"/>
   </p:sldIdLst>
   <p:sldSz cx="12192000" cy="6858000"/>
   <p:notesSz cx="6858000" cy="9144000"/>
@@ -204,7 +215,7 @@
           <a:p>
             <a:fld id="{3BD742AD-520A-47F7-B2C9-40E93A8FC620}" type="datetimeFigureOut">
               <a:rPr lang="en-GB" smtClean="0"/>
-              <a:t>04/03/2020</a:t>
+              <a:t>05/03/2020</a:t>
             </a:fld>
             <a:endParaRPr lang="en-GB"/>
           </a:p>
@@ -651,7 +662,7 @@
           <a:p>
             <a:fld id="{C0B17FCB-F812-4DC3-A3DE-7A40917F3657}" type="datetimeFigureOut">
               <a:rPr lang="en-GB" smtClean="0"/>
-              <a:t>04/03/2020</a:t>
+              <a:t>05/03/2020</a:t>
             </a:fld>
             <a:endParaRPr lang="en-GB"/>
           </a:p>
@@ -851,7 +862,7 @@
           <a:p>
             <a:fld id="{C0B17FCB-F812-4DC3-A3DE-7A40917F3657}" type="datetimeFigureOut">
               <a:rPr lang="en-GB" smtClean="0"/>
-              <a:t>04/03/2020</a:t>
+              <a:t>05/03/2020</a:t>
             </a:fld>
             <a:endParaRPr lang="en-GB"/>
           </a:p>
@@ -1061,7 +1072,7 @@
           <a:p>
             <a:fld id="{C0B17FCB-F812-4DC3-A3DE-7A40917F3657}" type="datetimeFigureOut">
               <a:rPr lang="en-GB" smtClean="0"/>
-              <a:t>04/03/2020</a:t>
+              <a:t>05/03/2020</a:t>
             </a:fld>
             <a:endParaRPr lang="en-GB"/>
           </a:p>
@@ -1396,7 +1407,7 @@
           <a:p>
             <a:fld id="{C0B17FCB-F812-4DC3-A3DE-7A40917F3657}" type="datetimeFigureOut">
               <a:rPr lang="en-GB" smtClean="0"/>
-              <a:t>04/03/2020</a:t>
+              <a:t>05/03/2020</a:t>
             </a:fld>
             <a:endParaRPr lang="en-GB"/>
           </a:p>
@@ -1739,7 +1750,7 @@
           <a:p>
             <a:fld id="{C0B17FCB-F812-4DC3-A3DE-7A40917F3657}" type="datetimeFigureOut">
               <a:rPr lang="en-GB" smtClean="0"/>
-              <a:t>04/03/2020</a:t>
+              <a:t>05/03/2020</a:t>
             </a:fld>
             <a:endParaRPr lang="en-GB"/>
           </a:p>
@@ -2007,7 +2018,7 @@
           <a:p>
             <a:fld id="{C0B17FCB-F812-4DC3-A3DE-7A40917F3657}" type="datetimeFigureOut">
               <a:rPr lang="en-GB" smtClean="0"/>
-              <a:t>04/03/2020</a:t>
+              <a:t>05/03/2020</a:t>
             </a:fld>
             <a:endParaRPr lang="en-GB"/>
           </a:p>
@@ -2422,7 +2433,7 @@
           <a:p>
             <a:fld id="{C0B17FCB-F812-4DC3-A3DE-7A40917F3657}" type="datetimeFigureOut">
               <a:rPr lang="en-GB" smtClean="0"/>
-              <a:t>04/03/2020</a:t>
+              <a:t>05/03/2020</a:t>
             </a:fld>
             <a:endParaRPr lang="en-GB"/>
           </a:p>
@@ -2564,7 +2575,7 @@
           <a:p>
             <a:fld id="{C0B17FCB-F812-4DC3-A3DE-7A40917F3657}" type="datetimeFigureOut">
               <a:rPr lang="en-GB" smtClean="0"/>
-              <a:t>04/03/2020</a:t>
+              <a:t>05/03/2020</a:t>
             </a:fld>
             <a:endParaRPr lang="en-GB"/>
           </a:p>
@@ -2677,7 +2688,7 @@
           <a:p>
             <a:fld id="{C0B17FCB-F812-4DC3-A3DE-7A40917F3657}" type="datetimeFigureOut">
               <a:rPr lang="en-GB" smtClean="0"/>
-              <a:t>04/03/2020</a:t>
+              <a:t>05/03/2020</a:t>
             </a:fld>
             <a:endParaRPr lang="en-GB"/>
           </a:p>
@@ -2990,7 +3001,7 @@
           <a:p>
             <a:fld id="{C0B17FCB-F812-4DC3-A3DE-7A40917F3657}" type="datetimeFigureOut">
               <a:rPr lang="en-GB" smtClean="0"/>
-              <a:t>04/03/2020</a:t>
+              <a:t>05/03/2020</a:t>
             </a:fld>
             <a:endParaRPr lang="en-GB"/>
           </a:p>
@@ -3279,7 +3290,7 @@
           <a:p>
             <a:fld id="{C0B17FCB-F812-4DC3-A3DE-7A40917F3657}" type="datetimeFigureOut">
               <a:rPr lang="en-GB" smtClean="0"/>
-              <a:t>04/03/2020</a:t>
+              <a:t>05/03/2020</a:t>
             </a:fld>
             <a:endParaRPr lang="en-GB"/>
           </a:p>
@@ -3538,7 +3549,7 @@
           <a:p>
             <a:fld id="{C0B17FCB-F812-4DC3-A3DE-7A40917F3657}" type="datetimeFigureOut">
               <a:rPr lang="en-GB" smtClean="0"/>
-              <a:t>04/03/2020</a:t>
+              <a:t>05/03/2020</a:t>
             </a:fld>
             <a:endParaRPr lang="en-GB"/>
           </a:p>
@@ -4024,6 +4035,2490 @@
 </p:sld>
 </file>
 
+<file path=ppt/slides/slide10.xml><?xml version="1.0" encoding="utf-8"?>
+<p:sld xmlns:a="http://schemas.openxmlformats.org/drawingml/2006/main" xmlns:r="http://schemas.openxmlformats.org/officeDocument/2006/relationships" xmlns:p="http://schemas.openxmlformats.org/presentationml/2006/main">
+  <p:cSld>
+    <p:spTree>
+      <p:nvGrpSpPr>
+        <p:cNvPr id="1" name=""/>
+        <p:cNvGrpSpPr/>
+        <p:nvPr/>
+      </p:nvGrpSpPr>
+      <p:grpSpPr>
+        <a:xfrm>
+          <a:off x="0" y="0"/>
+          <a:ext cx="0" cy="0"/>
+          <a:chOff x="0" y="0"/>
+          <a:chExt cx="0" cy="0"/>
+        </a:xfrm>
+      </p:grpSpPr>
+      <p:sp>
+        <p:nvSpPr>
+          <p:cNvPr id="2" name="Title 1">
+            <a:extLst>
+              <a:ext uri="{FF2B5EF4-FFF2-40B4-BE49-F238E27FC236}">
+                <a16:creationId xmlns:a16="http://schemas.microsoft.com/office/drawing/2014/main" id="{5399851E-FD90-427A-B00D-729037E009C0}"/>
+              </a:ext>
+            </a:extLst>
+          </p:cNvPr>
+          <p:cNvSpPr>
+            <a:spLocks noGrp="1"/>
+          </p:cNvSpPr>
+          <p:nvPr>
+            <p:ph type="title"/>
+          </p:nvPr>
+        </p:nvSpPr>
+        <p:spPr/>
+        <p:txBody>
+          <a:bodyPr/>
+          <a:lstStyle/>
+          <a:p>
+            <a:r>
+              <a:rPr lang="en-GB" dirty="0"/>
+              <a:t>Product Demo - Bookings</a:t>
+            </a:r>
+          </a:p>
+        </p:txBody>
+      </p:sp>
+      <p:pic>
+        <p:nvPicPr>
+          <p:cNvPr id="3" name="Picture 2">
+            <a:extLst>
+              <a:ext uri="{FF2B5EF4-FFF2-40B4-BE49-F238E27FC236}">
+                <a16:creationId xmlns:a16="http://schemas.microsoft.com/office/drawing/2014/main" id="{4913AA41-99AC-473C-AFDC-348596687610}"/>
+              </a:ext>
+            </a:extLst>
+          </p:cNvPr>
+          <p:cNvPicPr>
+            <a:picLocks noChangeAspect="1"/>
+          </p:cNvPicPr>
+          <p:nvPr/>
+        </p:nvPicPr>
+        <p:blipFill>
+          <a:blip r:embed="rId2"/>
+          <a:stretch>
+            <a:fillRect/>
+          </a:stretch>
+        </p:blipFill>
+        <p:spPr>
+          <a:xfrm>
+            <a:off x="918839" y="1033694"/>
+            <a:ext cx="10354322" cy="5824306"/>
+          </a:xfrm>
+          <a:prstGeom prst="rect">
+            <a:avLst/>
+          </a:prstGeom>
+        </p:spPr>
+      </p:pic>
+    </p:spTree>
+    <p:extLst>
+      <p:ext uri="{BB962C8B-B14F-4D97-AF65-F5344CB8AC3E}">
+        <p14:creationId xmlns:p14="http://schemas.microsoft.com/office/powerpoint/2010/main" val="3092813624"/>
+      </p:ext>
+    </p:extLst>
+  </p:cSld>
+  <p:clrMapOvr>
+    <a:masterClrMapping/>
+  </p:clrMapOvr>
+</p:sld>
+</file>
+
+<file path=ppt/slides/slide11.xml><?xml version="1.0" encoding="utf-8"?>
+<p:sld xmlns:a="http://schemas.openxmlformats.org/drawingml/2006/main" xmlns:r="http://schemas.openxmlformats.org/officeDocument/2006/relationships" xmlns:p="http://schemas.openxmlformats.org/presentationml/2006/main">
+  <p:cSld>
+    <p:spTree>
+      <p:nvGrpSpPr>
+        <p:cNvPr id="1" name=""/>
+        <p:cNvGrpSpPr/>
+        <p:nvPr/>
+      </p:nvGrpSpPr>
+      <p:grpSpPr>
+        <a:xfrm>
+          <a:off x="0" y="0"/>
+          <a:ext cx="0" cy="0"/>
+          <a:chOff x="0" y="0"/>
+          <a:chExt cx="0" cy="0"/>
+        </a:xfrm>
+      </p:grpSpPr>
+      <p:sp>
+        <p:nvSpPr>
+          <p:cNvPr id="2" name="Title 1">
+            <a:extLst>
+              <a:ext uri="{FF2B5EF4-FFF2-40B4-BE49-F238E27FC236}">
+                <a16:creationId xmlns:a16="http://schemas.microsoft.com/office/drawing/2014/main" id="{5399851E-FD90-427A-B00D-729037E009C0}"/>
+              </a:ext>
+            </a:extLst>
+          </p:cNvPr>
+          <p:cNvSpPr>
+            <a:spLocks noGrp="1"/>
+          </p:cNvSpPr>
+          <p:nvPr>
+            <p:ph type="title"/>
+          </p:nvPr>
+        </p:nvSpPr>
+        <p:spPr/>
+        <p:txBody>
+          <a:bodyPr/>
+          <a:lstStyle/>
+          <a:p>
+            <a:r>
+              <a:rPr lang="en-GB" dirty="0"/>
+              <a:t>Product Demo – Generate a Secure Message</a:t>
+            </a:r>
+          </a:p>
+        </p:txBody>
+      </p:sp>
+      <p:pic>
+        <p:nvPicPr>
+          <p:cNvPr id="4" name="Picture 3">
+            <a:extLst>
+              <a:ext uri="{FF2B5EF4-FFF2-40B4-BE49-F238E27FC236}">
+                <a16:creationId xmlns:a16="http://schemas.microsoft.com/office/drawing/2014/main" id="{A2A1E60D-019C-46F3-B136-E7513ACE432A}"/>
+              </a:ext>
+            </a:extLst>
+          </p:cNvPr>
+          <p:cNvPicPr>
+            <a:picLocks noChangeAspect="1"/>
+          </p:cNvPicPr>
+          <p:nvPr/>
+        </p:nvPicPr>
+        <p:blipFill>
+          <a:blip r:embed="rId2"/>
+          <a:stretch>
+            <a:fillRect/>
+          </a:stretch>
+        </p:blipFill>
+        <p:spPr>
+          <a:xfrm>
+            <a:off x="914400" y="1028700"/>
+            <a:ext cx="10363200" cy="5829300"/>
+          </a:xfrm>
+          <a:prstGeom prst="rect">
+            <a:avLst/>
+          </a:prstGeom>
+        </p:spPr>
+      </p:pic>
+    </p:spTree>
+    <p:extLst>
+      <p:ext uri="{BB962C8B-B14F-4D97-AF65-F5344CB8AC3E}">
+        <p14:creationId xmlns:p14="http://schemas.microsoft.com/office/powerpoint/2010/main" val="2147895230"/>
+      </p:ext>
+    </p:extLst>
+  </p:cSld>
+  <p:clrMapOvr>
+    <a:masterClrMapping/>
+  </p:clrMapOvr>
+</p:sld>
+</file>
+
+<file path=ppt/slides/slide12.xml><?xml version="1.0" encoding="utf-8"?>
+<p:sld xmlns:a="http://schemas.openxmlformats.org/drawingml/2006/main" xmlns:r="http://schemas.openxmlformats.org/officeDocument/2006/relationships" xmlns:p="http://schemas.openxmlformats.org/presentationml/2006/main">
+  <p:cSld>
+    <p:spTree>
+      <p:nvGrpSpPr>
+        <p:cNvPr id="1" name=""/>
+        <p:cNvGrpSpPr/>
+        <p:nvPr/>
+      </p:nvGrpSpPr>
+      <p:grpSpPr>
+        <a:xfrm>
+          <a:off x="0" y="0"/>
+          <a:ext cx="0" cy="0"/>
+          <a:chOff x="0" y="0"/>
+          <a:chExt cx="0" cy="0"/>
+        </a:xfrm>
+      </p:grpSpPr>
+      <p:sp>
+        <p:nvSpPr>
+          <p:cNvPr id="2" name="Title 1">
+            <a:extLst>
+              <a:ext uri="{FF2B5EF4-FFF2-40B4-BE49-F238E27FC236}">
+                <a16:creationId xmlns:a16="http://schemas.microsoft.com/office/drawing/2014/main" id="{5399851E-FD90-427A-B00D-729037E009C0}"/>
+              </a:ext>
+            </a:extLst>
+          </p:cNvPr>
+          <p:cNvSpPr>
+            <a:spLocks noGrp="1"/>
+          </p:cNvSpPr>
+          <p:nvPr>
+            <p:ph type="title"/>
+          </p:nvPr>
+        </p:nvSpPr>
+        <p:spPr/>
+        <p:txBody>
+          <a:bodyPr/>
+          <a:lstStyle/>
+          <a:p>
+            <a:r>
+              <a:rPr lang="en-GB" dirty="0"/>
+              <a:t>Product Demo – Customer Logout</a:t>
+            </a:r>
+          </a:p>
+        </p:txBody>
+      </p:sp>
+      <p:pic>
+        <p:nvPicPr>
+          <p:cNvPr id="3" name="Picture 2">
+            <a:extLst>
+              <a:ext uri="{FF2B5EF4-FFF2-40B4-BE49-F238E27FC236}">
+                <a16:creationId xmlns:a16="http://schemas.microsoft.com/office/drawing/2014/main" id="{DA567CEE-66D6-45E6-8DBF-79BEDB525F72}"/>
+              </a:ext>
+            </a:extLst>
+          </p:cNvPr>
+          <p:cNvPicPr>
+            <a:picLocks noChangeAspect="1"/>
+          </p:cNvPicPr>
+          <p:nvPr/>
+        </p:nvPicPr>
+        <p:blipFill>
+          <a:blip r:embed="rId2"/>
+          <a:stretch>
+            <a:fillRect/>
+          </a:stretch>
+        </p:blipFill>
+        <p:spPr>
+          <a:xfrm>
+            <a:off x="896644" y="1008725"/>
+            <a:ext cx="10398711" cy="5849275"/>
+          </a:xfrm>
+          <a:prstGeom prst="rect">
+            <a:avLst/>
+          </a:prstGeom>
+        </p:spPr>
+      </p:pic>
+    </p:spTree>
+    <p:extLst>
+      <p:ext uri="{BB962C8B-B14F-4D97-AF65-F5344CB8AC3E}">
+        <p14:creationId xmlns:p14="http://schemas.microsoft.com/office/powerpoint/2010/main" val="3784897407"/>
+      </p:ext>
+    </p:extLst>
+  </p:cSld>
+  <p:clrMapOvr>
+    <a:masterClrMapping/>
+  </p:clrMapOvr>
+</p:sld>
+</file>
+
+<file path=ppt/slides/slide13.xml><?xml version="1.0" encoding="utf-8"?>
+<p:sld xmlns:a="http://schemas.openxmlformats.org/drawingml/2006/main" xmlns:r="http://schemas.openxmlformats.org/officeDocument/2006/relationships" xmlns:p="http://schemas.openxmlformats.org/presentationml/2006/main">
+  <p:cSld>
+    <p:spTree>
+      <p:nvGrpSpPr>
+        <p:cNvPr id="1" name=""/>
+        <p:cNvGrpSpPr/>
+        <p:nvPr/>
+      </p:nvGrpSpPr>
+      <p:grpSpPr>
+        <a:xfrm>
+          <a:off x="0" y="0"/>
+          <a:ext cx="0" cy="0"/>
+          <a:chOff x="0" y="0"/>
+          <a:chExt cx="0" cy="0"/>
+        </a:xfrm>
+      </p:grpSpPr>
+      <p:sp>
+        <p:nvSpPr>
+          <p:cNvPr id="2" name="Title 1">
+            <a:extLst>
+              <a:ext uri="{FF2B5EF4-FFF2-40B4-BE49-F238E27FC236}">
+                <a16:creationId xmlns:a16="http://schemas.microsoft.com/office/drawing/2014/main" id="{5399851E-FD90-427A-B00D-729037E009C0}"/>
+              </a:ext>
+            </a:extLst>
+          </p:cNvPr>
+          <p:cNvSpPr>
+            <a:spLocks noGrp="1"/>
+          </p:cNvSpPr>
+          <p:nvPr>
+            <p:ph type="title"/>
+          </p:nvPr>
+        </p:nvSpPr>
+        <p:spPr/>
+        <p:txBody>
+          <a:bodyPr/>
+          <a:lstStyle/>
+          <a:p>
+            <a:r>
+              <a:rPr lang="en-GB" dirty="0"/>
+              <a:t>Product Demo – Customer Create Account</a:t>
+            </a:r>
+          </a:p>
+        </p:txBody>
+      </p:sp>
+      <p:pic>
+        <p:nvPicPr>
+          <p:cNvPr id="4" name="Picture 3">
+            <a:extLst>
+              <a:ext uri="{FF2B5EF4-FFF2-40B4-BE49-F238E27FC236}">
+                <a16:creationId xmlns:a16="http://schemas.microsoft.com/office/drawing/2014/main" id="{350F50FB-15C2-4BF1-BD6D-04B759BEF54F}"/>
+              </a:ext>
+            </a:extLst>
+          </p:cNvPr>
+          <p:cNvPicPr>
+            <a:picLocks noChangeAspect="1"/>
+          </p:cNvPicPr>
+          <p:nvPr/>
+        </p:nvPicPr>
+        <p:blipFill>
+          <a:blip r:embed="rId2"/>
+          <a:stretch>
+            <a:fillRect/>
+          </a:stretch>
+        </p:blipFill>
+        <p:spPr>
+          <a:xfrm>
+            <a:off x="909961" y="1023706"/>
+            <a:ext cx="10372078" cy="5834294"/>
+          </a:xfrm>
+          <a:prstGeom prst="rect">
+            <a:avLst/>
+          </a:prstGeom>
+        </p:spPr>
+      </p:pic>
+    </p:spTree>
+    <p:extLst>
+      <p:ext uri="{BB962C8B-B14F-4D97-AF65-F5344CB8AC3E}">
+        <p14:creationId xmlns:p14="http://schemas.microsoft.com/office/powerpoint/2010/main" val="500794058"/>
+      </p:ext>
+    </p:extLst>
+  </p:cSld>
+  <p:clrMapOvr>
+    <a:masterClrMapping/>
+  </p:clrMapOvr>
+</p:sld>
+</file>
+
+<file path=ppt/slides/slide14.xml><?xml version="1.0" encoding="utf-8"?>
+<p:sld xmlns:a="http://schemas.openxmlformats.org/drawingml/2006/main" xmlns:r="http://schemas.openxmlformats.org/officeDocument/2006/relationships" xmlns:p="http://schemas.openxmlformats.org/presentationml/2006/main">
+  <p:cSld>
+    <p:spTree>
+      <p:nvGrpSpPr>
+        <p:cNvPr id="1" name=""/>
+        <p:cNvGrpSpPr/>
+        <p:nvPr/>
+      </p:nvGrpSpPr>
+      <p:grpSpPr>
+        <a:xfrm>
+          <a:off x="0" y="0"/>
+          <a:ext cx="0" cy="0"/>
+          <a:chOff x="0" y="0"/>
+          <a:chExt cx="0" cy="0"/>
+        </a:xfrm>
+      </p:grpSpPr>
+      <p:sp>
+        <p:nvSpPr>
+          <p:cNvPr id="2" name="Title 1">
+            <a:extLst>
+              <a:ext uri="{FF2B5EF4-FFF2-40B4-BE49-F238E27FC236}">
+                <a16:creationId xmlns:a16="http://schemas.microsoft.com/office/drawing/2014/main" id="{5399851E-FD90-427A-B00D-729037E009C0}"/>
+              </a:ext>
+            </a:extLst>
+          </p:cNvPr>
+          <p:cNvSpPr>
+            <a:spLocks noGrp="1"/>
+          </p:cNvSpPr>
+          <p:nvPr>
+            <p:ph type="title"/>
+          </p:nvPr>
+        </p:nvSpPr>
+        <p:spPr/>
+        <p:txBody>
+          <a:bodyPr/>
+          <a:lstStyle/>
+          <a:p>
+            <a:r>
+              <a:rPr lang="en-GB" dirty="0"/>
+              <a:t>Product Demo – Admin Login</a:t>
+            </a:r>
+          </a:p>
+        </p:txBody>
+      </p:sp>
+      <p:pic>
+        <p:nvPicPr>
+          <p:cNvPr id="3" name="Picture 2">
+            <a:extLst>
+              <a:ext uri="{FF2B5EF4-FFF2-40B4-BE49-F238E27FC236}">
+                <a16:creationId xmlns:a16="http://schemas.microsoft.com/office/drawing/2014/main" id="{962F4644-0BA8-43B9-B62B-6E136C6A80F6}"/>
+              </a:ext>
+            </a:extLst>
+          </p:cNvPr>
+          <p:cNvPicPr>
+            <a:picLocks noChangeAspect="1"/>
+          </p:cNvPicPr>
+          <p:nvPr/>
+        </p:nvPicPr>
+        <p:blipFill>
+          <a:blip r:embed="rId2"/>
+          <a:stretch>
+            <a:fillRect/>
+          </a:stretch>
+        </p:blipFill>
+        <p:spPr>
+          <a:xfrm>
+            <a:off x="932155" y="1048675"/>
+            <a:ext cx="10327689" cy="5809325"/>
+          </a:xfrm>
+          <a:prstGeom prst="rect">
+            <a:avLst/>
+          </a:prstGeom>
+        </p:spPr>
+      </p:pic>
+    </p:spTree>
+    <p:extLst>
+      <p:ext uri="{BB962C8B-B14F-4D97-AF65-F5344CB8AC3E}">
+        <p14:creationId xmlns:p14="http://schemas.microsoft.com/office/powerpoint/2010/main" val="3313480375"/>
+      </p:ext>
+    </p:extLst>
+  </p:cSld>
+  <p:clrMapOvr>
+    <a:masterClrMapping/>
+  </p:clrMapOvr>
+</p:sld>
+</file>
+
+<file path=ppt/slides/slide15.xml><?xml version="1.0" encoding="utf-8"?>
+<p:sld xmlns:a="http://schemas.openxmlformats.org/drawingml/2006/main" xmlns:r="http://schemas.openxmlformats.org/officeDocument/2006/relationships" xmlns:p="http://schemas.openxmlformats.org/presentationml/2006/main">
+  <p:cSld>
+    <p:spTree>
+      <p:nvGrpSpPr>
+        <p:cNvPr id="1" name=""/>
+        <p:cNvGrpSpPr/>
+        <p:nvPr/>
+      </p:nvGrpSpPr>
+      <p:grpSpPr>
+        <a:xfrm>
+          <a:off x="0" y="0"/>
+          <a:ext cx="0" cy="0"/>
+          <a:chOff x="0" y="0"/>
+          <a:chExt cx="0" cy="0"/>
+        </a:xfrm>
+      </p:grpSpPr>
+      <p:sp>
+        <p:nvSpPr>
+          <p:cNvPr id="2" name="Title 1">
+            <a:extLst>
+              <a:ext uri="{FF2B5EF4-FFF2-40B4-BE49-F238E27FC236}">
+                <a16:creationId xmlns:a16="http://schemas.microsoft.com/office/drawing/2014/main" id="{5399851E-FD90-427A-B00D-729037E009C0}"/>
+              </a:ext>
+            </a:extLst>
+          </p:cNvPr>
+          <p:cNvSpPr>
+            <a:spLocks noGrp="1"/>
+          </p:cNvSpPr>
+          <p:nvPr>
+            <p:ph type="title"/>
+          </p:nvPr>
+        </p:nvSpPr>
+        <p:spPr/>
+        <p:txBody>
+          <a:bodyPr/>
+          <a:lstStyle/>
+          <a:p>
+            <a:r>
+              <a:rPr lang="en-GB" dirty="0"/>
+              <a:t>Product Demo – Add Flight Plan</a:t>
+            </a:r>
+          </a:p>
+        </p:txBody>
+      </p:sp>
+      <p:pic>
+        <p:nvPicPr>
+          <p:cNvPr id="4" name="Picture 3">
+            <a:extLst>
+              <a:ext uri="{FF2B5EF4-FFF2-40B4-BE49-F238E27FC236}">
+                <a16:creationId xmlns:a16="http://schemas.microsoft.com/office/drawing/2014/main" id="{68801187-FD4B-4CC2-A507-95583002C945}"/>
+              </a:ext>
+            </a:extLst>
+          </p:cNvPr>
+          <p:cNvPicPr>
+            <a:picLocks noChangeAspect="1"/>
+          </p:cNvPicPr>
+          <p:nvPr/>
+        </p:nvPicPr>
+        <p:blipFill>
+          <a:blip r:embed="rId2"/>
+          <a:stretch>
+            <a:fillRect/>
+          </a:stretch>
+        </p:blipFill>
+        <p:spPr>
+          <a:xfrm>
+            <a:off x="646892" y="1063656"/>
+            <a:ext cx="10301056" cy="5794344"/>
+          </a:xfrm>
+          <a:prstGeom prst="rect">
+            <a:avLst/>
+          </a:prstGeom>
+        </p:spPr>
+      </p:pic>
+    </p:spTree>
+    <p:extLst>
+      <p:ext uri="{BB962C8B-B14F-4D97-AF65-F5344CB8AC3E}">
+        <p14:creationId xmlns:p14="http://schemas.microsoft.com/office/powerpoint/2010/main" val="3429262246"/>
+      </p:ext>
+    </p:extLst>
+  </p:cSld>
+  <p:clrMapOvr>
+    <a:masterClrMapping/>
+  </p:clrMapOvr>
+</p:sld>
+</file>
+
+<file path=ppt/slides/slide16.xml><?xml version="1.0" encoding="utf-8"?>
+<p:sld xmlns:a="http://schemas.openxmlformats.org/drawingml/2006/main" xmlns:r="http://schemas.openxmlformats.org/officeDocument/2006/relationships" xmlns:p="http://schemas.openxmlformats.org/presentationml/2006/main">
+  <p:cSld>
+    <p:spTree>
+      <p:nvGrpSpPr>
+        <p:cNvPr id="1" name=""/>
+        <p:cNvGrpSpPr/>
+        <p:nvPr/>
+      </p:nvGrpSpPr>
+      <p:grpSpPr>
+        <a:xfrm>
+          <a:off x="0" y="0"/>
+          <a:ext cx="0" cy="0"/>
+          <a:chOff x="0" y="0"/>
+          <a:chExt cx="0" cy="0"/>
+        </a:xfrm>
+      </p:grpSpPr>
+      <p:sp>
+        <p:nvSpPr>
+          <p:cNvPr id="2" name="Title 1">
+            <a:extLst>
+              <a:ext uri="{FF2B5EF4-FFF2-40B4-BE49-F238E27FC236}">
+                <a16:creationId xmlns:a16="http://schemas.microsoft.com/office/drawing/2014/main" id="{5399851E-FD90-427A-B00D-729037E009C0}"/>
+              </a:ext>
+            </a:extLst>
+          </p:cNvPr>
+          <p:cNvSpPr>
+            <a:spLocks noGrp="1"/>
+          </p:cNvSpPr>
+          <p:nvPr>
+            <p:ph type="title"/>
+          </p:nvPr>
+        </p:nvSpPr>
+        <p:spPr/>
+        <p:txBody>
+          <a:bodyPr/>
+          <a:lstStyle/>
+          <a:p>
+            <a:r>
+              <a:rPr lang="en-GB" dirty="0"/>
+              <a:t>Product Demo – Add Journey</a:t>
+            </a:r>
+          </a:p>
+        </p:txBody>
+      </p:sp>
+      <p:pic>
+        <p:nvPicPr>
+          <p:cNvPr id="3" name="Picture 2">
+            <a:extLst>
+              <a:ext uri="{FF2B5EF4-FFF2-40B4-BE49-F238E27FC236}">
+                <a16:creationId xmlns:a16="http://schemas.microsoft.com/office/drawing/2014/main" id="{67680E2C-10F5-43D8-B1F3-8C573C0CD049}"/>
+              </a:ext>
+            </a:extLst>
+          </p:cNvPr>
+          <p:cNvPicPr>
+            <a:picLocks noChangeAspect="1"/>
+          </p:cNvPicPr>
+          <p:nvPr/>
+        </p:nvPicPr>
+        <p:blipFill>
+          <a:blip r:embed="rId2"/>
+          <a:stretch>
+            <a:fillRect/>
+          </a:stretch>
+        </p:blipFill>
+        <p:spPr>
+          <a:xfrm>
+            <a:off x="914400" y="1028700"/>
+            <a:ext cx="10363200" cy="5829300"/>
+          </a:xfrm>
+          <a:prstGeom prst="rect">
+            <a:avLst/>
+          </a:prstGeom>
+        </p:spPr>
+      </p:pic>
+    </p:spTree>
+    <p:extLst>
+      <p:ext uri="{BB962C8B-B14F-4D97-AF65-F5344CB8AC3E}">
+        <p14:creationId xmlns:p14="http://schemas.microsoft.com/office/powerpoint/2010/main" val="3459927074"/>
+      </p:ext>
+    </p:extLst>
+  </p:cSld>
+  <p:clrMapOvr>
+    <a:masterClrMapping/>
+  </p:clrMapOvr>
+</p:sld>
+</file>
+
+<file path=ppt/slides/slide17.xml><?xml version="1.0" encoding="utf-8"?>
+<p:sld xmlns:a="http://schemas.openxmlformats.org/drawingml/2006/main" xmlns:r="http://schemas.openxmlformats.org/officeDocument/2006/relationships" xmlns:p="http://schemas.openxmlformats.org/presentationml/2006/main">
+  <p:cSld>
+    <p:spTree>
+      <p:nvGrpSpPr>
+        <p:cNvPr id="1" name=""/>
+        <p:cNvGrpSpPr/>
+        <p:nvPr/>
+      </p:nvGrpSpPr>
+      <p:grpSpPr>
+        <a:xfrm>
+          <a:off x="0" y="0"/>
+          <a:ext cx="0" cy="0"/>
+          <a:chOff x="0" y="0"/>
+          <a:chExt cx="0" cy="0"/>
+        </a:xfrm>
+      </p:grpSpPr>
+      <p:sp>
+        <p:nvSpPr>
+          <p:cNvPr id="2" name="Title 1">
+            <a:extLst>
+              <a:ext uri="{FF2B5EF4-FFF2-40B4-BE49-F238E27FC236}">
+                <a16:creationId xmlns:a16="http://schemas.microsoft.com/office/drawing/2014/main" id="{5399851E-FD90-427A-B00D-729037E009C0}"/>
+              </a:ext>
+            </a:extLst>
+          </p:cNvPr>
+          <p:cNvSpPr>
+            <a:spLocks noGrp="1"/>
+          </p:cNvSpPr>
+          <p:nvPr>
+            <p:ph type="title"/>
+          </p:nvPr>
+        </p:nvSpPr>
+        <p:spPr/>
+        <p:txBody>
+          <a:bodyPr/>
+          <a:lstStyle/>
+          <a:p>
+            <a:r>
+              <a:rPr lang="en-GB" dirty="0"/>
+              <a:t>Product Demo – Generate Secure Message</a:t>
+            </a:r>
+          </a:p>
+        </p:txBody>
+      </p:sp>
+      <p:pic>
+        <p:nvPicPr>
+          <p:cNvPr id="4" name="Picture 3">
+            <a:extLst>
+              <a:ext uri="{FF2B5EF4-FFF2-40B4-BE49-F238E27FC236}">
+                <a16:creationId xmlns:a16="http://schemas.microsoft.com/office/drawing/2014/main" id="{3E4B01FF-27E3-4246-8E8D-A553BADE4733}"/>
+              </a:ext>
+            </a:extLst>
+          </p:cNvPr>
+          <p:cNvPicPr>
+            <a:picLocks noChangeAspect="1"/>
+          </p:cNvPicPr>
+          <p:nvPr/>
+        </p:nvPicPr>
+        <p:blipFill>
+          <a:blip r:embed="rId2"/>
+          <a:stretch>
+            <a:fillRect/>
+          </a:stretch>
+        </p:blipFill>
+        <p:spPr>
+          <a:xfrm>
+            <a:off x="923277" y="1038687"/>
+            <a:ext cx="10345445" cy="5819313"/>
+          </a:xfrm>
+          <a:prstGeom prst="rect">
+            <a:avLst/>
+          </a:prstGeom>
+        </p:spPr>
+      </p:pic>
+    </p:spTree>
+    <p:extLst>
+      <p:ext uri="{BB962C8B-B14F-4D97-AF65-F5344CB8AC3E}">
+        <p14:creationId xmlns:p14="http://schemas.microsoft.com/office/powerpoint/2010/main" val="1913418867"/>
+      </p:ext>
+    </p:extLst>
+  </p:cSld>
+  <p:clrMapOvr>
+    <a:masterClrMapping/>
+  </p:clrMapOvr>
+</p:sld>
+</file>
+
+<file path=ppt/slides/slide18.xml><?xml version="1.0" encoding="utf-8"?>
+<p:sld xmlns:a="http://schemas.openxmlformats.org/drawingml/2006/main" xmlns:r="http://schemas.openxmlformats.org/officeDocument/2006/relationships" xmlns:p="http://schemas.openxmlformats.org/presentationml/2006/main">
+  <p:cSld>
+    <p:spTree>
+      <p:nvGrpSpPr>
+        <p:cNvPr id="1" name=""/>
+        <p:cNvGrpSpPr/>
+        <p:nvPr/>
+      </p:nvGrpSpPr>
+      <p:grpSpPr>
+        <a:xfrm>
+          <a:off x="0" y="0"/>
+          <a:ext cx="0" cy="0"/>
+          <a:chOff x="0" y="0"/>
+          <a:chExt cx="0" cy="0"/>
+        </a:xfrm>
+      </p:grpSpPr>
+      <p:sp>
+        <p:nvSpPr>
+          <p:cNvPr id="2" name="Title 1">
+            <a:extLst>
+              <a:ext uri="{FF2B5EF4-FFF2-40B4-BE49-F238E27FC236}">
+                <a16:creationId xmlns:a16="http://schemas.microsoft.com/office/drawing/2014/main" id="{EF431E20-CF03-4A3D-9423-7904A2B23333}"/>
+              </a:ext>
+            </a:extLst>
+          </p:cNvPr>
+          <p:cNvSpPr>
+            <a:spLocks noGrp="1"/>
+          </p:cNvSpPr>
+          <p:nvPr>
+            <p:ph type="title"/>
+          </p:nvPr>
+        </p:nvSpPr>
+        <p:spPr/>
+        <p:txBody>
+          <a:bodyPr/>
+          <a:lstStyle/>
+          <a:p>
+            <a:r>
+              <a:rPr lang="en-GB" dirty="0"/>
+              <a:t>Risk Assessment – Project Scope</a:t>
+            </a:r>
+          </a:p>
+        </p:txBody>
+      </p:sp>
+      <p:graphicFrame>
+        <p:nvGraphicFramePr>
+          <p:cNvPr id="5" name="Google Shape;84;p1">
+            <a:extLst>
+              <a:ext uri="{FF2B5EF4-FFF2-40B4-BE49-F238E27FC236}">
+                <a16:creationId xmlns:a16="http://schemas.microsoft.com/office/drawing/2014/main" id="{2A5E3790-B250-4B65-8097-9B22BA65C854}"/>
+              </a:ext>
+            </a:extLst>
+          </p:cNvPr>
+          <p:cNvGraphicFramePr/>
+          <p:nvPr>
+            <p:extLst>
+              <p:ext uri="{D42A27DB-BD31-4B8C-83A1-F6EECF244321}">
+                <p14:modId xmlns:p14="http://schemas.microsoft.com/office/powerpoint/2010/main" val="1165678135"/>
+              </p:ext>
+            </p:extLst>
+          </p:nvPr>
+        </p:nvGraphicFramePr>
+        <p:xfrm>
+          <a:off x="376031" y="1009889"/>
+          <a:ext cx="11439937" cy="5967014"/>
+        </p:xfrm>
+        <a:graphic>
+          <a:graphicData uri="http://schemas.openxmlformats.org/drawingml/2006/table">
+            <a:tbl>
+              <a:tblPr firstRow="1" bandRow="1">
+                <a:noFill/>
+              </a:tblPr>
+              <a:tblGrid>
+                <a:gridCol w="4554558">
+                  <a:extLst>
+                    <a:ext uri="{9D8B030D-6E8A-4147-A177-3AD203B41FA5}">
+                      <a16:colId xmlns:a16="http://schemas.microsoft.com/office/drawing/2014/main" val="20000"/>
+                    </a:ext>
+                  </a:extLst>
+                </a:gridCol>
+                <a:gridCol w="1165423">
+                  <a:extLst>
+                    <a:ext uri="{9D8B030D-6E8A-4147-A177-3AD203B41FA5}">
+                      <a16:colId xmlns:a16="http://schemas.microsoft.com/office/drawing/2014/main" val="20001"/>
+                    </a:ext>
+                  </a:extLst>
+                </a:gridCol>
+                <a:gridCol w="1364792">
+                  <a:extLst>
+                    <a:ext uri="{9D8B030D-6E8A-4147-A177-3AD203B41FA5}">
+                      <a16:colId xmlns:a16="http://schemas.microsoft.com/office/drawing/2014/main" val="20002"/>
+                    </a:ext>
+                  </a:extLst>
+                </a:gridCol>
+                <a:gridCol w="4355164">
+                  <a:extLst>
+                    <a:ext uri="{9D8B030D-6E8A-4147-A177-3AD203B41FA5}">
+                      <a16:colId xmlns:a16="http://schemas.microsoft.com/office/drawing/2014/main" val="20003"/>
+                    </a:ext>
+                  </a:extLst>
+                </a:gridCol>
+              </a:tblGrid>
+              <a:tr h="876186">
+                <a:tc>
+                  <a:txBody>
+                    <a:bodyPr/>
+                    <a:lstStyle/>
+                    <a:p>
+                      <a:pPr marL="0" marR="0" lvl="0" indent="0" algn="l" rtl="0">
+                        <a:spcBef>
+                          <a:spcPts val="0"/>
+                        </a:spcBef>
+                        <a:spcAft>
+                          <a:spcPts val="0"/>
+                        </a:spcAft>
+                        <a:buNone/>
+                      </a:pPr>
+                      <a:r>
+                        <a:rPr lang="en-GB" sz="1400" u="none" strike="noStrike" cap="none" dirty="0">
+                          <a:solidFill>
+                            <a:schemeClr val="bg1"/>
+                          </a:solidFill>
+                        </a:rPr>
+                        <a:t>Risk</a:t>
+                      </a:r>
+                      <a:endParaRPr dirty="0">
+                        <a:solidFill>
+                          <a:schemeClr val="bg1"/>
+                        </a:solidFill>
+                      </a:endParaRPr>
+                    </a:p>
+                  </a:txBody>
+                  <a:tcPr marL="91450" marR="91450" marT="45725" marB="45725">
+                    <a:solidFill>
+                      <a:schemeClr val="accent1">
+                        <a:lumMod val="50000"/>
+                      </a:schemeClr>
+                    </a:solidFill>
+                  </a:tcPr>
+                </a:tc>
+                <a:tc>
+                  <a:txBody>
+                    <a:bodyPr/>
+                    <a:lstStyle/>
+                    <a:p>
+                      <a:pPr marL="0" marR="0" lvl="0" indent="0" algn="l" rtl="0">
+                        <a:spcBef>
+                          <a:spcPts val="0"/>
+                        </a:spcBef>
+                        <a:spcAft>
+                          <a:spcPts val="0"/>
+                        </a:spcAft>
+                        <a:buNone/>
+                      </a:pPr>
+                      <a:r>
+                        <a:rPr lang="en-GB">
+                          <a:solidFill>
+                            <a:schemeClr val="bg1"/>
+                          </a:solidFill>
+                        </a:rPr>
+                        <a:t>Current Risk Chance</a:t>
+                      </a:r>
+                      <a:endParaRPr sz="1400" u="none" strike="noStrike" cap="none">
+                        <a:solidFill>
+                          <a:schemeClr val="bg1"/>
+                        </a:solidFill>
+                      </a:endParaRPr>
+                    </a:p>
+                  </a:txBody>
+                  <a:tcPr marL="91450" marR="91450" marT="45725" marB="45725">
+                    <a:solidFill>
+                      <a:schemeClr val="accent1">
+                        <a:lumMod val="50000"/>
+                      </a:schemeClr>
+                    </a:solidFill>
+                  </a:tcPr>
+                </a:tc>
+                <a:tc>
+                  <a:txBody>
+                    <a:bodyPr/>
+                    <a:lstStyle/>
+                    <a:p>
+                      <a:pPr marL="0" marR="0" lvl="0" indent="0" algn="l" rtl="0">
+                        <a:spcBef>
+                          <a:spcPts val="0"/>
+                        </a:spcBef>
+                        <a:spcAft>
+                          <a:spcPts val="0"/>
+                        </a:spcAft>
+                        <a:buNone/>
+                      </a:pPr>
+                      <a:r>
+                        <a:rPr lang="en-GB">
+                          <a:solidFill>
+                            <a:schemeClr val="bg1"/>
+                          </a:solidFill>
+                        </a:rPr>
+                        <a:t>Risk Effect</a:t>
+                      </a:r>
+                      <a:endParaRPr sz="1400" u="none" strike="noStrike" cap="none">
+                        <a:solidFill>
+                          <a:schemeClr val="bg1"/>
+                        </a:solidFill>
+                      </a:endParaRPr>
+                    </a:p>
+                  </a:txBody>
+                  <a:tcPr marL="91450" marR="91450" marT="45725" marB="45725">
+                    <a:solidFill>
+                      <a:schemeClr val="accent1">
+                        <a:lumMod val="50000"/>
+                      </a:schemeClr>
+                    </a:solidFill>
+                  </a:tcPr>
+                </a:tc>
+                <a:tc>
+                  <a:txBody>
+                    <a:bodyPr/>
+                    <a:lstStyle/>
+                    <a:p>
+                      <a:pPr marL="0" marR="0" lvl="0" indent="0" algn="l" rtl="0">
+                        <a:spcBef>
+                          <a:spcPts val="0"/>
+                        </a:spcBef>
+                        <a:spcAft>
+                          <a:spcPts val="0"/>
+                        </a:spcAft>
+                        <a:buNone/>
+                      </a:pPr>
+                      <a:r>
+                        <a:rPr lang="en-GB" sz="1400" dirty="0">
+                          <a:solidFill>
+                            <a:schemeClr val="bg1"/>
+                          </a:solidFill>
+                        </a:rPr>
+                        <a:t>Mitigation</a:t>
+                      </a:r>
+                      <a:endParaRPr dirty="0">
+                        <a:solidFill>
+                          <a:schemeClr val="bg1"/>
+                        </a:solidFill>
+                      </a:endParaRPr>
+                    </a:p>
+                  </a:txBody>
+                  <a:tcPr marL="91450" marR="91450" marT="45725" marB="45725">
+                    <a:solidFill>
+                      <a:schemeClr val="accent1">
+                        <a:lumMod val="50000"/>
+                      </a:schemeClr>
+                    </a:solidFill>
+                  </a:tcPr>
+                </a:tc>
+                <a:extLst>
+                  <a:ext uri="{0D108BD9-81ED-4DB2-BD59-A6C34878D82A}">
+                    <a16:rowId xmlns:a16="http://schemas.microsoft.com/office/drawing/2014/main" val="10000"/>
+                  </a:ext>
+                </a:extLst>
+              </a:tr>
+              <a:tr h="408892">
+                <a:tc>
+                  <a:txBody>
+                    <a:bodyPr/>
+                    <a:lstStyle/>
+                    <a:p>
+                      <a:pPr marL="0" marR="0" lvl="0" indent="0" algn="l" rtl="0">
+                        <a:lnSpc>
+                          <a:spcPct val="100000"/>
+                        </a:lnSpc>
+                        <a:spcBef>
+                          <a:spcPts val="0"/>
+                        </a:spcBef>
+                        <a:spcAft>
+                          <a:spcPts val="0"/>
+                        </a:spcAft>
+                        <a:buClr>
+                          <a:schemeClr val="dk1"/>
+                        </a:buClr>
+                        <a:buSzPts val="1400"/>
+                        <a:buFont typeface="Calibri"/>
+                        <a:buNone/>
+                      </a:pPr>
+                      <a:r>
+                        <a:rPr lang="en-GB" sz="1050" dirty="0">
+                          <a:solidFill>
+                            <a:schemeClr val="bg1"/>
+                          </a:solidFill>
+                        </a:rPr>
+                        <a:t>not enough time to complete the project</a:t>
+                      </a:r>
+                      <a:endParaRPr sz="1050" dirty="0">
+                        <a:solidFill>
+                          <a:schemeClr val="bg1"/>
+                        </a:solidFill>
+                      </a:endParaRPr>
+                    </a:p>
+                  </a:txBody>
+                  <a:tcPr marL="91450" marR="91450" marT="45725" marB="45725">
+                    <a:solidFill>
+                      <a:schemeClr val="accent1">
+                        <a:lumMod val="75000"/>
+                      </a:schemeClr>
+                    </a:solidFill>
+                  </a:tcPr>
+                </a:tc>
+                <a:tc>
+                  <a:txBody>
+                    <a:bodyPr/>
+                    <a:lstStyle/>
+                    <a:p>
+                      <a:pPr marL="0" marR="0" lvl="0" indent="0" algn="l" rtl="0">
+                        <a:lnSpc>
+                          <a:spcPct val="100000"/>
+                        </a:lnSpc>
+                        <a:spcBef>
+                          <a:spcPts val="0"/>
+                        </a:spcBef>
+                        <a:spcAft>
+                          <a:spcPts val="0"/>
+                        </a:spcAft>
+                        <a:buNone/>
+                      </a:pPr>
+                      <a:r>
+                        <a:rPr lang="en-GB" sz="1050" dirty="0">
+                          <a:solidFill>
+                            <a:schemeClr val="bg1"/>
+                          </a:solidFill>
+                        </a:rPr>
+                        <a:t>Medium-Low</a:t>
+                      </a:r>
+                      <a:endParaRPr sz="1050" dirty="0">
+                        <a:solidFill>
+                          <a:schemeClr val="bg1"/>
+                        </a:solidFill>
+                      </a:endParaRPr>
+                    </a:p>
+                  </a:txBody>
+                  <a:tcPr marL="91450" marR="91450" marT="45725" marB="45725">
+                    <a:solidFill>
+                      <a:srgbClr val="6AA84F"/>
+                    </a:solidFill>
+                  </a:tcPr>
+                </a:tc>
+                <a:tc>
+                  <a:txBody>
+                    <a:bodyPr/>
+                    <a:lstStyle/>
+                    <a:p>
+                      <a:pPr marL="0" marR="0" lvl="0" indent="0" algn="l" rtl="0">
+                        <a:lnSpc>
+                          <a:spcPct val="100000"/>
+                        </a:lnSpc>
+                        <a:spcBef>
+                          <a:spcPts val="0"/>
+                        </a:spcBef>
+                        <a:spcAft>
+                          <a:spcPts val="0"/>
+                        </a:spcAft>
+                        <a:buNone/>
+                      </a:pPr>
+                      <a:r>
+                        <a:rPr lang="en-GB" sz="1050">
+                          <a:solidFill>
+                            <a:schemeClr val="bg1"/>
+                          </a:solidFill>
+                        </a:rPr>
+                        <a:t>Low Quality End Product</a:t>
+                      </a:r>
+                      <a:endParaRPr sz="1050">
+                        <a:solidFill>
+                          <a:schemeClr val="bg1"/>
+                        </a:solidFill>
+                      </a:endParaRPr>
+                    </a:p>
+                  </a:txBody>
+                  <a:tcPr marL="91450" marR="91450" marT="45725" marB="45725">
+                    <a:solidFill>
+                      <a:schemeClr val="accent1">
+                        <a:lumMod val="75000"/>
+                      </a:schemeClr>
+                    </a:solidFill>
+                  </a:tcPr>
+                </a:tc>
+                <a:tc>
+                  <a:txBody>
+                    <a:bodyPr/>
+                    <a:lstStyle/>
+                    <a:p>
+                      <a:pPr marL="0" marR="0" lvl="0" indent="0" algn="l" rtl="0">
+                        <a:spcBef>
+                          <a:spcPts val="0"/>
+                        </a:spcBef>
+                        <a:spcAft>
+                          <a:spcPts val="0"/>
+                        </a:spcAft>
+                        <a:buNone/>
+                      </a:pPr>
+                      <a:r>
+                        <a:rPr lang="en-GB" sz="1050">
+                          <a:solidFill>
+                            <a:schemeClr val="bg1"/>
+                          </a:solidFill>
+                        </a:rPr>
+                        <a:t>stick to MVP, only add extra features if time allows, allow extra time for unseen problems</a:t>
+                      </a:r>
+                      <a:endParaRPr sz="1050">
+                        <a:solidFill>
+                          <a:schemeClr val="bg1"/>
+                        </a:solidFill>
+                      </a:endParaRPr>
+                    </a:p>
+                  </a:txBody>
+                  <a:tcPr marL="91450" marR="91450" marT="45725" marB="45725">
+                    <a:solidFill>
+                      <a:schemeClr val="accent1">
+                        <a:lumMod val="75000"/>
+                      </a:schemeClr>
+                    </a:solidFill>
+                  </a:tcPr>
+                </a:tc>
+                <a:extLst>
+                  <a:ext uri="{0D108BD9-81ED-4DB2-BD59-A6C34878D82A}">
+                    <a16:rowId xmlns:a16="http://schemas.microsoft.com/office/drawing/2014/main" val="10001"/>
+                  </a:ext>
+                </a:extLst>
+              </a:tr>
+              <a:tr h="730157">
+                <a:tc>
+                  <a:txBody>
+                    <a:bodyPr/>
+                    <a:lstStyle/>
+                    <a:p>
+                      <a:pPr marL="0" marR="0" lvl="0" indent="0" algn="l" rtl="0">
+                        <a:spcBef>
+                          <a:spcPts val="0"/>
+                        </a:spcBef>
+                        <a:spcAft>
+                          <a:spcPts val="0"/>
+                        </a:spcAft>
+                        <a:buNone/>
+                      </a:pPr>
+                      <a:r>
+                        <a:rPr lang="en-GB" sz="1050" dirty="0">
+                          <a:solidFill>
+                            <a:schemeClr val="bg1"/>
+                          </a:solidFill>
+                        </a:rPr>
+                        <a:t>team members unwell or personal crisis</a:t>
+                      </a:r>
+                      <a:endParaRPr sz="1050" dirty="0">
+                        <a:solidFill>
+                          <a:schemeClr val="bg1"/>
+                        </a:solidFill>
+                      </a:endParaRPr>
+                    </a:p>
+                  </a:txBody>
+                  <a:tcPr marL="91450" marR="91450" marT="45725" marB="45725">
+                    <a:solidFill>
+                      <a:schemeClr val="accent5">
+                        <a:lumMod val="75000"/>
+                      </a:schemeClr>
+                    </a:solidFill>
+                  </a:tcPr>
+                </a:tc>
+                <a:tc>
+                  <a:txBody>
+                    <a:bodyPr/>
+                    <a:lstStyle/>
+                    <a:p>
+                      <a:pPr marL="0" marR="0" lvl="0" indent="0" algn="l" rtl="0">
+                        <a:spcBef>
+                          <a:spcPts val="0"/>
+                        </a:spcBef>
+                        <a:spcAft>
+                          <a:spcPts val="0"/>
+                        </a:spcAft>
+                        <a:buNone/>
+                      </a:pPr>
+                      <a:r>
+                        <a:rPr lang="en-GB" sz="1050" dirty="0">
+                          <a:solidFill>
+                            <a:schemeClr val="bg1"/>
+                          </a:solidFill>
+                        </a:rPr>
+                        <a:t>Medium-High</a:t>
+                      </a:r>
+                      <a:endParaRPr sz="1050" dirty="0">
+                        <a:solidFill>
+                          <a:schemeClr val="bg1"/>
+                        </a:solidFill>
+                      </a:endParaRPr>
+                    </a:p>
+                  </a:txBody>
+                  <a:tcPr marL="91450" marR="91450" marT="45725" marB="45725">
+                    <a:solidFill>
+                      <a:srgbClr val="E69138"/>
+                    </a:solidFill>
+                  </a:tcPr>
+                </a:tc>
+                <a:tc>
+                  <a:txBody>
+                    <a:bodyPr/>
+                    <a:lstStyle/>
+                    <a:p>
+                      <a:pPr marL="0" marR="0" lvl="0" indent="0" algn="l" rtl="0">
+                        <a:spcBef>
+                          <a:spcPts val="0"/>
+                        </a:spcBef>
+                        <a:spcAft>
+                          <a:spcPts val="0"/>
+                        </a:spcAft>
+                        <a:buNone/>
+                      </a:pPr>
+                      <a:r>
+                        <a:rPr lang="en-GB" sz="1050" dirty="0">
+                          <a:solidFill>
+                            <a:schemeClr val="bg1"/>
+                          </a:solidFill>
+                        </a:rPr>
+                        <a:t>Delay</a:t>
+                      </a:r>
+                      <a:endParaRPr sz="1050" dirty="0">
+                        <a:solidFill>
+                          <a:schemeClr val="bg1"/>
+                        </a:solidFill>
+                      </a:endParaRPr>
+                    </a:p>
+                  </a:txBody>
+                  <a:tcPr marL="91450" marR="91450" marT="45725" marB="45725">
+                    <a:solidFill>
+                      <a:schemeClr val="accent5">
+                        <a:lumMod val="75000"/>
+                      </a:schemeClr>
+                    </a:solidFill>
+                  </a:tcPr>
+                </a:tc>
+                <a:tc>
+                  <a:txBody>
+                    <a:bodyPr/>
+                    <a:lstStyle/>
+                    <a:p>
+                      <a:pPr marL="0" marR="0" lvl="0" indent="0" algn="l" rtl="0">
+                        <a:spcBef>
+                          <a:spcPts val="0"/>
+                        </a:spcBef>
+                        <a:spcAft>
+                          <a:spcPts val="0"/>
+                        </a:spcAft>
+                        <a:buNone/>
+                      </a:pPr>
+                      <a:r>
+                        <a:rPr lang="en-GB" sz="1050" dirty="0">
+                          <a:solidFill>
+                            <a:schemeClr val="bg1"/>
+                          </a:solidFill>
+                        </a:rPr>
+                        <a:t>keep in touch with unwell/absent members via boards and allocate work if appropriate</a:t>
+                      </a:r>
+                      <a:endParaRPr sz="1050" dirty="0">
+                        <a:solidFill>
+                          <a:schemeClr val="bg1"/>
+                        </a:solidFill>
+                      </a:endParaRPr>
+                    </a:p>
+                    <a:p>
+                      <a:pPr marL="0" marR="0" lvl="0" indent="0" algn="l" rtl="0">
+                        <a:spcBef>
+                          <a:spcPts val="0"/>
+                        </a:spcBef>
+                        <a:spcAft>
+                          <a:spcPts val="0"/>
+                        </a:spcAft>
+                        <a:buNone/>
+                      </a:pPr>
+                      <a:endParaRPr sz="1050" dirty="0">
+                        <a:solidFill>
+                          <a:schemeClr val="bg1"/>
+                        </a:solidFill>
+                      </a:endParaRPr>
+                    </a:p>
+                    <a:p>
+                      <a:pPr marL="0" lvl="0" indent="0" algn="l" rtl="0">
+                        <a:spcBef>
+                          <a:spcPts val="0"/>
+                        </a:spcBef>
+                        <a:spcAft>
+                          <a:spcPts val="0"/>
+                        </a:spcAft>
+                        <a:buClr>
+                          <a:schemeClr val="dk1"/>
+                        </a:buClr>
+                        <a:buFont typeface="Arial"/>
+                        <a:buNone/>
+                      </a:pPr>
+                      <a:r>
+                        <a:rPr lang="en-GB" sz="1050" dirty="0">
+                          <a:solidFill>
+                            <a:schemeClr val="bg1"/>
+                          </a:solidFill>
+                        </a:rPr>
+                        <a:t>Regular (near daily)  Sprint Communication</a:t>
+                      </a:r>
+                      <a:endParaRPr sz="1050" dirty="0">
+                        <a:solidFill>
+                          <a:schemeClr val="bg1"/>
+                        </a:solidFill>
+                      </a:endParaRPr>
+                    </a:p>
+                  </a:txBody>
+                  <a:tcPr marL="91450" marR="91450" marT="45725" marB="45725">
+                    <a:solidFill>
+                      <a:schemeClr val="accent5">
+                        <a:lumMod val="75000"/>
+                      </a:schemeClr>
+                    </a:solidFill>
+                  </a:tcPr>
+                </a:tc>
+                <a:extLst>
+                  <a:ext uri="{0D108BD9-81ED-4DB2-BD59-A6C34878D82A}">
+                    <a16:rowId xmlns:a16="http://schemas.microsoft.com/office/drawing/2014/main" val="10002"/>
+                  </a:ext>
+                </a:extLst>
+              </a:tr>
+              <a:tr h="569525">
+                <a:tc>
+                  <a:txBody>
+                    <a:bodyPr/>
+                    <a:lstStyle/>
+                    <a:p>
+                      <a:pPr marL="0" marR="0" lvl="0" indent="0" algn="l" rtl="0">
+                        <a:lnSpc>
+                          <a:spcPct val="100000"/>
+                        </a:lnSpc>
+                        <a:spcBef>
+                          <a:spcPts val="0"/>
+                        </a:spcBef>
+                        <a:spcAft>
+                          <a:spcPts val="0"/>
+                        </a:spcAft>
+                        <a:buClr>
+                          <a:schemeClr val="dk1"/>
+                        </a:buClr>
+                        <a:buSzPts val="1400"/>
+                        <a:buFont typeface="Calibri"/>
+                        <a:buNone/>
+                      </a:pPr>
+                      <a:r>
+                        <a:rPr lang="en-GB" sz="1050" dirty="0">
+                          <a:solidFill>
+                            <a:schemeClr val="bg1"/>
+                          </a:solidFill>
+                        </a:rPr>
+                        <a:t>disagreement on the way forward</a:t>
+                      </a:r>
+                      <a:endParaRPr sz="1050" dirty="0">
+                        <a:solidFill>
+                          <a:schemeClr val="bg1"/>
+                        </a:solidFill>
+                      </a:endParaRPr>
+                    </a:p>
+                  </a:txBody>
+                  <a:tcPr marL="91450" marR="91450" marT="45725" marB="45725">
+                    <a:solidFill>
+                      <a:schemeClr val="accent1">
+                        <a:lumMod val="75000"/>
+                      </a:schemeClr>
+                    </a:solidFill>
+                  </a:tcPr>
+                </a:tc>
+                <a:tc>
+                  <a:txBody>
+                    <a:bodyPr/>
+                    <a:lstStyle/>
+                    <a:p>
+                      <a:pPr marL="0" marR="0" lvl="0" indent="0" algn="l" rtl="0">
+                        <a:lnSpc>
+                          <a:spcPct val="100000"/>
+                        </a:lnSpc>
+                        <a:spcBef>
+                          <a:spcPts val="0"/>
+                        </a:spcBef>
+                        <a:spcAft>
+                          <a:spcPts val="0"/>
+                        </a:spcAft>
+                        <a:buNone/>
+                      </a:pPr>
+                      <a:r>
+                        <a:rPr lang="en-GB" sz="1050" dirty="0">
+                          <a:solidFill>
+                            <a:schemeClr val="bg1"/>
+                          </a:solidFill>
+                        </a:rPr>
+                        <a:t>Medium-Low</a:t>
+                      </a:r>
+                      <a:endParaRPr sz="1050" dirty="0">
+                        <a:solidFill>
+                          <a:schemeClr val="bg1"/>
+                        </a:solidFill>
+                      </a:endParaRPr>
+                    </a:p>
+                  </a:txBody>
+                  <a:tcPr marL="91450" marR="91450" marT="45725" marB="45725">
+                    <a:solidFill>
+                      <a:srgbClr val="6AA84F"/>
+                    </a:solidFill>
+                  </a:tcPr>
+                </a:tc>
+                <a:tc>
+                  <a:txBody>
+                    <a:bodyPr/>
+                    <a:lstStyle/>
+                    <a:p>
+                      <a:pPr marL="0" lvl="0" indent="0" algn="l" rtl="0">
+                        <a:spcBef>
+                          <a:spcPts val="0"/>
+                        </a:spcBef>
+                        <a:spcAft>
+                          <a:spcPts val="0"/>
+                        </a:spcAft>
+                        <a:buClr>
+                          <a:schemeClr val="dk1"/>
+                        </a:buClr>
+                        <a:buSzPts val="1100"/>
+                        <a:buFont typeface="Arial"/>
+                        <a:buNone/>
+                      </a:pPr>
+                      <a:r>
+                        <a:rPr lang="en-GB" sz="1050">
+                          <a:solidFill>
+                            <a:schemeClr val="bg1"/>
+                          </a:solidFill>
+                        </a:rPr>
+                        <a:t>Low Quality End Product/Delay/ Inter personal conflicts</a:t>
+                      </a:r>
+                      <a:endParaRPr sz="1050">
+                        <a:solidFill>
+                          <a:schemeClr val="bg1"/>
+                        </a:solidFill>
+                      </a:endParaRPr>
+                    </a:p>
+                  </a:txBody>
+                  <a:tcPr marL="91450" marR="91450" marT="45725" marB="45725">
+                    <a:solidFill>
+                      <a:schemeClr val="accent1">
+                        <a:lumMod val="75000"/>
+                      </a:schemeClr>
+                    </a:solidFill>
+                  </a:tcPr>
+                </a:tc>
+                <a:tc>
+                  <a:txBody>
+                    <a:bodyPr/>
+                    <a:lstStyle/>
+                    <a:p>
+                      <a:pPr marL="0" marR="0" lvl="0" indent="0" algn="l" rtl="0">
+                        <a:spcBef>
+                          <a:spcPts val="0"/>
+                        </a:spcBef>
+                        <a:spcAft>
+                          <a:spcPts val="0"/>
+                        </a:spcAft>
+                        <a:buNone/>
+                      </a:pPr>
+                      <a:r>
+                        <a:rPr lang="en-GB" sz="1050">
+                          <a:solidFill>
+                            <a:schemeClr val="bg1"/>
+                          </a:solidFill>
+                        </a:rPr>
+                        <a:t>in the case of a disagreement, try reach compromise, otherwise vote or refer to module leader</a:t>
+                      </a:r>
+                      <a:endParaRPr sz="1050">
+                        <a:solidFill>
+                          <a:schemeClr val="bg1"/>
+                        </a:solidFill>
+                      </a:endParaRPr>
+                    </a:p>
+                  </a:txBody>
+                  <a:tcPr marL="91450" marR="91450" marT="45725" marB="45725">
+                    <a:solidFill>
+                      <a:schemeClr val="accent1">
+                        <a:lumMod val="75000"/>
+                      </a:schemeClr>
+                    </a:solidFill>
+                  </a:tcPr>
+                </a:tc>
+                <a:extLst>
+                  <a:ext uri="{0D108BD9-81ED-4DB2-BD59-A6C34878D82A}">
+                    <a16:rowId xmlns:a16="http://schemas.microsoft.com/office/drawing/2014/main" val="10003"/>
+                  </a:ext>
+                </a:extLst>
+              </a:tr>
+              <a:tr h="890789">
+                <a:tc>
+                  <a:txBody>
+                    <a:bodyPr/>
+                    <a:lstStyle/>
+                    <a:p>
+                      <a:pPr marL="0" marR="0" lvl="0" indent="0" algn="l" rtl="0">
+                        <a:spcBef>
+                          <a:spcPts val="0"/>
+                        </a:spcBef>
+                        <a:spcAft>
+                          <a:spcPts val="0"/>
+                        </a:spcAft>
+                        <a:buNone/>
+                      </a:pPr>
+                      <a:r>
+                        <a:rPr lang="en-GB" sz="1050" dirty="0">
+                          <a:solidFill>
+                            <a:schemeClr val="bg1"/>
+                          </a:solidFill>
+                        </a:rPr>
+                        <a:t>over or under estimating work that can be achieved in a sprint</a:t>
+                      </a:r>
+                      <a:endParaRPr sz="1050" dirty="0">
+                        <a:solidFill>
+                          <a:schemeClr val="bg1"/>
+                        </a:solidFill>
+                      </a:endParaRPr>
+                    </a:p>
+                  </a:txBody>
+                  <a:tcPr marL="91450" marR="91450" marT="45725" marB="45725">
+                    <a:solidFill>
+                      <a:schemeClr val="accent5">
+                        <a:lumMod val="75000"/>
+                      </a:schemeClr>
+                    </a:solidFill>
+                  </a:tcPr>
+                </a:tc>
+                <a:tc>
+                  <a:txBody>
+                    <a:bodyPr/>
+                    <a:lstStyle/>
+                    <a:p>
+                      <a:pPr marL="0" marR="0" lvl="0" indent="0" algn="l" rtl="0">
+                        <a:spcBef>
+                          <a:spcPts val="0"/>
+                        </a:spcBef>
+                        <a:spcAft>
+                          <a:spcPts val="0"/>
+                        </a:spcAft>
+                        <a:buNone/>
+                      </a:pPr>
+                      <a:r>
+                        <a:rPr lang="en-GB" sz="1050" dirty="0">
+                          <a:solidFill>
+                            <a:schemeClr val="bg1"/>
+                          </a:solidFill>
+                        </a:rPr>
+                        <a:t>Medium</a:t>
+                      </a:r>
+                      <a:endParaRPr sz="1050" dirty="0">
+                        <a:solidFill>
+                          <a:schemeClr val="bg1"/>
+                        </a:solidFill>
+                      </a:endParaRPr>
+                    </a:p>
+                  </a:txBody>
+                  <a:tcPr marL="91450" marR="91450" marT="45725" marB="45725">
+                    <a:solidFill>
+                      <a:schemeClr val="accent4"/>
+                    </a:solidFill>
+                  </a:tcPr>
+                </a:tc>
+                <a:tc>
+                  <a:txBody>
+                    <a:bodyPr/>
+                    <a:lstStyle/>
+                    <a:p>
+                      <a:pPr marL="0" marR="0" lvl="0" indent="0" algn="l" rtl="0">
+                        <a:spcBef>
+                          <a:spcPts val="0"/>
+                        </a:spcBef>
+                        <a:spcAft>
+                          <a:spcPts val="0"/>
+                        </a:spcAft>
+                        <a:buNone/>
+                      </a:pPr>
+                      <a:r>
+                        <a:rPr lang="en-GB" sz="1050" dirty="0">
+                          <a:solidFill>
+                            <a:schemeClr val="bg1"/>
+                          </a:solidFill>
+                        </a:rPr>
+                        <a:t>Delay/Unbalanced workload (being near idle one week and overly busy the next)</a:t>
+                      </a:r>
+                      <a:endParaRPr sz="1050" dirty="0">
+                        <a:solidFill>
+                          <a:schemeClr val="bg1"/>
+                        </a:solidFill>
+                      </a:endParaRPr>
+                    </a:p>
+                  </a:txBody>
+                  <a:tcPr marL="91450" marR="91450" marT="45725" marB="45725">
+                    <a:solidFill>
+                      <a:schemeClr val="accent5">
+                        <a:lumMod val="75000"/>
+                      </a:schemeClr>
+                    </a:solidFill>
+                  </a:tcPr>
+                </a:tc>
+                <a:tc>
+                  <a:txBody>
+                    <a:bodyPr/>
+                    <a:lstStyle/>
+                    <a:p>
+                      <a:pPr marL="0" marR="0" lvl="0" indent="0" algn="l" rtl="0">
+                        <a:spcBef>
+                          <a:spcPts val="0"/>
+                        </a:spcBef>
+                        <a:spcAft>
+                          <a:spcPts val="0"/>
+                        </a:spcAft>
+                        <a:buNone/>
+                      </a:pPr>
+                      <a:r>
+                        <a:rPr lang="en-GB" sz="1050" dirty="0">
+                          <a:solidFill>
+                            <a:schemeClr val="bg1"/>
+                          </a:solidFill>
+                        </a:rPr>
+                        <a:t>allocate points for each functional task, each person can say how many points that can achieve in 2 weeks, then can use that to estimate right amount of work for future sprints</a:t>
+                      </a:r>
+                      <a:endParaRPr sz="1050" dirty="0">
+                        <a:solidFill>
+                          <a:schemeClr val="bg1"/>
+                        </a:solidFill>
+                      </a:endParaRPr>
+                    </a:p>
+                    <a:p>
+                      <a:pPr marL="0" marR="0" lvl="0" indent="0" algn="l" rtl="0">
+                        <a:spcBef>
+                          <a:spcPts val="0"/>
+                        </a:spcBef>
+                        <a:spcAft>
+                          <a:spcPts val="0"/>
+                        </a:spcAft>
+                        <a:buNone/>
+                      </a:pPr>
+                      <a:endParaRPr sz="1050" dirty="0">
+                        <a:solidFill>
+                          <a:schemeClr val="bg1"/>
+                        </a:solidFill>
+                      </a:endParaRPr>
+                    </a:p>
+                    <a:p>
+                      <a:pPr marL="0" marR="0" lvl="0" indent="0" algn="l" rtl="0">
+                        <a:spcBef>
+                          <a:spcPts val="0"/>
+                        </a:spcBef>
+                        <a:spcAft>
+                          <a:spcPts val="0"/>
+                        </a:spcAft>
+                        <a:buNone/>
+                      </a:pPr>
+                      <a:r>
+                        <a:rPr lang="en-GB" sz="1050" dirty="0">
+                          <a:solidFill>
+                            <a:schemeClr val="bg1"/>
+                          </a:solidFill>
+                        </a:rPr>
+                        <a:t>Regular (near daily)  Sprint Communication</a:t>
+                      </a:r>
+                      <a:endParaRPr sz="1050" dirty="0">
+                        <a:solidFill>
+                          <a:schemeClr val="bg1"/>
+                        </a:solidFill>
+                      </a:endParaRPr>
+                    </a:p>
+                  </a:txBody>
+                  <a:tcPr marL="91450" marR="91450" marT="45725" marB="45725">
+                    <a:solidFill>
+                      <a:schemeClr val="accent5">
+                        <a:lumMod val="75000"/>
+                      </a:schemeClr>
+                    </a:solidFill>
+                  </a:tcPr>
+                </a:tc>
+                <a:extLst>
+                  <a:ext uri="{0D108BD9-81ED-4DB2-BD59-A6C34878D82A}">
+                    <a16:rowId xmlns:a16="http://schemas.microsoft.com/office/drawing/2014/main" val="10004"/>
+                  </a:ext>
+                </a:extLst>
+              </a:tr>
+              <a:tr h="408892">
+                <a:tc>
+                  <a:txBody>
+                    <a:bodyPr/>
+                    <a:lstStyle/>
+                    <a:p>
+                      <a:pPr marL="0" marR="0" lvl="0" indent="0" algn="l" rtl="0">
+                        <a:spcBef>
+                          <a:spcPts val="0"/>
+                        </a:spcBef>
+                        <a:spcAft>
+                          <a:spcPts val="0"/>
+                        </a:spcAft>
+                        <a:buNone/>
+                      </a:pPr>
+                      <a:r>
+                        <a:rPr lang="en-GB" sz="1050" dirty="0">
+                          <a:solidFill>
+                            <a:schemeClr val="bg1"/>
+                          </a:solidFill>
+                        </a:rPr>
+                        <a:t>project does not work, lots of bugs</a:t>
+                      </a:r>
+                      <a:endParaRPr sz="1050" dirty="0">
+                        <a:solidFill>
+                          <a:schemeClr val="bg1"/>
+                        </a:solidFill>
+                      </a:endParaRPr>
+                    </a:p>
+                  </a:txBody>
+                  <a:tcPr marL="91450" marR="91450" marT="45725" marB="45725">
+                    <a:solidFill>
+                      <a:schemeClr val="accent1">
+                        <a:lumMod val="75000"/>
+                      </a:schemeClr>
+                    </a:solidFill>
+                  </a:tcPr>
+                </a:tc>
+                <a:tc>
+                  <a:txBody>
+                    <a:bodyPr/>
+                    <a:lstStyle/>
+                    <a:p>
+                      <a:pPr marL="0" marR="0" lvl="0" indent="0" algn="l" rtl="0">
+                        <a:spcBef>
+                          <a:spcPts val="0"/>
+                        </a:spcBef>
+                        <a:spcAft>
+                          <a:spcPts val="0"/>
+                        </a:spcAft>
+                        <a:buNone/>
+                      </a:pPr>
+                      <a:r>
+                        <a:rPr lang="en-GB" sz="1050" dirty="0">
+                          <a:solidFill>
+                            <a:schemeClr val="bg1"/>
+                          </a:solidFill>
+                        </a:rPr>
+                        <a:t>Medium-Low</a:t>
+                      </a:r>
+                      <a:endParaRPr sz="1050" dirty="0">
+                        <a:solidFill>
+                          <a:schemeClr val="bg1"/>
+                        </a:solidFill>
+                      </a:endParaRPr>
+                    </a:p>
+                  </a:txBody>
+                  <a:tcPr marL="91450" marR="91450" marT="45725" marB="45725">
+                    <a:solidFill>
+                      <a:schemeClr val="accent6"/>
+                    </a:solidFill>
+                  </a:tcPr>
+                </a:tc>
+                <a:tc>
+                  <a:txBody>
+                    <a:bodyPr/>
+                    <a:lstStyle/>
+                    <a:p>
+                      <a:pPr marL="0" lvl="0" indent="0" algn="l" rtl="0">
+                        <a:spcBef>
+                          <a:spcPts val="0"/>
+                        </a:spcBef>
+                        <a:spcAft>
+                          <a:spcPts val="0"/>
+                        </a:spcAft>
+                        <a:buClr>
+                          <a:schemeClr val="dk1"/>
+                        </a:buClr>
+                        <a:buSzPts val="1100"/>
+                        <a:buFont typeface="Arial"/>
+                        <a:buNone/>
+                      </a:pPr>
+                      <a:r>
+                        <a:rPr lang="en-GB" sz="1050">
+                          <a:solidFill>
+                            <a:schemeClr val="bg1"/>
+                          </a:solidFill>
+                        </a:rPr>
+                        <a:t>Low Quality End Product</a:t>
+                      </a:r>
+                      <a:endParaRPr sz="1050">
+                        <a:solidFill>
+                          <a:schemeClr val="bg1"/>
+                        </a:solidFill>
+                      </a:endParaRPr>
+                    </a:p>
+                  </a:txBody>
+                  <a:tcPr marL="91450" marR="91450" marT="45725" marB="45725">
+                    <a:solidFill>
+                      <a:schemeClr val="accent1">
+                        <a:lumMod val="75000"/>
+                      </a:schemeClr>
+                    </a:solidFill>
+                  </a:tcPr>
+                </a:tc>
+                <a:tc>
+                  <a:txBody>
+                    <a:bodyPr/>
+                    <a:lstStyle/>
+                    <a:p>
+                      <a:pPr marL="0" marR="0" lvl="0" indent="0" algn="l" rtl="0">
+                        <a:spcBef>
+                          <a:spcPts val="0"/>
+                        </a:spcBef>
+                        <a:spcAft>
+                          <a:spcPts val="0"/>
+                        </a:spcAft>
+                        <a:buNone/>
+                      </a:pPr>
+                      <a:r>
+                        <a:rPr lang="en-GB" sz="1050">
+                          <a:solidFill>
+                            <a:schemeClr val="bg1"/>
+                          </a:solidFill>
+                        </a:rPr>
+                        <a:t>create unit tests at the same time or before creating code</a:t>
+                      </a:r>
+                      <a:endParaRPr sz="1050">
+                        <a:solidFill>
+                          <a:schemeClr val="bg1"/>
+                        </a:solidFill>
+                      </a:endParaRPr>
+                    </a:p>
+                  </a:txBody>
+                  <a:tcPr marL="91450" marR="91450" marT="45725" marB="45725">
+                    <a:solidFill>
+                      <a:schemeClr val="accent1">
+                        <a:lumMod val="75000"/>
+                      </a:schemeClr>
+                    </a:solidFill>
+                  </a:tcPr>
+                </a:tc>
+                <a:extLst>
+                  <a:ext uri="{0D108BD9-81ED-4DB2-BD59-A6C34878D82A}">
+                    <a16:rowId xmlns:a16="http://schemas.microsoft.com/office/drawing/2014/main" val="10005"/>
+                  </a:ext>
+                </a:extLst>
+              </a:tr>
+              <a:tr h="408892">
+                <a:tc>
+                  <a:txBody>
+                    <a:bodyPr/>
+                    <a:lstStyle/>
+                    <a:p>
+                      <a:pPr marL="0" marR="0" lvl="0" indent="0" algn="l" rtl="0">
+                        <a:spcBef>
+                          <a:spcPts val="0"/>
+                        </a:spcBef>
+                        <a:spcAft>
+                          <a:spcPts val="0"/>
+                        </a:spcAft>
+                        <a:buNone/>
+                      </a:pPr>
+                      <a:r>
+                        <a:rPr lang="en-GB" sz="1050" dirty="0">
+                          <a:solidFill>
+                            <a:schemeClr val="bg1"/>
+                          </a:solidFill>
+                        </a:rPr>
+                        <a:t>spending too much time on one task</a:t>
+                      </a:r>
+                      <a:endParaRPr sz="1050" dirty="0">
+                        <a:solidFill>
+                          <a:schemeClr val="bg1"/>
+                        </a:solidFill>
+                      </a:endParaRPr>
+                    </a:p>
+                  </a:txBody>
+                  <a:tcPr marL="91450" marR="91450" marT="45725" marB="45725">
+                    <a:solidFill>
+                      <a:schemeClr val="accent5">
+                        <a:lumMod val="75000"/>
+                      </a:schemeClr>
+                    </a:solidFill>
+                  </a:tcPr>
+                </a:tc>
+                <a:tc>
+                  <a:txBody>
+                    <a:bodyPr/>
+                    <a:lstStyle/>
+                    <a:p>
+                      <a:pPr marL="0" marR="0" lvl="0" indent="0" algn="l" rtl="0">
+                        <a:spcBef>
+                          <a:spcPts val="0"/>
+                        </a:spcBef>
+                        <a:spcAft>
+                          <a:spcPts val="0"/>
+                        </a:spcAft>
+                        <a:buNone/>
+                      </a:pPr>
+                      <a:r>
+                        <a:rPr lang="en-GB" sz="1050" dirty="0">
+                          <a:solidFill>
+                            <a:schemeClr val="bg1"/>
+                          </a:solidFill>
+                        </a:rPr>
+                        <a:t>Medium-Low</a:t>
+                      </a:r>
+                      <a:endParaRPr sz="1050" dirty="0">
+                        <a:solidFill>
+                          <a:schemeClr val="bg1"/>
+                        </a:solidFill>
+                      </a:endParaRPr>
+                    </a:p>
+                  </a:txBody>
+                  <a:tcPr marL="91450" marR="91450" marT="45725" marB="45725">
+                    <a:solidFill>
+                      <a:srgbClr val="6AA84F"/>
+                    </a:solidFill>
+                  </a:tcPr>
+                </a:tc>
+                <a:tc>
+                  <a:txBody>
+                    <a:bodyPr/>
+                    <a:lstStyle/>
+                    <a:p>
+                      <a:pPr marL="0" lvl="0" indent="0" algn="l" rtl="0">
+                        <a:spcBef>
+                          <a:spcPts val="0"/>
+                        </a:spcBef>
+                        <a:spcAft>
+                          <a:spcPts val="0"/>
+                        </a:spcAft>
+                        <a:buClr>
+                          <a:schemeClr val="dk1"/>
+                        </a:buClr>
+                        <a:buSzPts val="1100"/>
+                        <a:buFont typeface="Arial"/>
+                        <a:buNone/>
+                      </a:pPr>
+                      <a:r>
+                        <a:rPr lang="en-GB" sz="1050">
+                          <a:solidFill>
+                            <a:schemeClr val="bg1"/>
+                          </a:solidFill>
+                        </a:rPr>
+                        <a:t>Low Quality End Product/Delay</a:t>
+                      </a:r>
+                      <a:endParaRPr sz="1050">
+                        <a:solidFill>
+                          <a:schemeClr val="bg1"/>
+                        </a:solidFill>
+                      </a:endParaRPr>
+                    </a:p>
+                  </a:txBody>
+                  <a:tcPr marL="91450" marR="91450" marT="45725" marB="45725">
+                    <a:solidFill>
+                      <a:schemeClr val="accent5">
+                        <a:lumMod val="75000"/>
+                      </a:schemeClr>
+                    </a:solidFill>
+                  </a:tcPr>
+                </a:tc>
+                <a:tc>
+                  <a:txBody>
+                    <a:bodyPr/>
+                    <a:lstStyle/>
+                    <a:p>
+                      <a:pPr marL="0" marR="0" lvl="0" indent="0" algn="l" rtl="0">
+                        <a:spcBef>
+                          <a:spcPts val="0"/>
+                        </a:spcBef>
+                        <a:spcAft>
+                          <a:spcPts val="0"/>
+                        </a:spcAft>
+                        <a:buNone/>
+                      </a:pPr>
+                      <a:r>
+                        <a:rPr lang="en-GB" sz="1050" dirty="0">
+                          <a:solidFill>
+                            <a:schemeClr val="bg1"/>
+                          </a:solidFill>
+                        </a:rPr>
+                        <a:t>break down tasks into smaller units</a:t>
+                      </a:r>
+                      <a:endParaRPr sz="1050" dirty="0">
+                        <a:solidFill>
+                          <a:schemeClr val="bg1"/>
+                        </a:solidFill>
+                      </a:endParaRPr>
+                    </a:p>
+                  </a:txBody>
+                  <a:tcPr marL="91450" marR="91450" marT="45725" marB="45725">
+                    <a:solidFill>
+                      <a:schemeClr val="accent5">
+                        <a:lumMod val="75000"/>
+                      </a:schemeClr>
+                    </a:solidFill>
+                  </a:tcPr>
+                </a:tc>
+                <a:extLst>
+                  <a:ext uri="{0D108BD9-81ED-4DB2-BD59-A6C34878D82A}">
+                    <a16:rowId xmlns:a16="http://schemas.microsoft.com/office/drawing/2014/main" val="10006"/>
+                  </a:ext>
+                </a:extLst>
+              </a:tr>
+              <a:tr h="408892">
+                <a:tc>
+                  <a:txBody>
+                    <a:bodyPr/>
+                    <a:lstStyle/>
+                    <a:p>
+                      <a:pPr marL="0" marR="0" lvl="0" indent="0" algn="l" rtl="0">
+                        <a:spcBef>
+                          <a:spcPts val="0"/>
+                        </a:spcBef>
+                        <a:spcAft>
+                          <a:spcPts val="0"/>
+                        </a:spcAft>
+                        <a:buNone/>
+                      </a:pPr>
+                      <a:r>
+                        <a:rPr lang="en-GB" sz="1050">
+                          <a:solidFill>
+                            <a:schemeClr val="bg1"/>
+                          </a:solidFill>
+                        </a:rPr>
+                        <a:t>client unhappy with the result</a:t>
+                      </a:r>
+                      <a:endParaRPr sz="1050">
+                        <a:solidFill>
+                          <a:schemeClr val="bg1"/>
+                        </a:solidFill>
+                      </a:endParaRPr>
+                    </a:p>
+                  </a:txBody>
+                  <a:tcPr marL="91450" marR="91450" marT="45725" marB="45725">
+                    <a:solidFill>
+                      <a:schemeClr val="accent1">
+                        <a:lumMod val="75000"/>
+                      </a:schemeClr>
+                    </a:solidFill>
+                  </a:tcPr>
+                </a:tc>
+                <a:tc>
+                  <a:txBody>
+                    <a:bodyPr/>
+                    <a:lstStyle/>
+                    <a:p>
+                      <a:pPr marL="0" marR="0" lvl="0" indent="0" algn="l" rtl="0">
+                        <a:spcBef>
+                          <a:spcPts val="0"/>
+                        </a:spcBef>
+                        <a:spcAft>
+                          <a:spcPts val="0"/>
+                        </a:spcAft>
+                        <a:buNone/>
+                      </a:pPr>
+                      <a:r>
+                        <a:rPr lang="en-GB" sz="1050" dirty="0">
+                          <a:solidFill>
+                            <a:schemeClr val="bg1"/>
+                          </a:solidFill>
+                        </a:rPr>
+                        <a:t>Low</a:t>
+                      </a:r>
+                      <a:endParaRPr sz="1050" dirty="0">
+                        <a:solidFill>
+                          <a:schemeClr val="bg1"/>
+                        </a:solidFill>
+                      </a:endParaRPr>
+                    </a:p>
+                  </a:txBody>
+                  <a:tcPr marL="91450" marR="91450" marT="45725" marB="45725">
+                    <a:solidFill>
+                      <a:srgbClr val="1155CC"/>
+                    </a:solidFill>
+                  </a:tcPr>
+                </a:tc>
+                <a:tc>
+                  <a:txBody>
+                    <a:bodyPr/>
+                    <a:lstStyle/>
+                    <a:p>
+                      <a:pPr marL="0" lvl="0" indent="0" algn="l" rtl="0">
+                        <a:spcBef>
+                          <a:spcPts val="0"/>
+                        </a:spcBef>
+                        <a:spcAft>
+                          <a:spcPts val="0"/>
+                        </a:spcAft>
+                        <a:buClr>
+                          <a:schemeClr val="dk1"/>
+                        </a:buClr>
+                        <a:buSzPts val="1100"/>
+                        <a:buFont typeface="Arial"/>
+                        <a:buNone/>
+                      </a:pPr>
+                      <a:r>
+                        <a:rPr lang="en-GB" sz="1050">
+                          <a:solidFill>
+                            <a:schemeClr val="bg1"/>
+                          </a:solidFill>
+                        </a:rPr>
+                        <a:t>Low Quality End Product</a:t>
+                      </a:r>
+                      <a:endParaRPr sz="1050">
+                        <a:solidFill>
+                          <a:schemeClr val="bg1"/>
+                        </a:solidFill>
+                      </a:endParaRPr>
+                    </a:p>
+                  </a:txBody>
+                  <a:tcPr marL="91450" marR="91450" marT="45725" marB="45725">
+                    <a:solidFill>
+                      <a:schemeClr val="accent1">
+                        <a:lumMod val="75000"/>
+                      </a:schemeClr>
+                    </a:solidFill>
+                  </a:tcPr>
+                </a:tc>
+                <a:tc>
+                  <a:txBody>
+                    <a:bodyPr/>
+                    <a:lstStyle/>
+                    <a:p>
+                      <a:pPr marL="0" marR="0" lvl="0" indent="0" algn="l" rtl="0">
+                        <a:spcBef>
+                          <a:spcPts val="0"/>
+                        </a:spcBef>
+                        <a:spcAft>
+                          <a:spcPts val="0"/>
+                        </a:spcAft>
+                        <a:buNone/>
+                      </a:pPr>
+                      <a:r>
+                        <a:rPr lang="en-GB" sz="1050">
+                          <a:solidFill>
+                            <a:schemeClr val="bg1"/>
+                          </a:solidFill>
+                        </a:rPr>
+                        <a:t>implement acceptance testing, perhaps using XML for a list of commands to test</a:t>
+                      </a:r>
+                      <a:endParaRPr sz="1050">
+                        <a:solidFill>
+                          <a:schemeClr val="bg1"/>
+                        </a:solidFill>
+                      </a:endParaRPr>
+                    </a:p>
+                  </a:txBody>
+                  <a:tcPr marL="91450" marR="91450" marT="45725" marB="45725">
+                    <a:solidFill>
+                      <a:schemeClr val="accent1">
+                        <a:lumMod val="75000"/>
+                      </a:schemeClr>
+                    </a:solidFill>
+                  </a:tcPr>
+                </a:tc>
+                <a:extLst>
+                  <a:ext uri="{0D108BD9-81ED-4DB2-BD59-A6C34878D82A}">
+                    <a16:rowId xmlns:a16="http://schemas.microsoft.com/office/drawing/2014/main" val="10007"/>
+                  </a:ext>
+                </a:extLst>
+              </a:tr>
+              <a:tr h="1212054">
+                <a:tc>
+                  <a:txBody>
+                    <a:bodyPr/>
+                    <a:lstStyle/>
+                    <a:p>
+                      <a:pPr marL="0" marR="0" lvl="0" indent="0" algn="l" rtl="0">
+                        <a:spcBef>
+                          <a:spcPts val="0"/>
+                        </a:spcBef>
+                        <a:spcAft>
+                          <a:spcPts val="0"/>
+                        </a:spcAft>
+                        <a:buNone/>
+                      </a:pPr>
+                      <a:r>
+                        <a:rPr lang="en-GB" sz="1050" dirty="0">
+                          <a:solidFill>
+                            <a:schemeClr val="bg1"/>
+                          </a:solidFill>
+                        </a:rPr>
+                        <a:t>team member struggles with coding</a:t>
+                      </a:r>
+                      <a:endParaRPr sz="1050" dirty="0">
+                        <a:solidFill>
+                          <a:schemeClr val="bg1"/>
+                        </a:solidFill>
+                      </a:endParaRPr>
+                    </a:p>
+                  </a:txBody>
+                  <a:tcPr marL="91450" marR="91450" marT="45725" marB="45725">
+                    <a:solidFill>
+                      <a:schemeClr val="accent5">
+                        <a:lumMod val="75000"/>
+                      </a:schemeClr>
+                    </a:solidFill>
+                  </a:tcPr>
+                </a:tc>
+                <a:tc>
+                  <a:txBody>
+                    <a:bodyPr/>
+                    <a:lstStyle/>
+                    <a:p>
+                      <a:pPr marL="0" marR="0" lvl="0" indent="0" algn="l" rtl="0">
+                        <a:spcBef>
+                          <a:spcPts val="0"/>
+                        </a:spcBef>
+                        <a:spcAft>
+                          <a:spcPts val="0"/>
+                        </a:spcAft>
+                        <a:buNone/>
+                      </a:pPr>
+                      <a:r>
+                        <a:rPr lang="en-GB" sz="1050" dirty="0">
+                          <a:solidFill>
+                            <a:schemeClr val="bg1"/>
+                          </a:solidFill>
+                        </a:rPr>
+                        <a:t>Medium</a:t>
+                      </a:r>
+                      <a:endParaRPr sz="1050" dirty="0">
+                        <a:solidFill>
+                          <a:schemeClr val="bg1"/>
+                        </a:solidFill>
+                      </a:endParaRPr>
+                    </a:p>
+                  </a:txBody>
+                  <a:tcPr marL="91450" marR="91450" marT="45725" marB="45725">
+                    <a:solidFill>
+                      <a:srgbClr val="F1C232"/>
+                    </a:solidFill>
+                  </a:tcPr>
+                </a:tc>
+                <a:tc>
+                  <a:txBody>
+                    <a:bodyPr/>
+                    <a:lstStyle/>
+                    <a:p>
+                      <a:pPr marL="0" lvl="0" indent="0" algn="l" rtl="0">
+                        <a:spcBef>
+                          <a:spcPts val="0"/>
+                        </a:spcBef>
+                        <a:spcAft>
+                          <a:spcPts val="0"/>
+                        </a:spcAft>
+                        <a:buClr>
+                          <a:schemeClr val="dk1"/>
+                        </a:buClr>
+                        <a:buSzPts val="1100"/>
+                        <a:buFont typeface="Arial"/>
+                        <a:buNone/>
+                      </a:pPr>
+                      <a:r>
+                        <a:rPr lang="en-GB" sz="1050">
+                          <a:solidFill>
+                            <a:schemeClr val="bg1"/>
+                          </a:solidFill>
+                        </a:rPr>
+                        <a:t>Low Quality End Product/Delay</a:t>
+                      </a:r>
+                      <a:endParaRPr sz="1050">
+                        <a:solidFill>
+                          <a:schemeClr val="bg1"/>
+                        </a:solidFill>
+                      </a:endParaRPr>
+                    </a:p>
+                  </a:txBody>
+                  <a:tcPr marL="91450" marR="91450" marT="45725" marB="45725">
+                    <a:solidFill>
+                      <a:schemeClr val="accent5">
+                        <a:lumMod val="75000"/>
+                      </a:schemeClr>
+                    </a:solidFill>
+                  </a:tcPr>
+                </a:tc>
+                <a:tc>
+                  <a:txBody>
+                    <a:bodyPr/>
+                    <a:lstStyle/>
+                    <a:p>
+                      <a:pPr marL="0" marR="0" lvl="0" indent="0" algn="l" rtl="0">
+                        <a:spcBef>
+                          <a:spcPts val="0"/>
+                        </a:spcBef>
+                        <a:spcAft>
+                          <a:spcPts val="0"/>
+                        </a:spcAft>
+                        <a:buNone/>
+                      </a:pPr>
+                      <a:r>
+                        <a:rPr lang="en-GB" sz="1050" dirty="0">
+                          <a:solidFill>
+                            <a:schemeClr val="bg1"/>
+                          </a:solidFill>
+                        </a:rPr>
+                        <a:t>pair programming to help team members struggling with coding and to reduce bugs</a:t>
+                      </a:r>
+                      <a:endParaRPr sz="1050" dirty="0">
+                        <a:solidFill>
+                          <a:schemeClr val="bg1"/>
+                        </a:solidFill>
+                      </a:endParaRPr>
+                    </a:p>
+                    <a:p>
+                      <a:pPr marL="0" marR="0" lvl="0" indent="0" algn="l" rtl="0">
+                        <a:spcBef>
+                          <a:spcPts val="0"/>
+                        </a:spcBef>
+                        <a:spcAft>
+                          <a:spcPts val="0"/>
+                        </a:spcAft>
+                        <a:buNone/>
+                      </a:pPr>
+                      <a:endParaRPr sz="1050" dirty="0">
+                        <a:solidFill>
+                          <a:schemeClr val="bg1"/>
+                        </a:solidFill>
+                      </a:endParaRPr>
+                    </a:p>
+                    <a:p>
+                      <a:pPr marL="0" marR="0" lvl="0" indent="0" algn="l" rtl="0">
+                        <a:spcBef>
+                          <a:spcPts val="0"/>
+                        </a:spcBef>
+                        <a:spcAft>
+                          <a:spcPts val="0"/>
+                        </a:spcAft>
+                        <a:buNone/>
+                      </a:pPr>
+                      <a:r>
+                        <a:rPr lang="en-GB" sz="1050" dirty="0">
+                          <a:solidFill>
+                            <a:schemeClr val="bg1"/>
+                          </a:solidFill>
+                        </a:rPr>
+                        <a:t>Each part of the system orchestrated by those with greatest area expertise</a:t>
+                      </a:r>
+                      <a:endParaRPr sz="1050" dirty="0">
+                        <a:solidFill>
+                          <a:schemeClr val="bg1"/>
+                        </a:solidFill>
+                      </a:endParaRPr>
+                    </a:p>
+                    <a:p>
+                      <a:pPr marL="0" marR="0" lvl="0" indent="0" algn="l" rtl="0">
+                        <a:spcBef>
+                          <a:spcPts val="0"/>
+                        </a:spcBef>
+                        <a:spcAft>
+                          <a:spcPts val="0"/>
+                        </a:spcAft>
+                        <a:buNone/>
+                      </a:pPr>
+                      <a:r>
+                        <a:rPr lang="en-GB" sz="1050" dirty="0">
+                          <a:solidFill>
+                            <a:schemeClr val="bg1"/>
+                          </a:solidFill>
+                        </a:rPr>
+                        <a:t>(I.E Database development directed by person with confidence in databases)</a:t>
+                      </a:r>
+                      <a:endParaRPr sz="1050" dirty="0">
+                        <a:solidFill>
+                          <a:schemeClr val="bg1"/>
+                        </a:solidFill>
+                      </a:endParaRPr>
+                    </a:p>
+                  </a:txBody>
+                  <a:tcPr marL="91450" marR="91450" marT="45725" marB="45725">
+                    <a:solidFill>
+                      <a:schemeClr val="accent5">
+                        <a:lumMod val="75000"/>
+                      </a:schemeClr>
+                    </a:solidFill>
+                  </a:tcPr>
+                </a:tc>
+                <a:extLst>
+                  <a:ext uri="{0D108BD9-81ED-4DB2-BD59-A6C34878D82A}">
+                    <a16:rowId xmlns:a16="http://schemas.microsoft.com/office/drawing/2014/main" val="10008"/>
+                  </a:ext>
+                </a:extLst>
+              </a:tr>
+            </a:tbl>
+          </a:graphicData>
+        </a:graphic>
+      </p:graphicFrame>
+    </p:spTree>
+    <p:extLst>
+      <p:ext uri="{BB962C8B-B14F-4D97-AF65-F5344CB8AC3E}">
+        <p14:creationId xmlns:p14="http://schemas.microsoft.com/office/powerpoint/2010/main" val="3366852053"/>
+      </p:ext>
+    </p:extLst>
+  </p:cSld>
+  <p:clrMapOvr>
+    <a:masterClrMapping/>
+  </p:clrMapOvr>
+</p:sld>
+</file>
+
+<file path=ppt/slides/slide19.xml><?xml version="1.0" encoding="utf-8"?>
+<p:sld xmlns:a="http://schemas.openxmlformats.org/drawingml/2006/main" xmlns:r="http://schemas.openxmlformats.org/officeDocument/2006/relationships" xmlns:p="http://schemas.openxmlformats.org/presentationml/2006/main">
+  <p:cSld>
+    <p:spTree>
+      <p:nvGrpSpPr>
+        <p:cNvPr id="1" name=""/>
+        <p:cNvGrpSpPr/>
+        <p:nvPr/>
+      </p:nvGrpSpPr>
+      <p:grpSpPr>
+        <a:xfrm>
+          <a:off x="0" y="0"/>
+          <a:ext cx="0" cy="0"/>
+          <a:chOff x="0" y="0"/>
+          <a:chExt cx="0" cy="0"/>
+        </a:xfrm>
+      </p:grpSpPr>
+      <p:sp>
+        <p:nvSpPr>
+          <p:cNvPr id="2" name="Title 1">
+            <a:extLst>
+              <a:ext uri="{FF2B5EF4-FFF2-40B4-BE49-F238E27FC236}">
+                <a16:creationId xmlns:a16="http://schemas.microsoft.com/office/drawing/2014/main" id="{C1ACCAC7-8AAB-4884-9DC9-EFF4FFEE5180}"/>
+              </a:ext>
+            </a:extLst>
+          </p:cNvPr>
+          <p:cNvSpPr>
+            <a:spLocks noGrp="1"/>
+          </p:cNvSpPr>
+          <p:nvPr>
+            <p:ph type="title"/>
+          </p:nvPr>
+        </p:nvSpPr>
+        <p:spPr/>
+        <p:txBody>
+          <a:bodyPr/>
+          <a:lstStyle/>
+          <a:p>
+            <a:r>
+              <a:rPr lang="en-GB" dirty="0"/>
+              <a:t>Any Questions?</a:t>
+            </a:r>
+          </a:p>
+        </p:txBody>
+      </p:sp>
+      <p:sp>
+        <p:nvSpPr>
+          <p:cNvPr id="3" name="Content Placeholder 2">
+            <a:extLst>
+              <a:ext uri="{FF2B5EF4-FFF2-40B4-BE49-F238E27FC236}">
+                <a16:creationId xmlns:a16="http://schemas.microsoft.com/office/drawing/2014/main" id="{21551801-6E35-4AE8-9365-B7095D79B5F7}"/>
+              </a:ext>
+            </a:extLst>
+          </p:cNvPr>
+          <p:cNvSpPr>
+            <a:spLocks noGrp="1"/>
+          </p:cNvSpPr>
+          <p:nvPr>
+            <p:ph idx="1"/>
+          </p:nvPr>
+        </p:nvSpPr>
+        <p:spPr/>
+        <p:txBody>
+          <a:bodyPr/>
+          <a:lstStyle/>
+          <a:p>
+            <a:endParaRPr lang="en-GB"/>
+          </a:p>
+        </p:txBody>
+      </p:sp>
+    </p:spTree>
+    <p:extLst>
+      <p:ext uri="{BB962C8B-B14F-4D97-AF65-F5344CB8AC3E}">
+        <p14:creationId xmlns:p14="http://schemas.microsoft.com/office/powerpoint/2010/main" val="1551433203"/>
+      </p:ext>
+    </p:extLst>
+  </p:cSld>
+  <p:clrMapOvr>
+    <a:masterClrMapping/>
+  </p:clrMapOvr>
+</p:sld>
+</file>
+
 <file path=ppt/slides/slide2.xml><?xml version="1.0" encoding="utf-8"?>
 <p:sld xmlns:a="http://schemas.openxmlformats.org/drawingml/2006/main" xmlns:r="http://schemas.openxmlformats.org/officeDocument/2006/relationships" xmlns:p="http://schemas.openxmlformats.org/presentationml/2006/main">
   <p:cSld>
@@ -4247,7 +6742,7 @@
           <p:cNvPr id="2" name="Title 1">
             <a:extLst>
               <a:ext uri="{FF2B5EF4-FFF2-40B4-BE49-F238E27FC236}">
-                <a16:creationId xmlns:a16="http://schemas.microsoft.com/office/drawing/2014/main" id="{BBFD5FB7-62AD-4F1F-B617-6774570CDD92}"/>
+                <a16:creationId xmlns:a16="http://schemas.microsoft.com/office/drawing/2014/main" id="{D7128E3B-18DE-424A-9FCE-07667EBEA289}"/>
               </a:ext>
             </a:extLst>
           </p:cNvPr>
@@ -4265,43 +6760,45 @@
           <a:p>
             <a:r>
               <a:rPr lang="en-GB" dirty="0"/>
-              <a:t>Sprint Planning</a:t>
-            </a:r>
-          </a:p>
-        </p:txBody>
-      </p:sp>
-      <p:sp>
-        <p:nvSpPr>
-          <p:cNvPr id="3" name="Content Placeholder 2">
-            <a:extLst>
-              <a:ext uri="{FF2B5EF4-FFF2-40B4-BE49-F238E27FC236}">
-                <a16:creationId xmlns:a16="http://schemas.microsoft.com/office/drawing/2014/main" id="{D001DBE7-67DF-4AA8-8E31-BE66D1342B48}"/>
-              </a:ext>
-            </a:extLst>
-          </p:cNvPr>
-          <p:cNvSpPr>
-            <a:spLocks noGrp="1"/>
-          </p:cNvSpPr>
-          <p:nvPr>
-            <p:ph idx="1"/>
-          </p:nvPr>
-        </p:nvSpPr>
-        <p:spPr/>
-        <p:txBody>
-          <a:bodyPr/>
-          <a:lstStyle/>
-          <a:p>
-            <a:r>
-              <a:rPr lang="en-GB" dirty="0"/>
-              <a:t>Sprint Documents</a:t>
-            </a:r>
-          </a:p>
-        </p:txBody>
-      </p:sp>
+              <a:t>Backlog</a:t>
+            </a:r>
+          </a:p>
+        </p:txBody>
+      </p:sp>
+      <p:pic>
+        <p:nvPicPr>
+          <p:cNvPr id="4" name="Picture 3">
+            <a:extLst>
+              <a:ext uri="{FF2B5EF4-FFF2-40B4-BE49-F238E27FC236}">
+                <a16:creationId xmlns:a16="http://schemas.microsoft.com/office/drawing/2014/main" id="{7B0E735F-B8E8-4EAC-844A-4AE247A802CC}"/>
+              </a:ext>
+            </a:extLst>
+          </p:cNvPr>
+          <p:cNvPicPr>
+            <a:picLocks noChangeAspect="1"/>
+          </p:cNvPicPr>
+          <p:nvPr/>
+        </p:nvPicPr>
+        <p:blipFill>
+          <a:blip r:embed="rId2"/>
+          <a:stretch>
+            <a:fillRect/>
+          </a:stretch>
+        </p:blipFill>
+        <p:spPr>
+          <a:xfrm>
+            <a:off x="651330" y="1068649"/>
+            <a:ext cx="10292179" cy="5789351"/>
+          </a:xfrm>
+          <a:prstGeom prst="rect">
+            <a:avLst/>
+          </a:prstGeom>
+        </p:spPr>
+      </p:pic>
     </p:spTree>
     <p:extLst>
       <p:ext uri="{BB962C8B-B14F-4D97-AF65-F5344CB8AC3E}">
-        <p14:creationId xmlns:p14="http://schemas.microsoft.com/office/powerpoint/2010/main" val="1225627463"/>
+        <p14:creationId xmlns:p14="http://schemas.microsoft.com/office/powerpoint/2010/main" val="1635088840"/>
       </p:ext>
     </p:extLst>
   </p:cSld>
@@ -4333,7 +6830,7 @@
           <p:cNvPr id="2" name="Title 1">
             <a:extLst>
               <a:ext uri="{FF2B5EF4-FFF2-40B4-BE49-F238E27FC236}">
-                <a16:creationId xmlns:a16="http://schemas.microsoft.com/office/drawing/2014/main" id="{5399851E-FD90-427A-B00D-729037E009C0}"/>
+                <a16:creationId xmlns:a16="http://schemas.microsoft.com/office/drawing/2014/main" id="{BBFD5FB7-62AD-4F1F-B617-6774570CDD92}"/>
               </a:ext>
             </a:extLst>
           </p:cNvPr>
@@ -4351,7 +6848,7 @@
           <a:p>
             <a:r>
               <a:rPr lang="en-GB" dirty="0"/>
-              <a:t>Product Demo</a:t>
+              <a:t>Sprint Planning</a:t>
             </a:r>
           </a:p>
         </p:txBody>
@@ -4361,7 +6858,7 @@
           <p:cNvPr id="3" name="Content Placeholder 2">
             <a:extLst>
               <a:ext uri="{FF2B5EF4-FFF2-40B4-BE49-F238E27FC236}">
-                <a16:creationId xmlns:a16="http://schemas.microsoft.com/office/drawing/2014/main" id="{E1FA8661-64E2-48BB-86D2-77BBBFE9AAD0}"/>
+                <a16:creationId xmlns:a16="http://schemas.microsoft.com/office/drawing/2014/main" id="{D001DBE7-67DF-4AA8-8E31-BE66D1342B48}"/>
               </a:ext>
             </a:extLst>
           </p:cNvPr>
@@ -4377,14 +6874,50 @@
           <a:bodyPr/>
           <a:lstStyle/>
           <a:p>
-            <a:endParaRPr lang="en-GB"/>
+            <a:r>
+              <a:rPr lang="en-GB" b="1" dirty="0"/>
+              <a:t>Current Sprint Documents:</a:t>
+            </a:r>
+          </a:p>
+          <a:p>
+            <a:r>
+              <a:rPr lang="en-GB" dirty="0"/>
+              <a:t>Sprint 1 – implement stage 1 of Storymap</a:t>
+            </a:r>
+          </a:p>
+          <a:p>
+            <a:r>
+              <a:rPr lang="en-GB" dirty="0"/>
+              <a:t>Sprint 2 – implement stage 2</a:t>
+            </a:r>
+          </a:p>
+          <a:p>
+            <a:r>
+              <a:rPr lang="en-GB" b="1" dirty="0"/>
+              <a:t>Planned:</a:t>
+            </a:r>
+          </a:p>
+          <a:p>
+            <a:r>
+              <a:rPr lang="en-GB" dirty="0"/>
+              <a:t>Sprint 3 – implement stage 3 and 4</a:t>
+            </a:r>
+          </a:p>
+          <a:p>
+            <a:r>
+              <a:rPr lang="en-GB" dirty="0"/>
+              <a:t>Spring 4 – review, refine, write reports</a:t>
+            </a:r>
+          </a:p>
+          <a:p>
+            <a:endParaRPr lang="en-GB" dirty="0"/>
           </a:p>
         </p:txBody>
       </p:sp>
     </p:spTree>
     <p:extLst>
       <p:ext uri="{BB962C8B-B14F-4D97-AF65-F5344CB8AC3E}">
-        <p14:creationId xmlns:p14="http://schemas.microsoft.com/office/powerpoint/2010/main" val="3328914800"/>
+        <p14:creationId xmlns:p14="http://schemas.microsoft.com/office/powerpoint/2010/main" val="1225627463"/>
       </p:ext>
     </p:extLst>
   </p:cSld>
@@ -5367,13 +7900,7 @@
           <p:cNvGraphicFramePr>
             <a:graphicFrameLocks noGrp="1"/>
           </p:cNvGraphicFramePr>
-          <p:nvPr>
-            <p:extLst>
-              <p:ext uri="{D42A27DB-BD31-4B8C-83A1-F6EECF244321}">
-                <p14:modId xmlns:p14="http://schemas.microsoft.com/office/powerpoint/2010/main" val="1057114476"/>
-              </p:ext>
-            </p:extLst>
-          </p:nvPr>
+          <p:nvPr/>
         </p:nvGraphicFramePr>
         <p:xfrm>
           <a:off x="370979" y="1316600"/>
@@ -6480,7 +9007,7 @@
     </p:spTree>
     <p:extLst>
       <p:ext uri="{BB962C8B-B14F-4D97-AF65-F5344CB8AC3E}">
-        <p14:creationId xmlns:p14="http://schemas.microsoft.com/office/powerpoint/2010/main" val="882131135"/>
+        <p14:creationId xmlns:p14="http://schemas.microsoft.com/office/powerpoint/2010/main" val="3742954324"/>
       </p:ext>
     </p:extLst>
   </p:cSld>
@@ -6512,7 +9039,7 @@
           <p:cNvPr id="2" name="Title 1">
             <a:extLst>
               <a:ext uri="{FF2B5EF4-FFF2-40B4-BE49-F238E27FC236}">
-                <a16:creationId xmlns:a16="http://schemas.microsoft.com/office/drawing/2014/main" id="{EF431E20-CF03-4A3D-9423-7904A2B23333}"/>
+                <a16:creationId xmlns:a16="http://schemas.microsoft.com/office/drawing/2014/main" id="{5399851E-FD90-427A-B00D-729037E009C0}"/>
               </a:ext>
             </a:extLst>
           </p:cNvPr>
@@ -6530,1654 +9057,45 @@
           <a:p>
             <a:r>
               <a:rPr lang="en-GB" dirty="0"/>
-              <a:t>Risk Assessment – Project Scope</a:t>
-            </a:r>
-          </a:p>
-        </p:txBody>
-      </p:sp>
-      <p:graphicFrame>
-        <p:nvGraphicFramePr>
-          <p:cNvPr id="5" name="Google Shape;84;p1">
-            <a:extLst>
-              <a:ext uri="{FF2B5EF4-FFF2-40B4-BE49-F238E27FC236}">
-                <a16:creationId xmlns:a16="http://schemas.microsoft.com/office/drawing/2014/main" id="{2A5E3790-B250-4B65-8097-9B22BA65C854}"/>
-              </a:ext>
-            </a:extLst>
-          </p:cNvPr>
-          <p:cNvGraphicFramePr/>
-          <p:nvPr>
-            <p:extLst>
-              <p:ext uri="{D42A27DB-BD31-4B8C-83A1-F6EECF244321}">
-                <p14:modId xmlns:p14="http://schemas.microsoft.com/office/powerpoint/2010/main" val="1165678135"/>
-              </p:ext>
-            </p:extLst>
-          </p:nvPr>
-        </p:nvGraphicFramePr>
-        <p:xfrm>
-          <a:off x="376031" y="1009889"/>
-          <a:ext cx="11439937" cy="5967014"/>
-        </p:xfrm>
-        <a:graphic>
-          <a:graphicData uri="http://schemas.openxmlformats.org/drawingml/2006/table">
-            <a:tbl>
-              <a:tblPr firstRow="1" bandRow="1">
-                <a:noFill/>
-              </a:tblPr>
-              <a:tblGrid>
-                <a:gridCol w="4554558">
-                  <a:extLst>
-                    <a:ext uri="{9D8B030D-6E8A-4147-A177-3AD203B41FA5}">
-                      <a16:colId xmlns:a16="http://schemas.microsoft.com/office/drawing/2014/main" val="20000"/>
-                    </a:ext>
-                  </a:extLst>
-                </a:gridCol>
-                <a:gridCol w="1165423">
-                  <a:extLst>
-                    <a:ext uri="{9D8B030D-6E8A-4147-A177-3AD203B41FA5}">
-                      <a16:colId xmlns:a16="http://schemas.microsoft.com/office/drawing/2014/main" val="20001"/>
-                    </a:ext>
-                  </a:extLst>
-                </a:gridCol>
-                <a:gridCol w="1364792">
-                  <a:extLst>
-                    <a:ext uri="{9D8B030D-6E8A-4147-A177-3AD203B41FA5}">
-                      <a16:colId xmlns:a16="http://schemas.microsoft.com/office/drawing/2014/main" val="20002"/>
-                    </a:ext>
-                  </a:extLst>
-                </a:gridCol>
-                <a:gridCol w="4355164">
-                  <a:extLst>
-                    <a:ext uri="{9D8B030D-6E8A-4147-A177-3AD203B41FA5}">
-                      <a16:colId xmlns:a16="http://schemas.microsoft.com/office/drawing/2014/main" val="20003"/>
-                    </a:ext>
-                  </a:extLst>
-                </a:gridCol>
-              </a:tblGrid>
-              <a:tr h="876186">
-                <a:tc>
-                  <a:txBody>
-                    <a:bodyPr/>
-                    <a:lstStyle/>
-                    <a:p>
-                      <a:pPr marL="0" marR="0" lvl="0" indent="0" algn="l" rtl="0">
-                        <a:spcBef>
-                          <a:spcPts val="0"/>
-                        </a:spcBef>
-                        <a:spcAft>
-                          <a:spcPts val="0"/>
-                        </a:spcAft>
-                        <a:buNone/>
-                      </a:pPr>
-                      <a:r>
-                        <a:rPr lang="en-GB" sz="1400" u="none" strike="noStrike" cap="none" dirty="0">
-                          <a:solidFill>
-                            <a:schemeClr val="bg1"/>
-                          </a:solidFill>
-                        </a:rPr>
-                        <a:t>Risk</a:t>
-                      </a:r>
-                      <a:endParaRPr dirty="0">
-                        <a:solidFill>
-                          <a:schemeClr val="bg1"/>
-                        </a:solidFill>
-                      </a:endParaRPr>
-                    </a:p>
-                  </a:txBody>
-                  <a:tcPr marL="91450" marR="91450" marT="45725" marB="45725">
-                    <a:solidFill>
-                      <a:schemeClr val="accent1">
-                        <a:lumMod val="50000"/>
-                      </a:schemeClr>
-                    </a:solidFill>
-                  </a:tcPr>
-                </a:tc>
-                <a:tc>
-                  <a:txBody>
-                    <a:bodyPr/>
-                    <a:lstStyle/>
-                    <a:p>
-                      <a:pPr marL="0" marR="0" lvl="0" indent="0" algn="l" rtl="0">
-                        <a:spcBef>
-                          <a:spcPts val="0"/>
-                        </a:spcBef>
-                        <a:spcAft>
-                          <a:spcPts val="0"/>
-                        </a:spcAft>
-                        <a:buNone/>
-                      </a:pPr>
-                      <a:r>
-                        <a:rPr lang="en-GB">
-                          <a:solidFill>
-                            <a:schemeClr val="bg1"/>
-                          </a:solidFill>
-                        </a:rPr>
-                        <a:t>Current Risk Chance</a:t>
-                      </a:r>
-                      <a:endParaRPr sz="1400" u="none" strike="noStrike" cap="none">
-                        <a:solidFill>
-                          <a:schemeClr val="bg1"/>
-                        </a:solidFill>
-                      </a:endParaRPr>
-                    </a:p>
-                  </a:txBody>
-                  <a:tcPr marL="91450" marR="91450" marT="45725" marB="45725">
-                    <a:solidFill>
-                      <a:schemeClr val="accent1">
-                        <a:lumMod val="50000"/>
-                      </a:schemeClr>
-                    </a:solidFill>
-                  </a:tcPr>
-                </a:tc>
-                <a:tc>
-                  <a:txBody>
-                    <a:bodyPr/>
-                    <a:lstStyle/>
-                    <a:p>
-                      <a:pPr marL="0" marR="0" lvl="0" indent="0" algn="l" rtl="0">
-                        <a:spcBef>
-                          <a:spcPts val="0"/>
-                        </a:spcBef>
-                        <a:spcAft>
-                          <a:spcPts val="0"/>
-                        </a:spcAft>
-                        <a:buNone/>
-                      </a:pPr>
-                      <a:r>
-                        <a:rPr lang="en-GB">
-                          <a:solidFill>
-                            <a:schemeClr val="bg1"/>
-                          </a:solidFill>
-                        </a:rPr>
-                        <a:t>Risk Effect</a:t>
-                      </a:r>
-                      <a:endParaRPr sz="1400" u="none" strike="noStrike" cap="none">
-                        <a:solidFill>
-                          <a:schemeClr val="bg1"/>
-                        </a:solidFill>
-                      </a:endParaRPr>
-                    </a:p>
-                  </a:txBody>
-                  <a:tcPr marL="91450" marR="91450" marT="45725" marB="45725">
-                    <a:solidFill>
-                      <a:schemeClr val="accent1">
-                        <a:lumMod val="50000"/>
-                      </a:schemeClr>
-                    </a:solidFill>
-                  </a:tcPr>
-                </a:tc>
-                <a:tc>
-                  <a:txBody>
-                    <a:bodyPr/>
-                    <a:lstStyle/>
-                    <a:p>
-                      <a:pPr marL="0" marR="0" lvl="0" indent="0" algn="l" rtl="0">
-                        <a:spcBef>
-                          <a:spcPts val="0"/>
-                        </a:spcBef>
-                        <a:spcAft>
-                          <a:spcPts val="0"/>
-                        </a:spcAft>
-                        <a:buNone/>
-                      </a:pPr>
-                      <a:r>
-                        <a:rPr lang="en-GB" sz="1400" dirty="0">
-                          <a:solidFill>
-                            <a:schemeClr val="bg1"/>
-                          </a:solidFill>
-                        </a:rPr>
-                        <a:t>Mitigation</a:t>
-                      </a:r>
-                      <a:endParaRPr dirty="0">
-                        <a:solidFill>
-                          <a:schemeClr val="bg1"/>
-                        </a:solidFill>
-                      </a:endParaRPr>
-                    </a:p>
-                  </a:txBody>
-                  <a:tcPr marL="91450" marR="91450" marT="45725" marB="45725">
-                    <a:solidFill>
-                      <a:schemeClr val="accent1">
-                        <a:lumMod val="50000"/>
-                      </a:schemeClr>
-                    </a:solidFill>
-                  </a:tcPr>
-                </a:tc>
-                <a:extLst>
-                  <a:ext uri="{0D108BD9-81ED-4DB2-BD59-A6C34878D82A}">
-                    <a16:rowId xmlns:a16="http://schemas.microsoft.com/office/drawing/2014/main" val="10000"/>
-                  </a:ext>
-                </a:extLst>
-              </a:tr>
-              <a:tr h="408892">
-                <a:tc>
-                  <a:txBody>
-                    <a:bodyPr/>
-                    <a:lstStyle/>
-                    <a:p>
-                      <a:pPr marL="0" marR="0" lvl="0" indent="0" algn="l" rtl="0">
-                        <a:lnSpc>
-                          <a:spcPct val="100000"/>
-                        </a:lnSpc>
-                        <a:spcBef>
-                          <a:spcPts val="0"/>
-                        </a:spcBef>
-                        <a:spcAft>
-                          <a:spcPts val="0"/>
-                        </a:spcAft>
-                        <a:buClr>
-                          <a:schemeClr val="dk1"/>
-                        </a:buClr>
-                        <a:buSzPts val="1400"/>
-                        <a:buFont typeface="Calibri"/>
-                        <a:buNone/>
-                      </a:pPr>
-                      <a:r>
-                        <a:rPr lang="en-GB" sz="1050" dirty="0">
-                          <a:solidFill>
-                            <a:schemeClr val="bg1"/>
-                          </a:solidFill>
-                        </a:rPr>
-                        <a:t>not enough time to complete the project</a:t>
-                      </a:r>
-                      <a:endParaRPr sz="1050" dirty="0">
-                        <a:solidFill>
-                          <a:schemeClr val="bg1"/>
-                        </a:solidFill>
-                      </a:endParaRPr>
-                    </a:p>
-                  </a:txBody>
-                  <a:tcPr marL="91450" marR="91450" marT="45725" marB="45725">
-                    <a:solidFill>
-                      <a:schemeClr val="accent1">
-                        <a:lumMod val="75000"/>
-                      </a:schemeClr>
-                    </a:solidFill>
-                  </a:tcPr>
-                </a:tc>
-                <a:tc>
-                  <a:txBody>
-                    <a:bodyPr/>
-                    <a:lstStyle/>
-                    <a:p>
-                      <a:pPr marL="0" marR="0" lvl="0" indent="0" algn="l" rtl="0">
-                        <a:lnSpc>
-                          <a:spcPct val="100000"/>
-                        </a:lnSpc>
-                        <a:spcBef>
-                          <a:spcPts val="0"/>
-                        </a:spcBef>
-                        <a:spcAft>
-                          <a:spcPts val="0"/>
-                        </a:spcAft>
-                        <a:buNone/>
-                      </a:pPr>
-                      <a:r>
-                        <a:rPr lang="en-GB" sz="1050" dirty="0">
-                          <a:solidFill>
-                            <a:schemeClr val="bg1"/>
-                          </a:solidFill>
-                        </a:rPr>
-                        <a:t>Medium-Low</a:t>
-                      </a:r>
-                      <a:endParaRPr sz="1050" dirty="0">
-                        <a:solidFill>
-                          <a:schemeClr val="bg1"/>
-                        </a:solidFill>
-                      </a:endParaRPr>
-                    </a:p>
-                  </a:txBody>
-                  <a:tcPr marL="91450" marR="91450" marT="45725" marB="45725">
-                    <a:solidFill>
-                      <a:srgbClr val="6AA84F"/>
-                    </a:solidFill>
-                  </a:tcPr>
-                </a:tc>
-                <a:tc>
-                  <a:txBody>
-                    <a:bodyPr/>
-                    <a:lstStyle/>
-                    <a:p>
-                      <a:pPr marL="0" marR="0" lvl="0" indent="0" algn="l" rtl="0">
-                        <a:lnSpc>
-                          <a:spcPct val="100000"/>
-                        </a:lnSpc>
-                        <a:spcBef>
-                          <a:spcPts val="0"/>
-                        </a:spcBef>
-                        <a:spcAft>
-                          <a:spcPts val="0"/>
-                        </a:spcAft>
-                        <a:buNone/>
-                      </a:pPr>
-                      <a:r>
-                        <a:rPr lang="en-GB" sz="1050">
-                          <a:solidFill>
-                            <a:schemeClr val="bg1"/>
-                          </a:solidFill>
-                        </a:rPr>
-                        <a:t>Low Quality End Product</a:t>
-                      </a:r>
-                      <a:endParaRPr sz="1050">
-                        <a:solidFill>
-                          <a:schemeClr val="bg1"/>
-                        </a:solidFill>
-                      </a:endParaRPr>
-                    </a:p>
-                  </a:txBody>
-                  <a:tcPr marL="91450" marR="91450" marT="45725" marB="45725">
-                    <a:solidFill>
-                      <a:schemeClr val="accent1">
-                        <a:lumMod val="75000"/>
-                      </a:schemeClr>
-                    </a:solidFill>
-                  </a:tcPr>
-                </a:tc>
-                <a:tc>
-                  <a:txBody>
-                    <a:bodyPr/>
-                    <a:lstStyle/>
-                    <a:p>
-                      <a:pPr marL="0" marR="0" lvl="0" indent="0" algn="l" rtl="0">
-                        <a:spcBef>
-                          <a:spcPts val="0"/>
-                        </a:spcBef>
-                        <a:spcAft>
-                          <a:spcPts val="0"/>
-                        </a:spcAft>
-                        <a:buNone/>
-                      </a:pPr>
-                      <a:r>
-                        <a:rPr lang="en-GB" sz="1050">
-                          <a:solidFill>
-                            <a:schemeClr val="bg1"/>
-                          </a:solidFill>
-                        </a:rPr>
-                        <a:t>stick to MVP, only add extra features if time allows, allow extra time for unseen problems</a:t>
-                      </a:r>
-                      <a:endParaRPr sz="1050">
-                        <a:solidFill>
-                          <a:schemeClr val="bg1"/>
-                        </a:solidFill>
-                      </a:endParaRPr>
-                    </a:p>
-                  </a:txBody>
-                  <a:tcPr marL="91450" marR="91450" marT="45725" marB="45725">
-                    <a:solidFill>
-                      <a:schemeClr val="accent1">
-                        <a:lumMod val="75000"/>
-                      </a:schemeClr>
-                    </a:solidFill>
-                  </a:tcPr>
-                </a:tc>
-                <a:extLst>
-                  <a:ext uri="{0D108BD9-81ED-4DB2-BD59-A6C34878D82A}">
-                    <a16:rowId xmlns:a16="http://schemas.microsoft.com/office/drawing/2014/main" val="10001"/>
-                  </a:ext>
-                </a:extLst>
-              </a:tr>
-              <a:tr h="730157">
-                <a:tc>
-                  <a:txBody>
-                    <a:bodyPr/>
-                    <a:lstStyle/>
-                    <a:p>
-                      <a:pPr marL="0" marR="0" lvl="0" indent="0" algn="l" rtl="0">
-                        <a:spcBef>
-                          <a:spcPts val="0"/>
-                        </a:spcBef>
-                        <a:spcAft>
-                          <a:spcPts val="0"/>
-                        </a:spcAft>
-                        <a:buNone/>
-                      </a:pPr>
-                      <a:r>
-                        <a:rPr lang="en-GB" sz="1050" dirty="0">
-                          <a:solidFill>
-                            <a:schemeClr val="bg1"/>
-                          </a:solidFill>
-                        </a:rPr>
-                        <a:t>team members unwell or personal crisis</a:t>
-                      </a:r>
-                      <a:endParaRPr sz="1050" dirty="0">
-                        <a:solidFill>
-                          <a:schemeClr val="bg1"/>
-                        </a:solidFill>
-                      </a:endParaRPr>
-                    </a:p>
-                  </a:txBody>
-                  <a:tcPr marL="91450" marR="91450" marT="45725" marB="45725">
-                    <a:solidFill>
-                      <a:schemeClr val="accent5">
-                        <a:lumMod val="75000"/>
-                      </a:schemeClr>
-                    </a:solidFill>
-                  </a:tcPr>
-                </a:tc>
-                <a:tc>
-                  <a:txBody>
-                    <a:bodyPr/>
-                    <a:lstStyle/>
-                    <a:p>
-                      <a:pPr marL="0" marR="0" lvl="0" indent="0" algn="l" rtl="0">
-                        <a:spcBef>
-                          <a:spcPts val="0"/>
-                        </a:spcBef>
-                        <a:spcAft>
-                          <a:spcPts val="0"/>
-                        </a:spcAft>
-                        <a:buNone/>
-                      </a:pPr>
-                      <a:r>
-                        <a:rPr lang="en-GB" sz="1050" dirty="0">
-                          <a:solidFill>
-                            <a:schemeClr val="bg1"/>
-                          </a:solidFill>
-                        </a:rPr>
-                        <a:t>Medium-High</a:t>
-                      </a:r>
-                      <a:endParaRPr sz="1050" dirty="0">
-                        <a:solidFill>
-                          <a:schemeClr val="bg1"/>
-                        </a:solidFill>
-                      </a:endParaRPr>
-                    </a:p>
-                  </a:txBody>
-                  <a:tcPr marL="91450" marR="91450" marT="45725" marB="45725">
-                    <a:solidFill>
-                      <a:srgbClr val="E69138"/>
-                    </a:solidFill>
-                  </a:tcPr>
-                </a:tc>
-                <a:tc>
-                  <a:txBody>
-                    <a:bodyPr/>
-                    <a:lstStyle/>
-                    <a:p>
-                      <a:pPr marL="0" marR="0" lvl="0" indent="0" algn="l" rtl="0">
-                        <a:spcBef>
-                          <a:spcPts val="0"/>
-                        </a:spcBef>
-                        <a:spcAft>
-                          <a:spcPts val="0"/>
-                        </a:spcAft>
-                        <a:buNone/>
-                      </a:pPr>
-                      <a:r>
-                        <a:rPr lang="en-GB" sz="1050" dirty="0">
-                          <a:solidFill>
-                            <a:schemeClr val="bg1"/>
-                          </a:solidFill>
-                        </a:rPr>
-                        <a:t>Delay</a:t>
-                      </a:r>
-                      <a:endParaRPr sz="1050" dirty="0">
-                        <a:solidFill>
-                          <a:schemeClr val="bg1"/>
-                        </a:solidFill>
-                      </a:endParaRPr>
-                    </a:p>
-                  </a:txBody>
-                  <a:tcPr marL="91450" marR="91450" marT="45725" marB="45725">
-                    <a:solidFill>
-                      <a:schemeClr val="accent5">
-                        <a:lumMod val="75000"/>
-                      </a:schemeClr>
-                    </a:solidFill>
-                  </a:tcPr>
-                </a:tc>
-                <a:tc>
-                  <a:txBody>
-                    <a:bodyPr/>
-                    <a:lstStyle/>
-                    <a:p>
-                      <a:pPr marL="0" marR="0" lvl="0" indent="0" algn="l" rtl="0">
-                        <a:spcBef>
-                          <a:spcPts val="0"/>
-                        </a:spcBef>
-                        <a:spcAft>
-                          <a:spcPts val="0"/>
-                        </a:spcAft>
-                        <a:buNone/>
-                      </a:pPr>
-                      <a:r>
-                        <a:rPr lang="en-GB" sz="1050" dirty="0">
-                          <a:solidFill>
-                            <a:schemeClr val="bg1"/>
-                          </a:solidFill>
-                        </a:rPr>
-                        <a:t>keep in touch with unwell/absent members via boards and allocate work if appropriate</a:t>
-                      </a:r>
-                      <a:endParaRPr sz="1050" dirty="0">
-                        <a:solidFill>
-                          <a:schemeClr val="bg1"/>
-                        </a:solidFill>
-                      </a:endParaRPr>
-                    </a:p>
-                    <a:p>
-                      <a:pPr marL="0" marR="0" lvl="0" indent="0" algn="l" rtl="0">
-                        <a:spcBef>
-                          <a:spcPts val="0"/>
-                        </a:spcBef>
-                        <a:spcAft>
-                          <a:spcPts val="0"/>
-                        </a:spcAft>
-                        <a:buNone/>
-                      </a:pPr>
-                      <a:endParaRPr sz="1050" dirty="0">
-                        <a:solidFill>
-                          <a:schemeClr val="bg1"/>
-                        </a:solidFill>
-                      </a:endParaRPr>
-                    </a:p>
-                    <a:p>
-                      <a:pPr marL="0" lvl="0" indent="0" algn="l" rtl="0">
-                        <a:spcBef>
-                          <a:spcPts val="0"/>
-                        </a:spcBef>
-                        <a:spcAft>
-                          <a:spcPts val="0"/>
-                        </a:spcAft>
-                        <a:buClr>
-                          <a:schemeClr val="dk1"/>
-                        </a:buClr>
-                        <a:buFont typeface="Arial"/>
-                        <a:buNone/>
-                      </a:pPr>
-                      <a:r>
-                        <a:rPr lang="en-GB" sz="1050" dirty="0">
-                          <a:solidFill>
-                            <a:schemeClr val="bg1"/>
-                          </a:solidFill>
-                        </a:rPr>
-                        <a:t>Regular (near daily)  Sprint Communication</a:t>
-                      </a:r>
-                      <a:endParaRPr sz="1050" dirty="0">
-                        <a:solidFill>
-                          <a:schemeClr val="bg1"/>
-                        </a:solidFill>
-                      </a:endParaRPr>
-                    </a:p>
-                  </a:txBody>
-                  <a:tcPr marL="91450" marR="91450" marT="45725" marB="45725">
-                    <a:solidFill>
-                      <a:schemeClr val="accent5">
-                        <a:lumMod val="75000"/>
-                      </a:schemeClr>
-                    </a:solidFill>
-                  </a:tcPr>
-                </a:tc>
-                <a:extLst>
-                  <a:ext uri="{0D108BD9-81ED-4DB2-BD59-A6C34878D82A}">
-                    <a16:rowId xmlns:a16="http://schemas.microsoft.com/office/drawing/2014/main" val="10002"/>
-                  </a:ext>
-                </a:extLst>
-              </a:tr>
-              <a:tr h="569525">
-                <a:tc>
-                  <a:txBody>
-                    <a:bodyPr/>
-                    <a:lstStyle/>
-                    <a:p>
-                      <a:pPr marL="0" marR="0" lvl="0" indent="0" algn="l" rtl="0">
-                        <a:lnSpc>
-                          <a:spcPct val="100000"/>
-                        </a:lnSpc>
-                        <a:spcBef>
-                          <a:spcPts val="0"/>
-                        </a:spcBef>
-                        <a:spcAft>
-                          <a:spcPts val="0"/>
-                        </a:spcAft>
-                        <a:buClr>
-                          <a:schemeClr val="dk1"/>
-                        </a:buClr>
-                        <a:buSzPts val="1400"/>
-                        <a:buFont typeface="Calibri"/>
-                        <a:buNone/>
-                      </a:pPr>
-                      <a:r>
-                        <a:rPr lang="en-GB" sz="1050" dirty="0">
-                          <a:solidFill>
-                            <a:schemeClr val="bg1"/>
-                          </a:solidFill>
-                        </a:rPr>
-                        <a:t>disagreement on the way forward</a:t>
-                      </a:r>
-                      <a:endParaRPr sz="1050" dirty="0">
-                        <a:solidFill>
-                          <a:schemeClr val="bg1"/>
-                        </a:solidFill>
-                      </a:endParaRPr>
-                    </a:p>
-                  </a:txBody>
-                  <a:tcPr marL="91450" marR="91450" marT="45725" marB="45725">
-                    <a:solidFill>
-                      <a:schemeClr val="accent1">
-                        <a:lumMod val="75000"/>
-                      </a:schemeClr>
-                    </a:solidFill>
-                  </a:tcPr>
-                </a:tc>
-                <a:tc>
-                  <a:txBody>
-                    <a:bodyPr/>
-                    <a:lstStyle/>
-                    <a:p>
-                      <a:pPr marL="0" marR="0" lvl="0" indent="0" algn="l" rtl="0">
-                        <a:lnSpc>
-                          <a:spcPct val="100000"/>
-                        </a:lnSpc>
-                        <a:spcBef>
-                          <a:spcPts val="0"/>
-                        </a:spcBef>
-                        <a:spcAft>
-                          <a:spcPts val="0"/>
-                        </a:spcAft>
-                        <a:buNone/>
-                      </a:pPr>
-                      <a:r>
-                        <a:rPr lang="en-GB" sz="1050" dirty="0">
-                          <a:solidFill>
-                            <a:schemeClr val="bg1"/>
-                          </a:solidFill>
-                        </a:rPr>
-                        <a:t>Medium-Low</a:t>
-                      </a:r>
-                      <a:endParaRPr sz="1050" dirty="0">
-                        <a:solidFill>
-                          <a:schemeClr val="bg1"/>
-                        </a:solidFill>
-                      </a:endParaRPr>
-                    </a:p>
-                  </a:txBody>
-                  <a:tcPr marL="91450" marR="91450" marT="45725" marB="45725">
-                    <a:solidFill>
-                      <a:srgbClr val="6AA84F"/>
-                    </a:solidFill>
-                  </a:tcPr>
-                </a:tc>
-                <a:tc>
-                  <a:txBody>
-                    <a:bodyPr/>
-                    <a:lstStyle/>
-                    <a:p>
-                      <a:pPr marL="0" lvl="0" indent="0" algn="l" rtl="0">
-                        <a:spcBef>
-                          <a:spcPts val="0"/>
-                        </a:spcBef>
-                        <a:spcAft>
-                          <a:spcPts val="0"/>
-                        </a:spcAft>
-                        <a:buClr>
-                          <a:schemeClr val="dk1"/>
-                        </a:buClr>
-                        <a:buSzPts val="1100"/>
-                        <a:buFont typeface="Arial"/>
-                        <a:buNone/>
-                      </a:pPr>
-                      <a:r>
-                        <a:rPr lang="en-GB" sz="1050">
-                          <a:solidFill>
-                            <a:schemeClr val="bg1"/>
-                          </a:solidFill>
-                        </a:rPr>
-                        <a:t>Low Quality End Product/Delay/ Inter personal conflicts</a:t>
-                      </a:r>
-                      <a:endParaRPr sz="1050">
-                        <a:solidFill>
-                          <a:schemeClr val="bg1"/>
-                        </a:solidFill>
-                      </a:endParaRPr>
-                    </a:p>
-                  </a:txBody>
-                  <a:tcPr marL="91450" marR="91450" marT="45725" marB="45725">
-                    <a:solidFill>
-                      <a:schemeClr val="accent1">
-                        <a:lumMod val="75000"/>
-                      </a:schemeClr>
-                    </a:solidFill>
-                  </a:tcPr>
-                </a:tc>
-                <a:tc>
-                  <a:txBody>
-                    <a:bodyPr/>
-                    <a:lstStyle/>
-                    <a:p>
-                      <a:pPr marL="0" marR="0" lvl="0" indent="0" algn="l" rtl="0">
-                        <a:spcBef>
-                          <a:spcPts val="0"/>
-                        </a:spcBef>
-                        <a:spcAft>
-                          <a:spcPts val="0"/>
-                        </a:spcAft>
-                        <a:buNone/>
-                      </a:pPr>
-                      <a:r>
-                        <a:rPr lang="en-GB" sz="1050">
-                          <a:solidFill>
-                            <a:schemeClr val="bg1"/>
-                          </a:solidFill>
-                        </a:rPr>
-                        <a:t>in the case of a disagreement, try reach compromise, otherwise vote or refer to module leader</a:t>
-                      </a:r>
-                      <a:endParaRPr sz="1050">
-                        <a:solidFill>
-                          <a:schemeClr val="bg1"/>
-                        </a:solidFill>
-                      </a:endParaRPr>
-                    </a:p>
-                  </a:txBody>
-                  <a:tcPr marL="91450" marR="91450" marT="45725" marB="45725">
-                    <a:solidFill>
-                      <a:schemeClr val="accent1">
-                        <a:lumMod val="75000"/>
-                      </a:schemeClr>
-                    </a:solidFill>
-                  </a:tcPr>
-                </a:tc>
-                <a:extLst>
-                  <a:ext uri="{0D108BD9-81ED-4DB2-BD59-A6C34878D82A}">
-                    <a16:rowId xmlns:a16="http://schemas.microsoft.com/office/drawing/2014/main" val="10003"/>
-                  </a:ext>
-                </a:extLst>
-              </a:tr>
-              <a:tr h="890789">
-                <a:tc>
-                  <a:txBody>
-                    <a:bodyPr/>
-                    <a:lstStyle/>
-                    <a:p>
-                      <a:pPr marL="0" marR="0" lvl="0" indent="0" algn="l" rtl="0">
-                        <a:spcBef>
-                          <a:spcPts val="0"/>
-                        </a:spcBef>
-                        <a:spcAft>
-                          <a:spcPts val="0"/>
-                        </a:spcAft>
-                        <a:buNone/>
-                      </a:pPr>
-                      <a:r>
-                        <a:rPr lang="en-GB" sz="1050" dirty="0">
-                          <a:solidFill>
-                            <a:schemeClr val="bg1"/>
-                          </a:solidFill>
-                        </a:rPr>
-                        <a:t>over or under estimating work that can be achieved in a sprint</a:t>
-                      </a:r>
-                      <a:endParaRPr sz="1050" dirty="0">
-                        <a:solidFill>
-                          <a:schemeClr val="bg1"/>
-                        </a:solidFill>
-                      </a:endParaRPr>
-                    </a:p>
-                  </a:txBody>
-                  <a:tcPr marL="91450" marR="91450" marT="45725" marB="45725">
-                    <a:solidFill>
-                      <a:schemeClr val="accent5">
-                        <a:lumMod val="75000"/>
-                      </a:schemeClr>
-                    </a:solidFill>
-                  </a:tcPr>
-                </a:tc>
-                <a:tc>
-                  <a:txBody>
-                    <a:bodyPr/>
-                    <a:lstStyle/>
-                    <a:p>
-                      <a:pPr marL="0" marR="0" lvl="0" indent="0" algn="l" rtl="0">
-                        <a:spcBef>
-                          <a:spcPts val="0"/>
-                        </a:spcBef>
-                        <a:spcAft>
-                          <a:spcPts val="0"/>
-                        </a:spcAft>
-                        <a:buNone/>
-                      </a:pPr>
-                      <a:r>
-                        <a:rPr lang="en-GB" sz="1050" dirty="0">
-                          <a:solidFill>
-                            <a:schemeClr val="bg1"/>
-                          </a:solidFill>
-                        </a:rPr>
-                        <a:t>Medium</a:t>
-                      </a:r>
-                      <a:endParaRPr sz="1050" dirty="0">
-                        <a:solidFill>
-                          <a:schemeClr val="bg1"/>
-                        </a:solidFill>
-                      </a:endParaRPr>
-                    </a:p>
-                  </a:txBody>
-                  <a:tcPr marL="91450" marR="91450" marT="45725" marB="45725">
-                    <a:solidFill>
-                      <a:schemeClr val="accent4"/>
-                    </a:solidFill>
-                  </a:tcPr>
-                </a:tc>
-                <a:tc>
-                  <a:txBody>
-                    <a:bodyPr/>
-                    <a:lstStyle/>
-                    <a:p>
-                      <a:pPr marL="0" marR="0" lvl="0" indent="0" algn="l" rtl="0">
-                        <a:spcBef>
-                          <a:spcPts val="0"/>
-                        </a:spcBef>
-                        <a:spcAft>
-                          <a:spcPts val="0"/>
-                        </a:spcAft>
-                        <a:buNone/>
-                      </a:pPr>
-                      <a:r>
-                        <a:rPr lang="en-GB" sz="1050" dirty="0">
-                          <a:solidFill>
-                            <a:schemeClr val="bg1"/>
-                          </a:solidFill>
-                        </a:rPr>
-                        <a:t>Delay/Unbalanced workload (being near idle one week and overly busy the next)</a:t>
-                      </a:r>
-                      <a:endParaRPr sz="1050" dirty="0">
-                        <a:solidFill>
-                          <a:schemeClr val="bg1"/>
-                        </a:solidFill>
-                      </a:endParaRPr>
-                    </a:p>
-                  </a:txBody>
-                  <a:tcPr marL="91450" marR="91450" marT="45725" marB="45725">
-                    <a:solidFill>
-                      <a:schemeClr val="accent5">
-                        <a:lumMod val="75000"/>
-                      </a:schemeClr>
-                    </a:solidFill>
-                  </a:tcPr>
-                </a:tc>
-                <a:tc>
-                  <a:txBody>
-                    <a:bodyPr/>
-                    <a:lstStyle/>
-                    <a:p>
-                      <a:pPr marL="0" marR="0" lvl="0" indent="0" algn="l" rtl="0">
-                        <a:spcBef>
-                          <a:spcPts val="0"/>
-                        </a:spcBef>
-                        <a:spcAft>
-                          <a:spcPts val="0"/>
-                        </a:spcAft>
-                        <a:buNone/>
-                      </a:pPr>
-                      <a:r>
-                        <a:rPr lang="en-GB" sz="1050" dirty="0">
-                          <a:solidFill>
-                            <a:schemeClr val="bg1"/>
-                          </a:solidFill>
-                        </a:rPr>
-                        <a:t>allocate points for each functional task, each person can say how many points that can achieve in 2 weeks, then can use that to estimate right amount of work for future sprints</a:t>
-                      </a:r>
-                      <a:endParaRPr sz="1050" dirty="0">
-                        <a:solidFill>
-                          <a:schemeClr val="bg1"/>
-                        </a:solidFill>
-                      </a:endParaRPr>
-                    </a:p>
-                    <a:p>
-                      <a:pPr marL="0" marR="0" lvl="0" indent="0" algn="l" rtl="0">
-                        <a:spcBef>
-                          <a:spcPts val="0"/>
-                        </a:spcBef>
-                        <a:spcAft>
-                          <a:spcPts val="0"/>
-                        </a:spcAft>
-                        <a:buNone/>
-                      </a:pPr>
-                      <a:endParaRPr sz="1050" dirty="0">
-                        <a:solidFill>
-                          <a:schemeClr val="bg1"/>
-                        </a:solidFill>
-                      </a:endParaRPr>
-                    </a:p>
-                    <a:p>
-                      <a:pPr marL="0" marR="0" lvl="0" indent="0" algn="l" rtl="0">
-                        <a:spcBef>
-                          <a:spcPts val="0"/>
-                        </a:spcBef>
-                        <a:spcAft>
-                          <a:spcPts val="0"/>
-                        </a:spcAft>
-                        <a:buNone/>
-                      </a:pPr>
-                      <a:r>
-                        <a:rPr lang="en-GB" sz="1050" dirty="0">
-                          <a:solidFill>
-                            <a:schemeClr val="bg1"/>
-                          </a:solidFill>
-                        </a:rPr>
-                        <a:t>Regular (near daily)  Sprint Communication</a:t>
-                      </a:r>
-                      <a:endParaRPr sz="1050" dirty="0">
-                        <a:solidFill>
-                          <a:schemeClr val="bg1"/>
-                        </a:solidFill>
-                      </a:endParaRPr>
-                    </a:p>
-                  </a:txBody>
-                  <a:tcPr marL="91450" marR="91450" marT="45725" marB="45725">
-                    <a:solidFill>
-                      <a:schemeClr val="accent5">
-                        <a:lumMod val="75000"/>
-                      </a:schemeClr>
-                    </a:solidFill>
-                  </a:tcPr>
-                </a:tc>
-                <a:extLst>
-                  <a:ext uri="{0D108BD9-81ED-4DB2-BD59-A6C34878D82A}">
-                    <a16:rowId xmlns:a16="http://schemas.microsoft.com/office/drawing/2014/main" val="10004"/>
-                  </a:ext>
-                </a:extLst>
-              </a:tr>
-              <a:tr h="408892">
-                <a:tc>
-                  <a:txBody>
-                    <a:bodyPr/>
-                    <a:lstStyle/>
-                    <a:p>
-                      <a:pPr marL="0" marR="0" lvl="0" indent="0" algn="l" rtl="0">
-                        <a:spcBef>
-                          <a:spcPts val="0"/>
-                        </a:spcBef>
-                        <a:spcAft>
-                          <a:spcPts val="0"/>
-                        </a:spcAft>
-                        <a:buNone/>
-                      </a:pPr>
-                      <a:r>
-                        <a:rPr lang="en-GB" sz="1050" dirty="0">
-                          <a:solidFill>
-                            <a:schemeClr val="bg1"/>
-                          </a:solidFill>
-                        </a:rPr>
-                        <a:t>project does not work, lots of bugs</a:t>
-                      </a:r>
-                      <a:endParaRPr sz="1050" dirty="0">
-                        <a:solidFill>
-                          <a:schemeClr val="bg1"/>
-                        </a:solidFill>
-                      </a:endParaRPr>
-                    </a:p>
-                  </a:txBody>
-                  <a:tcPr marL="91450" marR="91450" marT="45725" marB="45725">
-                    <a:solidFill>
-                      <a:schemeClr val="accent1">
-                        <a:lumMod val="75000"/>
-                      </a:schemeClr>
-                    </a:solidFill>
-                  </a:tcPr>
-                </a:tc>
-                <a:tc>
-                  <a:txBody>
-                    <a:bodyPr/>
-                    <a:lstStyle/>
-                    <a:p>
-                      <a:pPr marL="0" marR="0" lvl="0" indent="0" algn="l" rtl="0">
-                        <a:spcBef>
-                          <a:spcPts val="0"/>
-                        </a:spcBef>
-                        <a:spcAft>
-                          <a:spcPts val="0"/>
-                        </a:spcAft>
-                        <a:buNone/>
-                      </a:pPr>
-                      <a:r>
-                        <a:rPr lang="en-GB" sz="1050" dirty="0">
-                          <a:solidFill>
-                            <a:schemeClr val="bg1"/>
-                          </a:solidFill>
-                        </a:rPr>
-                        <a:t>Medium-Low</a:t>
-                      </a:r>
-                      <a:endParaRPr sz="1050" dirty="0">
-                        <a:solidFill>
-                          <a:schemeClr val="bg1"/>
-                        </a:solidFill>
-                      </a:endParaRPr>
-                    </a:p>
-                  </a:txBody>
-                  <a:tcPr marL="91450" marR="91450" marT="45725" marB="45725">
-                    <a:solidFill>
-                      <a:schemeClr val="accent6"/>
-                    </a:solidFill>
-                  </a:tcPr>
-                </a:tc>
-                <a:tc>
-                  <a:txBody>
-                    <a:bodyPr/>
-                    <a:lstStyle/>
-                    <a:p>
-                      <a:pPr marL="0" lvl="0" indent="0" algn="l" rtl="0">
-                        <a:spcBef>
-                          <a:spcPts val="0"/>
-                        </a:spcBef>
-                        <a:spcAft>
-                          <a:spcPts val="0"/>
-                        </a:spcAft>
-                        <a:buClr>
-                          <a:schemeClr val="dk1"/>
-                        </a:buClr>
-                        <a:buSzPts val="1100"/>
-                        <a:buFont typeface="Arial"/>
-                        <a:buNone/>
-                      </a:pPr>
-                      <a:r>
-                        <a:rPr lang="en-GB" sz="1050">
-                          <a:solidFill>
-                            <a:schemeClr val="bg1"/>
-                          </a:solidFill>
-                        </a:rPr>
-                        <a:t>Low Quality End Product</a:t>
-                      </a:r>
-                      <a:endParaRPr sz="1050">
-                        <a:solidFill>
-                          <a:schemeClr val="bg1"/>
-                        </a:solidFill>
-                      </a:endParaRPr>
-                    </a:p>
-                  </a:txBody>
-                  <a:tcPr marL="91450" marR="91450" marT="45725" marB="45725">
-                    <a:solidFill>
-                      <a:schemeClr val="accent1">
-                        <a:lumMod val="75000"/>
-                      </a:schemeClr>
-                    </a:solidFill>
-                  </a:tcPr>
-                </a:tc>
-                <a:tc>
-                  <a:txBody>
-                    <a:bodyPr/>
-                    <a:lstStyle/>
-                    <a:p>
-                      <a:pPr marL="0" marR="0" lvl="0" indent="0" algn="l" rtl="0">
-                        <a:spcBef>
-                          <a:spcPts val="0"/>
-                        </a:spcBef>
-                        <a:spcAft>
-                          <a:spcPts val="0"/>
-                        </a:spcAft>
-                        <a:buNone/>
-                      </a:pPr>
-                      <a:r>
-                        <a:rPr lang="en-GB" sz="1050">
-                          <a:solidFill>
-                            <a:schemeClr val="bg1"/>
-                          </a:solidFill>
-                        </a:rPr>
-                        <a:t>create unit tests at the same time or before creating code</a:t>
-                      </a:r>
-                      <a:endParaRPr sz="1050">
-                        <a:solidFill>
-                          <a:schemeClr val="bg1"/>
-                        </a:solidFill>
-                      </a:endParaRPr>
-                    </a:p>
-                  </a:txBody>
-                  <a:tcPr marL="91450" marR="91450" marT="45725" marB="45725">
-                    <a:solidFill>
-                      <a:schemeClr val="accent1">
-                        <a:lumMod val="75000"/>
-                      </a:schemeClr>
-                    </a:solidFill>
-                  </a:tcPr>
-                </a:tc>
-                <a:extLst>
-                  <a:ext uri="{0D108BD9-81ED-4DB2-BD59-A6C34878D82A}">
-                    <a16:rowId xmlns:a16="http://schemas.microsoft.com/office/drawing/2014/main" val="10005"/>
-                  </a:ext>
-                </a:extLst>
-              </a:tr>
-              <a:tr h="408892">
-                <a:tc>
-                  <a:txBody>
-                    <a:bodyPr/>
-                    <a:lstStyle/>
-                    <a:p>
-                      <a:pPr marL="0" marR="0" lvl="0" indent="0" algn="l" rtl="0">
-                        <a:spcBef>
-                          <a:spcPts val="0"/>
-                        </a:spcBef>
-                        <a:spcAft>
-                          <a:spcPts val="0"/>
-                        </a:spcAft>
-                        <a:buNone/>
-                      </a:pPr>
-                      <a:r>
-                        <a:rPr lang="en-GB" sz="1050" dirty="0">
-                          <a:solidFill>
-                            <a:schemeClr val="bg1"/>
-                          </a:solidFill>
-                        </a:rPr>
-                        <a:t>spending too much time on one task</a:t>
-                      </a:r>
-                      <a:endParaRPr sz="1050" dirty="0">
-                        <a:solidFill>
-                          <a:schemeClr val="bg1"/>
-                        </a:solidFill>
-                      </a:endParaRPr>
-                    </a:p>
-                  </a:txBody>
-                  <a:tcPr marL="91450" marR="91450" marT="45725" marB="45725">
-                    <a:solidFill>
-                      <a:schemeClr val="accent5">
-                        <a:lumMod val="75000"/>
-                      </a:schemeClr>
-                    </a:solidFill>
-                  </a:tcPr>
-                </a:tc>
-                <a:tc>
-                  <a:txBody>
-                    <a:bodyPr/>
-                    <a:lstStyle/>
-                    <a:p>
-                      <a:pPr marL="0" marR="0" lvl="0" indent="0" algn="l" rtl="0">
-                        <a:spcBef>
-                          <a:spcPts val="0"/>
-                        </a:spcBef>
-                        <a:spcAft>
-                          <a:spcPts val="0"/>
-                        </a:spcAft>
-                        <a:buNone/>
-                      </a:pPr>
-                      <a:r>
-                        <a:rPr lang="en-GB" sz="1050" dirty="0">
-                          <a:solidFill>
-                            <a:schemeClr val="bg1"/>
-                          </a:solidFill>
-                        </a:rPr>
-                        <a:t>Medium-Low</a:t>
-                      </a:r>
-                      <a:endParaRPr sz="1050" dirty="0">
-                        <a:solidFill>
-                          <a:schemeClr val="bg1"/>
-                        </a:solidFill>
-                      </a:endParaRPr>
-                    </a:p>
-                  </a:txBody>
-                  <a:tcPr marL="91450" marR="91450" marT="45725" marB="45725">
-                    <a:solidFill>
-                      <a:srgbClr val="6AA84F"/>
-                    </a:solidFill>
-                  </a:tcPr>
-                </a:tc>
-                <a:tc>
-                  <a:txBody>
-                    <a:bodyPr/>
-                    <a:lstStyle/>
-                    <a:p>
-                      <a:pPr marL="0" lvl="0" indent="0" algn="l" rtl="0">
-                        <a:spcBef>
-                          <a:spcPts val="0"/>
-                        </a:spcBef>
-                        <a:spcAft>
-                          <a:spcPts val="0"/>
-                        </a:spcAft>
-                        <a:buClr>
-                          <a:schemeClr val="dk1"/>
-                        </a:buClr>
-                        <a:buSzPts val="1100"/>
-                        <a:buFont typeface="Arial"/>
-                        <a:buNone/>
-                      </a:pPr>
-                      <a:r>
-                        <a:rPr lang="en-GB" sz="1050">
-                          <a:solidFill>
-                            <a:schemeClr val="bg1"/>
-                          </a:solidFill>
-                        </a:rPr>
-                        <a:t>Low Quality End Product/Delay</a:t>
-                      </a:r>
-                      <a:endParaRPr sz="1050">
-                        <a:solidFill>
-                          <a:schemeClr val="bg1"/>
-                        </a:solidFill>
-                      </a:endParaRPr>
-                    </a:p>
-                  </a:txBody>
-                  <a:tcPr marL="91450" marR="91450" marT="45725" marB="45725">
-                    <a:solidFill>
-                      <a:schemeClr val="accent5">
-                        <a:lumMod val="75000"/>
-                      </a:schemeClr>
-                    </a:solidFill>
-                  </a:tcPr>
-                </a:tc>
-                <a:tc>
-                  <a:txBody>
-                    <a:bodyPr/>
-                    <a:lstStyle/>
-                    <a:p>
-                      <a:pPr marL="0" marR="0" lvl="0" indent="0" algn="l" rtl="0">
-                        <a:spcBef>
-                          <a:spcPts val="0"/>
-                        </a:spcBef>
-                        <a:spcAft>
-                          <a:spcPts val="0"/>
-                        </a:spcAft>
-                        <a:buNone/>
-                      </a:pPr>
-                      <a:r>
-                        <a:rPr lang="en-GB" sz="1050" dirty="0">
-                          <a:solidFill>
-                            <a:schemeClr val="bg1"/>
-                          </a:solidFill>
-                        </a:rPr>
-                        <a:t>break down tasks into smaller units</a:t>
-                      </a:r>
-                      <a:endParaRPr sz="1050" dirty="0">
-                        <a:solidFill>
-                          <a:schemeClr val="bg1"/>
-                        </a:solidFill>
-                      </a:endParaRPr>
-                    </a:p>
-                  </a:txBody>
-                  <a:tcPr marL="91450" marR="91450" marT="45725" marB="45725">
-                    <a:solidFill>
-                      <a:schemeClr val="accent5">
-                        <a:lumMod val="75000"/>
-                      </a:schemeClr>
-                    </a:solidFill>
-                  </a:tcPr>
-                </a:tc>
-                <a:extLst>
-                  <a:ext uri="{0D108BD9-81ED-4DB2-BD59-A6C34878D82A}">
-                    <a16:rowId xmlns:a16="http://schemas.microsoft.com/office/drawing/2014/main" val="10006"/>
-                  </a:ext>
-                </a:extLst>
-              </a:tr>
-              <a:tr h="408892">
-                <a:tc>
-                  <a:txBody>
-                    <a:bodyPr/>
-                    <a:lstStyle/>
-                    <a:p>
-                      <a:pPr marL="0" marR="0" lvl="0" indent="0" algn="l" rtl="0">
-                        <a:spcBef>
-                          <a:spcPts val="0"/>
-                        </a:spcBef>
-                        <a:spcAft>
-                          <a:spcPts val="0"/>
-                        </a:spcAft>
-                        <a:buNone/>
-                      </a:pPr>
-                      <a:r>
-                        <a:rPr lang="en-GB" sz="1050">
-                          <a:solidFill>
-                            <a:schemeClr val="bg1"/>
-                          </a:solidFill>
-                        </a:rPr>
-                        <a:t>client unhappy with the result</a:t>
-                      </a:r>
-                      <a:endParaRPr sz="1050">
-                        <a:solidFill>
-                          <a:schemeClr val="bg1"/>
-                        </a:solidFill>
-                      </a:endParaRPr>
-                    </a:p>
-                  </a:txBody>
-                  <a:tcPr marL="91450" marR="91450" marT="45725" marB="45725">
-                    <a:solidFill>
-                      <a:schemeClr val="accent1">
-                        <a:lumMod val="75000"/>
-                      </a:schemeClr>
-                    </a:solidFill>
-                  </a:tcPr>
-                </a:tc>
-                <a:tc>
-                  <a:txBody>
-                    <a:bodyPr/>
-                    <a:lstStyle/>
-                    <a:p>
-                      <a:pPr marL="0" marR="0" lvl="0" indent="0" algn="l" rtl="0">
-                        <a:spcBef>
-                          <a:spcPts val="0"/>
-                        </a:spcBef>
-                        <a:spcAft>
-                          <a:spcPts val="0"/>
-                        </a:spcAft>
-                        <a:buNone/>
-                      </a:pPr>
-                      <a:r>
-                        <a:rPr lang="en-GB" sz="1050" dirty="0">
-                          <a:solidFill>
-                            <a:schemeClr val="bg1"/>
-                          </a:solidFill>
-                        </a:rPr>
-                        <a:t>Low</a:t>
-                      </a:r>
-                      <a:endParaRPr sz="1050" dirty="0">
-                        <a:solidFill>
-                          <a:schemeClr val="bg1"/>
-                        </a:solidFill>
-                      </a:endParaRPr>
-                    </a:p>
-                  </a:txBody>
-                  <a:tcPr marL="91450" marR="91450" marT="45725" marB="45725">
-                    <a:solidFill>
-                      <a:srgbClr val="1155CC"/>
-                    </a:solidFill>
-                  </a:tcPr>
-                </a:tc>
-                <a:tc>
-                  <a:txBody>
-                    <a:bodyPr/>
-                    <a:lstStyle/>
-                    <a:p>
-                      <a:pPr marL="0" lvl="0" indent="0" algn="l" rtl="0">
-                        <a:spcBef>
-                          <a:spcPts val="0"/>
-                        </a:spcBef>
-                        <a:spcAft>
-                          <a:spcPts val="0"/>
-                        </a:spcAft>
-                        <a:buClr>
-                          <a:schemeClr val="dk1"/>
-                        </a:buClr>
-                        <a:buSzPts val="1100"/>
-                        <a:buFont typeface="Arial"/>
-                        <a:buNone/>
-                      </a:pPr>
-                      <a:r>
-                        <a:rPr lang="en-GB" sz="1050">
-                          <a:solidFill>
-                            <a:schemeClr val="bg1"/>
-                          </a:solidFill>
-                        </a:rPr>
-                        <a:t>Low Quality End Product</a:t>
-                      </a:r>
-                      <a:endParaRPr sz="1050">
-                        <a:solidFill>
-                          <a:schemeClr val="bg1"/>
-                        </a:solidFill>
-                      </a:endParaRPr>
-                    </a:p>
-                  </a:txBody>
-                  <a:tcPr marL="91450" marR="91450" marT="45725" marB="45725">
-                    <a:solidFill>
-                      <a:schemeClr val="accent1">
-                        <a:lumMod val="75000"/>
-                      </a:schemeClr>
-                    </a:solidFill>
-                  </a:tcPr>
-                </a:tc>
-                <a:tc>
-                  <a:txBody>
-                    <a:bodyPr/>
-                    <a:lstStyle/>
-                    <a:p>
-                      <a:pPr marL="0" marR="0" lvl="0" indent="0" algn="l" rtl="0">
-                        <a:spcBef>
-                          <a:spcPts val="0"/>
-                        </a:spcBef>
-                        <a:spcAft>
-                          <a:spcPts val="0"/>
-                        </a:spcAft>
-                        <a:buNone/>
-                      </a:pPr>
-                      <a:r>
-                        <a:rPr lang="en-GB" sz="1050">
-                          <a:solidFill>
-                            <a:schemeClr val="bg1"/>
-                          </a:solidFill>
-                        </a:rPr>
-                        <a:t>implement acceptance testing, perhaps using XML for a list of commands to test</a:t>
-                      </a:r>
-                      <a:endParaRPr sz="1050">
-                        <a:solidFill>
-                          <a:schemeClr val="bg1"/>
-                        </a:solidFill>
-                      </a:endParaRPr>
-                    </a:p>
-                  </a:txBody>
-                  <a:tcPr marL="91450" marR="91450" marT="45725" marB="45725">
-                    <a:solidFill>
-                      <a:schemeClr val="accent1">
-                        <a:lumMod val="75000"/>
-                      </a:schemeClr>
-                    </a:solidFill>
-                  </a:tcPr>
-                </a:tc>
-                <a:extLst>
-                  <a:ext uri="{0D108BD9-81ED-4DB2-BD59-A6C34878D82A}">
-                    <a16:rowId xmlns:a16="http://schemas.microsoft.com/office/drawing/2014/main" val="10007"/>
-                  </a:ext>
-                </a:extLst>
-              </a:tr>
-              <a:tr h="1212054">
-                <a:tc>
-                  <a:txBody>
-                    <a:bodyPr/>
-                    <a:lstStyle/>
-                    <a:p>
-                      <a:pPr marL="0" marR="0" lvl="0" indent="0" algn="l" rtl="0">
-                        <a:spcBef>
-                          <a:spcPts val="0"/>
-                        </a:spcBef>
-                        <a:spcAft>
-                          <a:spcPts val="0"/>
-                        </a:spcAft>
-                        <a:buNone/>
-                      </a:pPr>
-                      <a:r>
-                        <a:rPr lang="en-GB" sz="1050" dirty="0">
-                          <a:solidFill>
-                            <a:schemeClr val="bg1"/>
-                          </a:solidFill>
-                        </a:rPr>
-                        <a:t>team member struggles with coding</a:t>
-                      </a:r>
-                      <a:endParaRPr sz="1050" dirty="0">
-                        <a:solidFill>
-                          <a:schemeClr val="bg1"/>
-                        </a:solidFill>
-                      </a:endParaRPr>
-                    </a:p>
-                  </a:txBody>
-                  <a:tcPr marL="91450" marR="91450" marT="45725" marB="45725">
-                    <a:solidFill>
-                      <a:schemeClr val="accent5">
-                        <a:lumMod val="75000"/>
-                      </a:schemeClr>
-                    </a:solidFill>
-                  </a:tcPr>
-                </a:tc>
-                <a:tc>
-                  <a:txBody>
-                    <a:bodyPr/>
-                    <a:lstStyle/>
-                    <a:p>
-                      <a:pPr marL="0" marR="0" lvl="0" indent="0" algn="l" rtl="0">
-                        <a:spcBef>
-                          <a:spcPts val="0"/>
-                        </a:spcBef>
-                        <a:spcAft>
-                          <a:spcPts val="0"/>
-                        </a:spcAft>
-                        <a:buNone/>
-                      </a:pPr>
-                      <a:r>
-                        <a:rPr lang="en-GB" sz="1050" dirty="0">
-                          <a:solidFill>
-                            <a:schemeClr val="bg1"/>
-                          </a:solidFill>
-                        </a:rPr>
-                        <a:t>Medium</a:t>
-                      </a:r>
-                      <a:endParaRPr sz="1050" dirty="0">
-                        <a:solidFill>
-                          <a:schemeClr val="bg1"/>
-                        </a:solidFill>
-                      </a:endParaRPr>
-                    </a:p>
-                  </a:txBody>
-                  <a:tcPr marL="91450" marR="91450" marT="45725" marB="45725">
-                    <a:solidFill>
-                      <a:srgbClr val="F1C232"/>
-                    </a:solidFill>
-                  </a:tcPr>
-                </a:tc>
-                <a:tc>
-                  <a:txBody>
-                    <a:bodyPr/>
-                    <a:lstStyle/>
-                    <a:p>
-                      <a:pPr marL="0" lvl="0" indent="0" algn="l" rtl="0">
-                        <a:spcBef>
-                          <a:spcPts val="0"/>
-                        </a:spcBef>
-                        <a:spcAft>
-                          <a:spcPts val="0"/>
-                        </a:spcAft>
-                        <a:buClr>
-                          <a:schemeClr val="dk1"/>
-                        </a:buClr>
-                        <a:buSzPts val="1100"/>
-                        <a:buFont typeface="Arial"/>
-                        <a:buNone/>
-                      </a:pPr>
-                      <a:r>
-                        <a:rPr lang="en-GB" sz="1050">
-                          <a:solidFill>
-                            <a:schemeClr val="bg1"/>
-                          </a:solidFill>
-                        </a:rPr>
-                        <a:t>Low Quality End Product/Delay</a:t>
-                      </a:r>
-                      <a:endParaRPr sz="1050">
-                        <a:solidFill>
-                          <a:schemeClr val="bg1"/>
-                        </a:solidFill>
-                      </a:endParaRPr>
-                    </a:p>
-                  </a:txBody>
-                  <a:tcPr marL="91450" marR="91450" marT="45725" marB="45725">
-                    <a:solidFill>
-                      <a:schemeClr val="accent5">
-                        <a:lumMod val="75000"/>
-                      </a:schemeClr>
-                    </a:solidFill>
-                  </a:tcPr>
-                </a:tc>
-                <a:tc>
-                  <a:txBody>
-                    <a:bodyPr/>
-                    <a:lstStyle/>
-                    <a:p>
-                      <a:pPr marL="0" marR="0" lvl="0" indent="0" algn="l" rtl="0">
-                        <a:spcBef>
-                          <a:spcPts val="0"/>
-                        </a:spcBef>
-                        <a:spcAft>
-                          <a:spcPts val="0"/>
-                        </a:spcAft>
-                        <a:buNone/>
-                      </a:pPr>
-                      <a:r>
-                        <a:rPr lang="en-GB" sz="1050" dirty="0">
-                          <a:solidFill>
-                            <a:schemeClr val="bg1"/>
-                          </a:solidFill>
-                        </a:rPr>
-                        <a:t>pair programming to help team members struggling with coding and to reduce bugs</a:t>
-                      </a:r>
-                      <a:endParaRPr sz="1050" dirty="0">
-                        <a:solidFill>
-                          <a:schemeClr val="bg1"/>
-                        </a:solidFill>
-                      </a:endParaRPr>
-                    </a:p>
-                    <a:p>
-                      <a:pPr marL="0" marR="0" lvl="0" indent="0" algn="l" rtl="0">
-                        <a:spcBef>
-                          <a:spcPts val="0"/>
-                        </a:spcBef>
-                        <a:spcAft>
-                          <a:spcPts val="0"/>
-                        </a:spcAft>
-                        <a:buNone/>
-                      </a:pPr>
-                      <a:endParaRPr sz="1050" dirty="0">
-                        <a:solidFill>
-                          <a:schemeClr val="bg1"/>
-                        </a:solidFill>
-                      </a:endParaRPr>
-                    </a:p>
-                    <a:p>
-                      <a:pPr marL="0" marR="0" lvl="0" indent="0" algn="l" rtl="0">
-                        <a:spcBef>
-                          <a:spcPts val="0"/>
-                        </a:spcBef>
-                        <a:spcAft>
-                          <a:spcPts val="0"/>
-                        </a:spcAft>
-                        <a:buNone/>
-                      </a:pPr>
-                      <a:r>
-                        <a:rPr lang="en-GB" sz="1050" dirty="0">
-                          <a:solidFill>
-                            <a:schemeClr val="bg1"/>
-                          </a:solidFill>
-                        </a:rPr>
-                        <a:t>Each part of the system orchestrated by those with greatest area expertise</a:t>
-                      </a:r>
-                      <a:endParaRPr sz="1050" dirty="0">
-                        <a:solidFill>
-                          <a:schemeClr val="bg1"/>
-                        </a:solidFill>
-                      </a:endParaRPr>
-                    </a:p>
-                    <a:p>
-                      <a:pPr marL="0" marR="0" lvl="0" indent="0" algn="l" rtl="0">
-                        <a:spcBef>
-                          <a:spcPts val="0"/>
-                        </a:spcBef>
-                        <a:spcAft>
-                          <a:spcPts val="0"/>
-                        </a:spcAft>
-                        <a:buNone/>
-                      </a:pPr>
-                      <a:r>
-                        <a:rPr lang="en-GB" sz="1050" dirty="0">
-                          <a:solidFill>
-                            <a:schemeClr val="bg1"/>
-                          </a:solidFill>
-                        </a:rPr>
-                        <a:t>(I.E Database development directed by person with confidence in databases)</a:t>
-                      </a:r>
-                      <a:endParaRPr sz="1050" dirty="0">
-                        <a:solidFill>
-                          <a:schemeClr val="bg1"/>
-                        </a:solidFill>
-                      </a:endParaRPr>
-                    </a:p>
-                  </a:txBody>
-                  <a:tcPr marL="91450" marR="91450" marT="45725" marB="45725">
-                    <a:solidFill>
-                      <a:schemeClr val="accent5">
-                        <a:lumMod val="75000"/>
-                      </a:schemeClr>
-                    </a:solidFill>
-                  </a:tcPr>
-                </a:tc>
-                <a:extLst>
-                  <a:ext uri="{0D108BD9-81ED-4DB2-BD59-A6C34878D82A}">
-                    <a16:rowId xmlns:a16="http://schemas.microsoft.com/office/drawing/2014/main" val="10008"/>
-                  </a:ext>
-                </a:extLst>
-              </a:tr>
-            </a:tbl>
-          </a:graphicData>
-        </a:graphic>
-      </p:graphicFrame>
+              <a:t>Product Demo - Home Page</a:t>
+            </a:r>
+          </a:p>
+        </p:txBody>
+      </p:sp>
+      <p:pic>
+        <p:nvPicPr>
+          <p:cNvPr id="4" name="Picture 3">
+            <a:extLst>
+              <a:ext uri="{FF2B5EF4-FFF2-40B4-BE49-F238E27FC236}">
+                <a16:creationId xmlns:a16="http://schemas.microsoft.com/office/drawing/2014/main" id="{53D08642-0E50-4D95-8A2E-D8A964BEE755}"/>
+              </a:ext>
+            </a:extLst>
+          </p:cNvPr>
+          <p:cNvPicPr>
+            <a:picLocks noChangeAspect="1"/>
+          </p:cNvPicPr>
+          <p:nvPr/>
+        </p:nvPicPr>
+        <p:blipFill>
+          <a:blip r:embed="rId2"/>
+          <a:stretch>
+            <a:fillRect/>
+          </a:stretch>
+        </p:blipFill>
+        <p:spPr>
+          <a:xfrm>
+            <a:off x="878889" y="988751"/>
+            <a:ext cx="10434221" cy="5869249"/>
+          </a:xfrm>
+          <a:prstGeom prst="rect">
+            <a:avLst/>
+          </a:prstGeom>
+        </p:spPr>
+      </p:pic>
     </p:spTree>
     <p:extLst>
       <p:ext uri="{BB962C8B-B14F-4D97-AF65-F5344CB8AC3E}">
-        <p14:creationId xmlns:p14="http://schemas.microsoft.com/office/powerpoint/2010/main" val="3366852053"/>
+        <p14:creationId xmlns:p14="http://schemas.microsoft.com/office/powerpoint/2010/main" val="3328914800"/>
       </p:ext>
     </p:extLst>
   </p:cSld>
@@ -8209,7 +9127,7 @@
           <p:cNvPr id="2" name="Title 1">
             <a:extLst>
               <a:ext uri="{FF2B5EF4-FFF2-40B4-BE49-F238E27FC236}">
-                <a16:creationId xmlns:a16="http://schemas.microsoft.com/office/drawing/2014/main" id="{C1ACCAC7-8AAB-4884-9DC9-EFF4FFEE5180}"/>
+                <a16:creationId xmlns:a16="http://schemas.microsoft.com/office/drawing/2014/main" id="{5399851E-FD90-427A-B00D-729037E009C0}"/>
               </a:ext>
             </a:extLst>
           </p:cNvPr>
@@ -8227,17 +9145,77 @@
           <a:p>
             <a:r>
               <a:rPr lang="en-GB" dirty="0"/>
-              <a:t>Any Questions?</a:t>
-            </a:r>
-          </a:p>
-        </p:txBody>
-      </p:sp>
-      <p:sp>
-        <p:nvSpPr>
-          <p:cNvPr id="3" name="Content Placeholder 2">
-            <a:extLst>
-              <a:ext uri="{FF2B5EF4-FFF2-40B4-BE49-F238E27FC236}">
-                <a16:creationId xmlns:a16="http://schemas.microsoft.com/office/drawing/2014/main" id="{21551801-6E35-4AE8-9365-B7095D79B5F7}"/>
+              <a:t>Product Demo –Flight Search</a:t>
+            </a:r>
+          </a:p>
+        </p:txBody>
+      </p:sp>
+      <p:pic>
+        <p:nvPicPr>
+          <p:cNvPr id="3" name="Picture 2">
+            <a:extLst>
+              <a:ext uri="{FF2B5EF4-FFF2-40B4-BE49-F238E27FC236}">
+                <a16:creationId xmlns:a16="http://schemas.microsoft.com/office/drawing/2014/main" id="{A4F0F5D7-1C80-413D-9A8E-1EAD90D94D1B}"/>
+              </a:ext>
+            </a:extLst>
+          </p:cNvPr>
+          <p:cNvPicPr>
+            <a:picLocks noChangeAspect="1"/>
+          </p:cNvPicPr>
+          <p:nvPr/>
+        </p:nvPicPr>
+        <p:blipFill>
+          <a:blip r:embed="rId2"/>
+          <a:stretch>
+            <a:fillRect/>
+          </a:stretch>
+        </p:blipFill>
+        <p:spPr>
+          <a:xfrm>
+            <a:off x="883328" y="993744"/>
+            <a:ext cx="10425344" cy="5864256"/>
+          </a:xfrm>
+          <a:prstGeom prst="rect">
+            <a:avLst/>
+          </a:prstGeom>
+        </p:spPr>
+      </p:pic>
+    </p:spTree>
+    <p:extLst>
+      <p:ext uri="{BB962C8B-B14F-4D97-AF65-F5344CB8AC3E}">
+        <p14:creationId xmlns:p14="http://schemas.microsoft.com/office/powerpoint/2010/main" val="74389120"/>
+      </p:ext>
+    </p:extLst>
+  </p:cSld>
+  <p:clrMapOvr>
+    <a:masterClrMapping/>
+  </p:clrMapOvr>
+</p:sld>
+</file>
+
+<file path=ppt/slides/slide9.xml><?xml version="1.0" encoding="utf-8"?>
+<p:sld xmlns:a="http://schemas.openxmlformats.org/drawingml/2006/main" xmlns:r="http://schemas.openxmlformats.org/officeDocument/2006/relationships" xmlns:p="http://schemas.openxmlformats.org/presentationml/2006/main">
+  <p:cSld>
+    <p:spTree>
+      <p:nvGrpSpPr>
+        <p:cNvPr id="1" name=""/>
+        <p:cNvGrpSpPr/>
+        <p:nvPr/>
+      </p:nvGrpSpPr>
+      <p:grpSpPr>
+        <a:xfrm>
+          <a:off x="0" y="0"/>
+          <a:ext cx="0" cy="0"/>
+          <a:chOff x="0" y="0"/>
+          <a:chExt cx="0" cy="0"/>
+        </a:xfrm>
+      </p:grpSpPr>
+      <p:sp>
+        <p:nvSpPr>
+          <p:cNvPr id="2" name="Title 1">
+            <a:extLst>
+              <a:ext uri="{FF2B5EF4-FFF2-40B4-BE49-F238E27FC236}">
+                <a16:creationId xmlns:a16="http://schemas.microsoft.com/office/drawing/2014/main" id="{5399851E-FD90-427A-B00D-729037E009C0}"/>
               </a:ext>
             </a:extLst>
           </p:cNvPr>
@@ -8245,7 +9223,7 @@
             <a:spLocks noGrp="1"/>
           </p:cNvSpPr>
           <p:nvPr>
-            <p:ph idx="1"/>
+            <p:ph type="title"/>
           </p:nvPr>
         </p:nvSpPr>
         <p:spPr/>
@@ -8253,14 +9231,47 @@
           <a:bodyPr/>
           <a:lstStyle/>
           <a:p>
-            <a:endParaRPr lang="en-GB"/>
-          </a:p>
-        </p:txBody>
-      </p:sp>
+            <a:r>
+              <a:rPr lang="en-GB" dirty="0"/>
+              <a:t>Product Demo – Customer Login</a:t>
+            </a:r>
+          </a:p>
+        </p:txBody>
+      </p:sp>
+      <p:pic>
+        <p:nvPicPr>
+          <p:cNvPr id="4" name="Picture 3">
+            <a:extLst>
+              <a:ext uri="{FF2B5EF4-FFF2-40B4-BE49-F238E27FC236}">
+                <a16:creationId xmlns:a16="http://schemas.microsoft.com/office/drawing/2014/main" id="{9530A4D2-A942-4F17-90A2-5F77133554A3}"/>
+              </a:ext>
+            </a:extLst>
+          </p:cNvPr>
+          <p:cNvPicPr>
+            <a:picLocks noChangeAspect="1"/>
+          </p:cNvPicPr>
+          <p:nvPr/>
+        </p:nvPicPr>
+        <p:blipFill>
+          <a:blip r:embed="rId2"/>
+          <a:stretch>
+            <a:fillRect/>
+          </a:stretch>
+        </p:blipFill>
+        <p:spPr>
+          <a:xfrm>
+            <a:off x="887767" y="998738"/>
+            <a:ext cx="10416466" cy="5859262"/>
+          </a:xfrm>
+          <a:prstGeom prst="rect">
+            <a:avLst/>
+          </a:prstGeom>
+        </p:spPr>
+      </p:pic>
     </p:spTree>
     <p:extLst>
       <p:ext uri="{BB962C8B-B14F-4D97-AF65-F5344CB8AC3E}">
-        <p14:creationId xmlns:p14="http://schemas.microsoft.com/office/powerpoint/2010/main" val="1551433203"/>
+        <p14:creationId xmlns:p14="http://schemas.microsoft.com/office/powerpoint/2010/main" val="3562736518"/>
       </p:ext>
     </p:extLst>
   </p:cSld>

--- a/Documents/Presentations/PRCO204 Group Presentation 2.pptx
+++ b/Documents/Presentations/PRCO204 Group Presentation 2.pptx
@@ -5,7 +5,7 @@
     <p:sldMasterId id="2147483648" r:id="rId1"/>
   </p:sldMasterIdLst>
   <p:notesMasterIdLst>
-    <p:notesMasterId r:id="rId21"/>
+    <p:notesMasterId r:id="rId22"/>
   </p:notesMasterIdLst>
   <p:sldIdLst>
     <p:sldId id="256" r:id="rId2"/>
@@ -25,8 +25,9 @@
     <p:sldId id="279" r:id="rId16"/>
     <p:sldId id="281" r:id="rId17"/>
     <p:sldId id="282" r:id="rId18"/>
-    <p:sldId id="267" r:id="rId19"/>
-    <p:sldId id="263" r:id="rId20"/>
+    <p:sldId id="284" r:id="rId19"/>
+    <p:sldId id="267" r:id="rId20"/>
+    <p:sldId id="263" r:id="rId21"/>
   </p:sldIdLst>
   <p:sldSz cx="12192000" cy="6858000"/>
   <p:notesSz cx="6858000" cy="9144000"/>
@@ -4740,6 +4741,217 @@
 </file>
 
 <file path=ppt/slides/slide18.xml><?xml version="1.0" encoding="utf-8"?>
+<p:sld xmlns:a="http://schemas.openxmlformats.org/drawingml/2006/main" xmlns:r="http://schemas.openxmlformats.org/officeDocument/2006/relationships" xmlns:p="http://schemas.openxmlformats.org/presentationml/2006/main">
+  <p:cSld>
+    <p:spTree>
+      <p:nvGrpSpPr>
+        <p:cNvPr id="1" name=""/>
+        <p:cNvGrpSpPr/>
+        <p:nvPr/>
+      </p:nvGrpSpPr>
+      <p:grpSpPr>
+        <a:xfrm>
+          <a:off x="0" y="0"/>
+          <a:ext cx="0" cy="0"/>
+          <a:chOff x="0" y="0"/>
+          <a:chExt cx="0" cy="0"/>
+        </a:xfrm>
+      </p:grpSpPr>
+      <p:sp>
+        <p:nvSpPr>
+          <p:cNvPr id="2" name="Title 1">
+            <a:extLst>
+              <a:ext uri="{FF2B5EF4-FFF2-40B4-BE49-F238E27FC236}">
+                <a16:creationId xmlns:a16="http://schemas.microsoft.com/office/drawing/2014/main" id="{5399851E-FD90-427A-B00D-729037E009C0}"/>
+              </a:ext>
+            </a:extLst>
+          </p:cNvPr>
+          <p:cNvSpPr>
+            <a:spLocks noGrp="1"/>
+          </p:cNvSpPr>
+          <p:nvPr>
+            <p:ph type="title"/>
+          </p:nvPr>
+        </p:nvSpPr>
+        <p:spPr/>
+        <p:txBody>
+          <a:bodyPr/>
+          <a:lstStyle/>
+          <a:p>
+            <a:r>
+              <a:rPr lang="en-GB"/>
+              <a:t>HCI Initial Review</a:t>
+            </a:r>
+            <a:endParaRPr lang="en-GB" dirty="0"/>
+          </a:p>
+        </p:txBody>
+      </p:sp>
+      <p:sp>
+        <p:nvSpPr>
+          <p:cNvPr id="3" name="TextBox 2">
+            <a:extLst>
+              <a:ext uri="{FF2B5EF4-FFF2-40B4-BE49-F238E27FC236}">
+                <a16:creationId xmlns:a16="http://schemas.microsoft.com/office/drawing/2014/main" id="{DBF0D781-0031-4065-9ABF-25236B6ABB0B}"/>
+              </a:ext>
+            </a:extLst>
+          </p:cNvPr>
+          <p:cNvSpPr txBox="1"/>
+          <p:nvPr/>
+        </p:nvSpPr>
+        <p:spPr>
+          <a:xfrm>
+            <a:off x="816746" y="1553592"/>
+            <a:ext cx="10238474" cy="3139321"/>
+          </a:xfrm>
+          <a:prstGeom prst="rect">
+            <a:avLst/>
+          </a:prstGeom>
+          <a:noFill/>
+        </p:spPr>
+        <p:txBody>
+          <a:bodyPr wrap="square" rtlCol="0">
+            <a:spAutoFit/>
+          </a:bodyPr>
+          <a:lstStyle/>
+          <a:p>
+            <a:pPr marL="285750" indent="-285750">
+              <a:buFont typeface="Arial" panose="020B0604020202020204" pitchFamily="34" charset="0"/>
+              <a:buChar char="•"/>
+            </a:pPr>
+            <a:r>
+              <a:rPr lang="en-GB" dirty="0">
+                <a:solidFill>
+                  <a:schemeClr val="bg1"/>
+                </a:solidFill>
+              </a:rPr>
+              <a:t>Dates changed from </a:t>
+            </a:r>
+            <a:r>
+              <a:rPr lang="en-GB" dirty="0" err="1">
+                <a:solidFill>
+                  <a:schemeClr val="bg1"/>
+                </a:solidFill>
+              </a:rPr>
+              <a:t>yyyy</a:t>
+            </a:r>
+            <a:r>
+              <a:rPr lang="en-GB" dirty="0">
+                <a:solidFill>
+                  <a:schemeClr val="bg1"/>
+                </a:solidFill>
+              </a:rPr>
+              <a:t>-mm-dd to dd/mm/</a:t>
+            </a:r>
+            <a:r>
+              <a:rPr lang="en-GB" dirty="0" err="1">
+                <a:solidFill>
+                  <a:schemeClr val="bg1"/>
+                </a:solidFill>
+              </a:rPr>
+              <a:t>yyyy</a:t>
+            </a:r>
+            <a:r>
+              <a:rPr lang="en-GB" dirty="0">
+                <a:solidFill>
+                  <a:schemeClr val="bg1"/>
+                </a:solidFill>
+              </a:rPr>
+              <a:t> as it was felt this was more customer friendly</a:t>
+            </a:r>
+          </a:p>
+          <a:p>
+            <a:pPr marL="285750" indent="-285750">
+              <a:buFont typeface="Arial" panose="020B0604020202020204" pitchFamily="34" charset="0"/>
+              <a:buChar char="•"/>
+            </a:pPr>
+            <a:r>
+              <a:rPr lang="en-GB" dirty="0">
+                <a:solidFill>
+                  <a:schemeClr val="bg1"/>
+                </a:solidFill>
+              </a:rPr>
+              <a:t>A problem with results being displayed to the left of the screen was corrected so it displayed in the correct frame</a:t>
+            </a:r>
+          </a:p>
+          <a:p>
+            <a:pPr marL="285750" indent="-285750">
+              <a:buFont typeface="Arial" panose="020B0604020202020204" pitchFamily="34" charset="0"/>
+              <a:buChar char="•"/>
+            </a:pPr>
+            <a:r>
+              <a:rPr lang="en-GB" dirty="0">
+                <a:solidFill>
+                  <a:schemeClr val="bg1"/>
+                </a:solidFill>
+              </a:rPr>
+              <a:t>A problem with the secure message page was corrected, as it did not deal with spaces and other characters correctly, also it was felt better to call it “contact” page as customers are more used to this</a:t>
+            </a:r>
+          </a:p>
+          <a:p>
+            <a:pPr marL="285750" indent="-285750">
+              <a:buFont typeface="Arial" panose="020B0604020202020204" pitchFamily="34" charset="0"/>
+              <a:buChar char="•"/>
+            </a:pPr>
+            <a:r>
+              <a:rPr lang="en-GB" dirty="0">
+                <a:solidFill>
+                  <a:schemeClr val="bg1"/>
+                </a:solidFill>
+              </a:rPr>
+              <a:t>After login in the header bar it was changed to read customer name rather than customer ID as logged in as this is more meaningful to the customer</a:t>
+            </a:r>
+          </a:p>
+          <a:p>
+            <a:pPr marL="285750" indent="-285750">
+              <a:buFont typeface="Arial" panose="020B0604020202020204" pitchFamily="34" charset="0"/>
+              <a:buChar char="•"/>
+            </a:pPr>
+            <a:r>
+              <a:rPr lang="en-GB" dirty="0">
+                <a:solidFill>
+                  <a:schemeClr val="bg1"/>
+                </a:solidFill>
+              </a:rPr>
+              <a:t>The colour scheme was changed to light blue for the header as colour blindness affects the ability to see the colour green as it was previously</a:t>
+            </a:r>
+          </a:p>
+          <a:p>
+            <a:pPr marL="285750" indent="-285750">
+              <a:buFont typeface="Arial" panose="020B0604020202020204" pitchFamily="34" charset="0"/>
+              <a:buChar char="•"/>
+            </a:pPr>
+            <a:endParaRPr lang="en-GB" dirty="0">
+              <a:solidFill>
+                <a:schemeClr val="bg1"/>
+              </a:solidFill>
+            </a:endParaRPr>
+          </a:p>
+          <a:p>
+            <a:r>
+              <a:rPr lang="en-GB" dirty="0">
+                <a:solidFill>
+                  <a:schemeClr val="bg1"/>
+                </a:solidFill>
+              </a:rPr>
+              <a:t>A more through HCI review will be done later</a:t>
+            </a:r>
+          </a:p>
+        </p:txBody>
+      </p:sp>
+    </p:spTree>
+    <p:extLst>
+      <p:ext uri="{BB962C8B-B14F-4D97-AF65-F5344CB8AC3E}">
+        <p14:creationId xmlns:p14="http://schemas.microsoft.com/office/powerpoint/2010/main" val="1157438666"/>
+      </p:ext>
+    </p:extLst>
+  </p:cSld>
+  <p:clrMapOvr>
+    <a:masterClrMapping/>
+  </p:clrMapOvr>
+</p:sld>
+</file>
+
+<file path=ppt/slides/slide19.xml><?xml version="1.0" encoding="utf-8"?>
 <p:sld xmlns:a="http://schemas.openxmlformats.org/drawingml/2006/main" xmlns:r="http://schemas.openxmlformats.org/officeDocument/2006/relationships" xmlns:p="http://schemas.openxmlformats.org/presentationml/2006/main">
   <p:cSld>
     <p:spTree>
@@ -6436,89 +6648,6 @@
 </p:sld>
 </file>
 
-<file path=ppt/slides/slide19.xml><?xml version="1.0" encoding="utf-8"?>
-<p:sld xmlns:a="http://schemas.openxmlformats.org/drawingml/2006/main" xmlns:r="http://schemas.openxmlformats.org/officeDocument/2006/relationships" xmlns:p="http://schemas.openxmlformats.org/presentationml/2006/main">
-  <p:cSld>
-    <p:spTree>
-      <p:nvGrpSpPr>
-        <p:cNvPr id="1" name=""/>
-        <p:cNvGrpSpPr/>
-        <p:nvPr/>
-      </p:nvGrpSpPr>
-      <p:grpSpPr>
-        <a:xfrm>
-          <a:off x="0" y="0"/>
-          <a:ext cx="0" cy="0"/>
-          <a:chOff x="0" y="0"/>
-          <a:chExt cx="0" cy="0"/>
-        </a:xfrm>
-      </p:grpSpPr>
-      <p:sp>
-        <p:nvSpPr>
-          <p:cNvPr id="2" name="Title 1">
-            <a:extLst>
-              <a:ext uri="{FF2B5EF4-FFF2-40B4-BE49-F238E27FC236}">
-                <a16:creationId xmlns:a16="http://schemas.microsoft.com/office/drawing/2014/main" id="{C1ACCAC7-8AAB-4884-9DC9-EFF4FFEE5180}"/>
-              </a:ext>
-            </a:extLst>
-          </p:cNvPr>
-          <p:cNvSpPr>
-            <a:spLocks noGrp="1"/>
-          </p:cNvSpPr>
-          <p:nvPr>
-            <p:ph type="title"/>
-          </p:nvPr>
-        </p:nvSpPr>
-        <p:spPr/>
-        <p:txBody>
-          <a:bodyPr/>
-          <a:lstStyle/>
-          <a:p>
-            <a:r>
-              <a:rPr lang="en-GB" dirty="0"/>
-              <a:t>Any Questions?</a:t>
-            </a:r>
-          </a:p>
-        </p:txBody>
-      </p:sp>
-      <p:sp>
-        <p:nvSpPr>
-          <p:cNvPr id="3" name="Content Placeholder 2">
-            <a:extLst>
-              <a:ext uri="{FF2B5EF4-FFF2-40B4-BE49-F238E27FC236}">
-                <a16:creationId xmlns:a16="http://schemas.microsoft.com/office/drawing/2014/main" id="{21551801-6E35-4AE8-9365-B7095D79B5F7}"/>
-              </a:ext>
-            </a:extLst>
-          </p:cNvPr>
-          <p:cNvSpPr>
-            <a:spLocks noGrp="1"/>
-          </p:cNvSpPr>
-          <p:nvPr>
-            <p:ph idx="1"/>
-          </p:nvPr>
-        </p:nvSpPr>
-        <p:spPr/>
-        <p:txBody>
-          <a:bodyPr/>
-          <a:lstStyle/>
-          <a:p>
-            <a:endParaRPr lang="en-GB"/>
-          </a:p>
-        </p:txBody>
-      </p:sp>
-    </p:spTree>
-    <p:extLst>
-      <p:ext uri="{BB962C8B-B14F-4D97-AF65-F5344CB8AC3E}">
-        <p14:creationId xmlns:p14="http://schemas.microsoft.com/office/powerpoint/2010/main" val="1551433203"/>
-      </p:ext>
-    </p:extLst>
-  </p:cSld>
-  <p:clrMapOvr>
-    <a:masterClrMapping/>
-  </p:clrMapOvr>
-</p:sld>
-</file>
-
 <file path=ppt/slides/slide2.xml><?xml version="1.0" encoding="utf-8"?>
 <p:sld xmlns:a="http://schemas.openxmlformats.org/drawingml/2006/main" xmlns:r="http://schemas.openxmlformats.org/officeDocument/2006/relationships" xmlns:p="http://schemas.openxmlformats.org/presentationml/2006/main">
   <p:cSld>
@@ -6630,6 +6759,89 @@
   </p:cSld>
   <p:clrMapOvr>
     <a:overrideClrMapping bg1="lt1" tx1="dk1" bg2="lt2" tx2="dk2" accent1="accent1" accent2="accent2" accent3="accent3" accent4="accent4" accent5="accent5" accent6="accent6" hlink="hlink" folHlink="folHlink"/>
+  </p:clrMapOvr>
+</p:sld>
+</file>
+
+<file path=ppt/slides/slide20.xml><?xml version="1.0" encoding="utf-8"?>
+<p:sld xmlns:a="http://schemas.openxmlformats.org/drawingml/2006/main" xmlns:r="http://schemas.openxmlformats.org/officeDocument/2006/relationships" xmlns:p="http://schemas.openxmlformats.org/presentationml/2006/main">
+  <p:cSld>
+    <p:spTree>
+      <p:nvGrpSpPr>
+        <p:cNvPr id="1" name=""/>
+        <p:cNvGrpSpPr/>
+        <p:nvPr/>
+      </p:nvGrpSpPr>
+      <p:grpSpPr>
+        <a:xfrm>
+          <a:off x="0" y="0"/>
+          <a:ext cx="0" cy="0"/>
+          <a:chOff x="0" y="0"/>
+          <a:chExt cx="0" cy="0"/>
+        </a:xfrm>
+      </p:grpSpPr>
+      <p:sp>
+        <p:nvSpPr>
+          <p:cNvPr id="2" name="Title 1">
+            <a:extLst>
+              <a:ext uri="{FF2B5EF4-FFF2-40B4-BE49-F238E27FC236}">
+                <a16:creationId xmlns:a16="http://schemas.microsoft.com/office/drawing/2014/main" id="{C1ACCAC7-8AAB-4884-9DC9-EFF4FFEE5180}"/>
+              </a:ext>
+            </a:extLst>
+          </p:cNvPr>
+          <p:cNvSpPr>
+            <a:spLocks noGrp="1"/>
+          </p:cNvSpPr>
+          <p:nvPr>
+            <p:ph type="title"/>
+          </p:nvPr>
+        </p:nvSpPr>
+        <p:spPr/>
+        <p:txBody>
+          <a:bodyPr/>
+          <a:lstStyle/>
+          <a:p>
+            <a:r>
+              <a:rPr lang="en-GB" dirty="0"/>
+              <a:t>Any Questions?</a:t>
+            </a:r>
+          </a:p>
+        </p:txBody>
+      </p:sp>
+      <p:sp>
+        <p:nvSpPr>
+          <p:cNvPr id="3" name="Content Placeholder 2">
+            <a:extLst>
+              <a:ext uri="{FF2B5EF4-FFF2-40B4-BE49-F238E27FC236}">
+                <a16:creationId xmlns:a16="http://schemas.microsoft.com/office/drawing/2014/main" id="{21551801-6E35-4AE8-9365-B7095D79B5F7}"/>
+              </a:ext>
+            </a:extLst>
+          </p:cNvPr>
+          <p:cNvSpPr>
+            <a:spLocks noGrp="1"/>
+          </p:cNvSpPr>
+          <p:nvPr>
+            <p:ph idx="1"/>
+          </p:nvPr>
+        </p:nvSpPr>
+        <p:spPr/>
+        <p:txBody>
+          <a:bodyPr/>
+          <a:lstStyle/>
+          <a:p>
+            <a:endParaRPr lang="en-GB"/>
+          </a:p>
+        </p:txBody>
+      </p:sp>
+    </p:spTree>
+    <p:extLst>
+      <p:ext uri="{BB962C8B-B14F-4D97-AF65-F5344CB8AC3E}">
+        <p14:creationId xmlns:p14="http://schemas.microsoft.com/office/powerpoint/2010/main" val="1551433203"/>
+      </p:ext>
+    </p:extLst>
+  </p:cSld>
+  <p:clrMapOvr>
+    <a:masterClrMapping/>
   </p:clrMapOvr>
 </p:sld>
 </file>

--- a/Documents/Presentations/PRCO204 Group Presentation 2.pptx
+++ b/Documents/Presentations/PRCO204 Group Presentation 2.pptx
@@ -5,7 +5,7 @@
     <p:sldMasterId id="2147483648" r:id="rId1"/>
   </p:sldMasterIdLst>
   <p:notesMasterIdLst>
-    <p:notesMasterId r:id="rId22"/>
+    <p:notesMasterId r:id="rId23"/>
   </p:notesMasterIdLst>
   <p:sldIdLst>
     <p:sldId id="256" r:id="rId2"/>
@@ -26,8 +26,9 @@
     <p:sldId id="281" r:id="rId17"/>
     <p:sldId id="282" r:id="rId18"/>
     <p:sldId id="284" r:id="rId19"/>
-    <p:sldId id="267" r:id="rId20"/>
-    <p:sldId id="263" r:id="rId21"/>
+    <p:sldId id="285" r:id="rId20"/>
+    <p:sldId id="267" r:id="rId21"/>
+    <p:sldId id="263" r:id="rId22"/>
   </p:sldIdLst>
   <p:sldSz cx="12192000" cy="6858000"/>
   <p:notesSz cx="6858000" cy="9144000"/>
@@ -4952,6 +4953,250 @@
 </file>
 
 <file path=ppt/slides/slide19.xml><?xml version="1.0" encoding="utf-8"?>
+<p:sld xmlns:a="http://schemas.openxmlformats.org/drawingml/2006/main" xmlns:r="http://schemas.openxmlformats.org/officeDocument/2006/relationships" xmlns:p="http://schemas.openxmlformats.org/presentationml/2006/main">
+  <p:cSld>
+    <p:spTree>
+      <p:nvGrpSpPr>
+        <p:cNvPr id="1" name=""/>
+        <p:cNvGrpSpPr/>
+        <p:nvPr/>
+      </p:nvGrpSpPr>
+      <p:grpSpPr>
+        <a:xfrm>
+          <a:off x="0" y="0"/>
+          <a:ext cx="0" cy="0"/>
+          <a:chOff x="0" y="0"/>
+          <a:chExt cx="0" cy="0"/>
+        </a:xfrm>
+      </p:grpSpPr>
+      <p:sp>
+        <p:nvSpPr>
+          <p:cNvPr id="2" name="Title 1">
+            <a:extLst>
+              <a:ext uri="{FF2B5EF4-FFF2-40B4-BE49-F238E27FC236}">
+                <a16:creationId xmlns:a16="http://schemas.microsoft.com/office/drawing/2014/main" id="{5399851E-FD90-427A-B00D-729037E009C0}"/>
+              </a:ext>
+            </a:extLst>
+          </p:cNvPr>
+          <p:cNvSpPr>
+            <a:spLocks noGrp="1"/>
+          </p:cNvSpPr>
+          <p:nvPr>
+            <p:ph type="title"/>
+          </p:nvPr>
+        </p:nvSpPr>
+        <p:spPr/>
+        <p:txBody>
+          <a:bodyPr/>
+          <a:lstStyle/>
+          <a:p>
+            <a:r>
+              <a:rPr lang="en-GB" dirty="0"/>
+              <a:t>Critique of progress so far</a:t>
+            </a:r>
+          </a:p>
+        </p:txBody>
+      </p:sp>
+      <p:sp>
+        <p:nvSpPr>
+          <p:cNvPr id="3" name="TextBox 2">
+            <a:extLst>
+              <a:ext uri="{FF2B5EF4-FFF2-40B4-BE49-F238E27FC236}">
+                <a16:creationId xmlns:a16="http://schemas.microsoft.com/office/drawing/2014/main" id="{DBF0D781-0031-4065-9ABF-25236B6ABB0B}"/>
+              </a:ext>
+            </a:extLst>
+          </p:cNvPr>
+          <p:cNvSpPr txBox="1"/>
+          <p:nvPr/>
+        </p:nvSpPr>
+        <p:spPr>
+          <a:xfrm>
+            <a:off x="816746" y="1553592"/>
+            <a:ext cx="10238474" cy="1477328"/>
+          </a:xfrm>
+          <a:prstGeom prst="rect">
+            <a:avLst/>
+          </a:prstGeom>
+          <a:noFill/>
+        </p:spPr>
+        <p:txBody>
+          <a:bodyPr wrap="square" rtlCol="0">
+            <a:spAutoFit/>
+          </a:bodyPr>
+          <a:lstStyle/>
+          <a:p>
+            <a:pPr marL="285750" indent="-285750">
+              <a:buFont typeface="Arial" panose="020B0604020202020204" pitchFamily="34" charset="0"/>
+              <a:buChar char="•"/>
+            </a:pPr>
+            <a:r>
+              <a:rPr lang="en-GB" dirty="0">
+                <a:solidFill>
+                  <a:schemeClr val="bg1"/>
+                </a:solidFill>
+              </a:rPr>
+              <a:t>Good progress has been made to implement planned functionality, the project is on course, stage 1 functionality is complete, stage 2 is progressing well</a:t>
+            </a:r>
+          </a:p>
+          <a:p>
+            <a:pPr marL="285750" indent="-285750">
+              <a:buFont typeface="Arial" panose="020B0604020202020204" pitchFamily="34" charset="0"/>
+              <a:buChar char="•"/>
+            </a:pPr>
+            <a:r>
+              <a:rPr lang="en-GB" dirty="0">
+                <a:solidFill>
+                  <a:schemeClr val="bg1"/>
+                </a:solidFill>
+              </a:rPr>
+              <a:t>More work will be done on HCI testing, although there has been an initial review</a:t>
+            </a:r>
+          </a:p>
+          <a:p>
+            <a:pPr marL="285750" indent="-285750">
+              <a:buFont typeface="Arial" panose="020B0604020202020204" pitchFamily="34" charset="0"/>
+              <a:buChar char="•"/>
+            </a:pPr>
+            <a:r>
+              <a:rPr lang="en-GB" dirty="0">
+                <a:solidFill>
+                  <a:schemeClr val="bg1"/>
+                </a:solidFill>
+              </a:rPr>
+              <a:t>We have adapted our coding approach to try to finish individually assigned elements in the first week of the sprint, and leave integration and paired programming for the second week</a:t>
+            </a:r>
+          </a:p>
+        </p:txBody>
+      </p:sp>
+    </p:spTree>
+    <p:extLst>
+      <p:ext uri="{BB962C8B-B14F-4D97-AF65-F5344CB8AC3E}">
+        <p14:creationId xmlns:p14="http://schemas.microsoft.com/office/powerpoint/2010/main" val="4231091809"/>
+      </p:ext>
+    </p:extLst>
+  </p:cSld>
+  <p:clrMapOvr>
+    <a:masterClrMapping/>
+  </p:clrMapOvr>
+</p:sld>
+</file>
+
+<file path=ppt/slides/slide2.xml><?xml version="1.0" encoding="utf-8"?>
+<p:sld xmlns:a="http://schemas.openxmlformats.org/drawingml/2006/main" xmlns:r="http://schemas.openxmlformats.org/officeDocument/2006/relationships" xmlns:p="http://schemas.openxmlformats.org/presentationml/2006/main">
+  <p:cSld>
+    <p:bg>
+      <p:bgPr>
+        <a:gradFill>
+          <a:gsLst>
+            <a:gs pos="100000">
+              <a:schemeClr val="accent1">
+                <a:lumMod val="75000"/>
+              </a:schemeClr>
+            </a:gs>
+            <a:gs pos="0">
+              <a:schemeClr val="accent5">
+                <a:lumMod val="75000"/>
+              </a:schemeClr>
+            </a:gs>
+          </a:gsLst>
+          <a:lin ang="5400000" scaled="1"/>
+        </a:gradFill>
+        <a:effectLst/>
+      </p:bgPr>
+    </p:bg>
+    <p:spTree>
+      <p:nvGrpSpPr>
+        <p:cNvPr id="1" name=""/>
+        <p:cNvGrpSpPr/>
+        <p:nvPr/>
+      </p:nvGrpSpPr>
+      <p:grpSpPr>
+        <a:xfrm>
+          <a:off x="0" y="0"/>
+          <a:ext cx="0" cy="0"/>
+          <a:chOff x="0" y="0"/>
+          <a:chExt cx="0" cy="0"/>
+        </a:xfrm>
+      </p:grpSpPr>
+      <p:sp>
+        <p:nvSpPr>
+          <p:cNvPr id="2" name="Title 1">
+            <a:extLst>
+              <a:ext uri="{FF2B5EF4-FFF2-40B4-BE49-F238E27FC236}">
+                <a16:creationId xmlns:a16="http://schemas.microsoft.com/office/drawing/2014/main" id="{216148B8-4A95-4037-B7D4-76265D2FB619}"/>
+              </a:ext>
+            </a:extLst>
+          </p:cNvPr>
+          <p:cNvSpPr>
+            <a:spLocks noGrp="1"/>
+          </p:cNvSpPr>
+          <p:nvPr>
+            <p:ph type="title"/>
+          </p:nvPr>
+        </p:nvSpPr>
+        <p:spPr/>
+        <p:txBody>
+          <a:bodyPr/>
+          <a:lstStyle/>
+          <a:p>
+            <a:r>
+              <a:rPr lang="en-GB" dirty="0"/>
+              <a:t>Product Goals</a:t>
+            </a:r>
+          </a:p>
+        </p:txBody>
+      </p:sp>
+      <p:sp>
+        <p:nvSpPr>
+          <p:cNvPr id="3" name="Content Placeholder 2">
+            <a:extLst>
+              <a:ext uri="{FF2B5EF4-FFF2-40B4-BE49-F238E27FC236}">
+                <a16:creationId xmlns:a16="http://schemas.microsoft.com/office/drawing/2014/main" id="{264304DE-53D7-4CD9-872D-3AEE70838F33}"/>
+              </a:ext>
+            </a:extLst>
+          </p:cNvPr>
+          <p:cNvSpPr>
+            <a:spLocks noGrp="1"/>
+          </p:cNvSpPr>
+          <p:nvPr>
+            <p:ph idx="1"/>
+          </p:nvPr>
+        </p:nvSpPr>
+        <p:spPr/>
+        <p:txBody>
+          <a:bodyPr/>
+          <a:lstStyle/>
+          <a:p>
+            <a:r>
+              <a:rPr lang="en-GB" dirty="0"/>
+              <a:t>A flight application so customers can search for, book, pay for and cancel flights</a:t>
+            </a:r>
+          </a:p>
+          <a:p>
+            <a:r>
+              <a:rPr lang="en-GB" dirty="0"/>
+              <a:t>Administrators can create and remove flights; they can also view the audit log, send secure messages to customers and run statistics for business purposes</a:t>
+            </a:r>
+          </a:p>
+          <a:p>
+            <a:endParaRPr lang="en-GB" dirty="0"/>
+          </a:p>
+        </p:txBody>
+      </p:sp>
+    </p:spTree>
+    <p:extLst>
+      <p:ext uri="{BB962C8B-B14F-4D97-AF65-F5344CB8AC3E}">
+        <p14:creationId xmlns:p14="http://schemas.microsoft.com/office/powerpoint/2010/main" val="1117230992"/>
+      </p:ext>
+    </p:extLst>
+  </p:cSld>
+  <p:clrMapOvr>
+    <a:overrideClrMapping bg1="lt1" tx1="dk1" bg2="lt2" tx2="dk2" accent1="accent1" accent2="accent2" accent3="accent3" accent4="accent4" accent5="accent5" accent6="accent6" hlink="hlink" folHlink="folHlink"/>
+  </p:clrMapOvr>
+</p:sld>
+</file>
+
+<file path=ppt/slides/slide20.xml><?xml version="1.0" encoding="utf-8"?>
 <p:sld xmlns:a="http://schemas.openxmlformats.org/drawingml/2006/main" xmlns:r="http://schemas.openxmlformats.org/officeDocument/2006/relationships" xmlns:p="http://schemas.openxmlformats.org/presentationml/2006/main">
   <p:cSld>
     <p:spTree>
@@ -6648,122 +6893,7 @@
 </p:sld>
 </file>
 
-<file path=ppt/slides/slide2.xml><?xml version="1.0" encoding="utf-8"?>
-<p:sld xmlns:a="http://schemas.openxmlformats.org/drawingml/2006/main" xmlns:r="http://schemas.openxmlformats.org/officeDocument/2006/relationships" xmlns:p="http://schemas.openxmlformats.org/presentationml/2006/main">
-  <p:cSld>
-    <p:bg>
-      <p:bgPr>
-        <a:gradFill>
-          <a:gsLst>
-            <a:gs pos="100000">
-              <a:schemeClr val="accent1">
-                <a:lumMod val="75000"/>
-              </a:schemeClr>
-            </a:gs>
-            <a:gs pos="0">
-              <a:schemeClr val="accent5">
-                <a:lumMod val="75000"/>
-              </a:schemeClr>
-            </a:gs>
-          </a:gsLst>
-          <a:lin ang="5400000" scaled="1"/>
-        </a:gradFill>
-        <a:effectLst/>
-      </p:bgPr>
-    </p:bg>
-    <p:spTree>
-      <p:nvGrpSpPr>
-        <p:cNvPr id="1" name=""/>
-        <p:cNvGrpSpPr/>
-        <p:nvPr/>
-      </p:nvGrpSpPr>
-      <p:grpSpPr>
-        <a:xfrm>
-          <a:off x="0" y="0"/>
-          <a:ext cx="0" cy="0"/>
-          <a:chOff x="0" y="0"/>
-          <a:chExt cx="0" cy="0"/>
-        </a:xfrm>
-      </p:grpSpPr>
-      <p:sp>
-        <p:nvSpPr>
-          <p:cNvPr id="2" name="Title 1">
-            <a:extLst>
-              <a:ext uri="{FF2B5EF4-FFF2-40B4-BE49-F238E27FC236}">
-                <a16:creationId xmlns:a16="http://schemas.microsoft.com/office/drawing/2014/main" id="{216148B8-4A95-4037-B7D4-76265D2FB619}"/>
-              </a:ext>
-            </a:extLst>
-          </p:cNvPr>
-          <p:cNvSpPr>
-            <a:spLocks noGrp="1"/>
-          </p:cNvSpPr>
-          <p:nvPr>
-            <p:ph type="title"/>
-          </p:nvPr>
-        </p:nvSpPr>
-        <p:spPr/>
-        <p:txBody>
-          <a:bodyPr/>
-          <a:lstStyle/>
-          <a:p>
-            <a:r>
-              <a:rPr lang="en-GB" dirty="0"/>
-              <a:t>Product Goals</a:t>
-            </a:r>
-          </a:p>
-        </p:txBody>
-      </p:sp>
-      <p:sp>
-        <p:nvSpPr>
-          <p:cNvPr id="3" name="Content Placeholder 2">
-            <a:extLst>
-              <a:ext uri="{FF2B5EF4-FFF2-40B4-BE49-F238E27FC236}">
-                <a16:creationId xmlns:a16="http://schemas.microsoft.com/office/drawing/2014/main" id="{264304DE-53D7-4CD9-872D-3AEE70838F33}"/>
-              </a:ext>
-            </a:extLst>
-          </p:cNvPr>
-          <p:cNvSpPr>
-            <a:spLocks noGrp="1"/>
-          </p:cNvSpPr>
-          <p:nvPr>
-            <p:ph idx="1"/>
-          </p:nvPr>
-        </p:nvSpPr>
-        <p:spPr/>
-        <p:txBody>
-          <a:bodyPr/>
-          <a:lstStyle/>
-          <a:p>
-            <a:r>
-              <a:rPr lang="en-GB" dirty="0"/>
-              <a:t>A flight application so customers can search for, book, pay for and cancel flights</a:t>
-            </a:r>
-          </a:p>
-          <a:p>
-            <a:r>
-              <a:rPr lang="en-GB" dirty="0"/>
-              <a:t>Administrators can create and remove flights; they can also view the audit log, send secure messages to customers and run statistics for business purposes</a:t>
-            </a:r>
-          </a:p>
-          <a:p>
-            <a:endParaRPr lang="en-GB" dirty="0"/>
-          </a:p>
-        </p:txBody>
-      </p:sp>
-    </p:spTree>
-    <p:extLst>
-      <p:ext uri="{BB962C8B-B14F-4D97-AF65-F5344CB8AC3E}">
-        <p14:creationId xmlns:p14="http://schemas.microsoft.com/office/powerpoint/2010/main" val="1117230992"/>
-      </p:ext>
-    </p:extLst>
-  </p:cSld>
-  <p:clrMapOvr>
-    <a:overrideClrMapping bg1="lt1" tx1="dk1" bg2="lt2" tx2="dk2" accent1="accent1" accent2="accent2" accent3="accent3" accent4="accent4" accent5="accent5" accent6="accent6" hlink="hlink" folHlink="folHlink"/>
-  </p:clrMapOvr>
-</p:sld>
-</file>
-
-<file path=ppt/slides/slide20.xml><?xml version="1.0" encoding="utf-8"?>
+<file path=ppt/slides/slide21.xml><?xml version="1.0" encoding="utf-8"?>
 <p:sld xmlns:a="http://schemas.openxmlformats.org/drawingml/2006/main" xmlns:r="http://schemas.openxmlformats.org/officeDocument/2006/relationships" xmlns:p="http://schemas.openxmlformats.org/presentationml/2006/main">
   <p:cSld>
     <p:spTree>
@@ -6805,31 +6935,6 @@
               <a:rPr lang="en-GB" dirty="0"/>
               <a:t>Any Questions?</a:t>
             </a:r>
-          </a:p>
-        </p:txBody>
-      </p:sp>
-      <p:sp>
-        <p:nvSpPr>
-          <p:cNvPr id="3" name="Content Placeholder 2">
-            <a:extLst>
-              <a:ext uri="{FF2B5EF4-FFF2-40B4-BE49-F238E27FC236}">
-                <a16:creationId xmlns:a16="http://schemas.microsoft.com/office/drawing/2014/main" id="{21551801-6E35-4AE8-9365-B7095D79B5F7}"/>
-              </a:ext>
-            </a:extLst>
-          </p:cNvPr>
-          <p:cNvSpPr>
-            <a:spLocks noGrp="1"/>
-          </p:cNvSpPr>
-          <p:nvPr>
-            <p:ph idx="1"/>
-          </p:nvPr>
-        </p:nvSpPr>
-        <p:spPr/>
-        <p:txBody>
-          <a:bodyPr/>
-          <a:lstStyle/>
-          <a:p>
-            <a:endParaRPr lang="en-GB"/>
           </a:p>
         </p:txBody>
       </p:sp>
@@ -7118,7 +7223,7 @@
           <a:p>
             <a:r>
               <a:rPr lang="en-GB" dirty="0"/>
-              <a:t>Spring 4 – review, refine, write reports</a:t>
+              <a:t>Sprint 4 – review, refine, write reports</a:t>
             </a:r>
           </a:p>
           <a:p>

--- a/Documents/Presentations/PRCO204 Group Presentation 2.pptx
+++ b/Documents/Presentations/PRCO204 Group Presentation 2.pptx
@@ -5,7 +5,7 @@
     <p:sldMasterId id="2147483648" r:id="rId1"/>
   </p:sldMasterIdLst>
   <p:notesMasterIdLst>
-    <p:notesMasterId r:id="rId23"/>
+    <p:notesMasterId r:id="rId24"/>
   </p:notesMasterIdLst>
   <p:sldIdLst>
     <p:sldId id="256" r:id="rId2"/>
@@ -21,14 +21,15 @@
     <p:sldId id="274" r:id="rId12"/>
     <p:sldId id="275" r:id="rId13"/>
     <p:sldId id="276" r:id="rId14"/>
-    <p:sldId id="278" r:id="rId15"/>
-    <p:sldId id="279" r:id="rId16"/>
-    <p:sldId id="281" r:id="rId17"/>
-    <p:sldId id="282" r:id="rId18"/>
-    <p:sldId id="284" r:id="rId19"/>
-    <p:sldId id="285" r:id="rId20"/>
-    <p:sldId id="267" r:id="rId21"/>
-    <p:sldId id="263" r:id="rId22"/>
+    <p:sldId id="286" r:id="rId15"/>
+    <p:sldId id="278" r:id="rId16"/>
+    <p:sldId id="279" r:id="rId17"/>
+    <p:sldId id="281" r:id="rId18"/>
+    <p:sldId id="282" r:id="rId19"/>
+    <p:sldId id="284" r:id="rId20"/>
+    <p:sldId id="285" r:id="rId21"/>
+    <p:sldId id="267" r:id="rId22"/>
+    <p:sldId id="263" r:id="rId23"/>
   </p:sldIdLst>
   <p:sldSz cx="12192000" cy="6858000"/>
   <p:notesSz cx="6858000" cy="9144000"/>
@@ -4429,6 +4430,94 @@
           <a:p>
             <a:r>
               <a:rPr lang="en-GB" dirty="0"/>
+              <a:t>Product Demo – Terms and Conditions</a:t>
+            </a:r>
+          </a:p>
+        </p:txBody>
+      </p:sp>
+      <p:pic>
+        <p:nvPicPr>
+          <p:cNvPr id="3" name="Picture 2">
+            <a:extLst>
+              <a:ext uri="{FF2B5EF4-FFF2-40B4-BE49-F238E27FC236}">
+                <a16:creationId xmlns:a16="http://schemas.microsoft.com/office/drawing/2014/main" id="{D910E94B-932D-4B0E-BC38-A1470A014786}"/>
+              </a:ext>
+            </a:extLst>
+          </p:cNvPr>
+          <p:cNvPicPr>
+            <a:picLocks noChangeAspect="1"/>
+          </p:cNvPicPr>
+          <p:nvPr/>
+        </p:nvPicPr>
+        <p:blipFill>
+          <a:blip r:embed="rId2"/>
+          <a:stretch>
+            <a:fillRect/>
+          </a:stretch>
+        </p:blipFill>
+        <p:spPr>
+          <a:xfrm>
+            <a:off x="914400" y="1028700"/>
+            <a:ext cx="10363200" cy="5829300"/>
+          </a:xfrm>
+          <a:prstGeom prst="rect">
+            <a:avLst/>
+          </a:prstGeom>
+        </p:spPr>
+      </p:pic>
+    </p:spTree>
+    <p:extLst>
+      <p:ext uri="{BB962C8B-B14F-4D97-AF65-F5344CB8AC3E}">
+        <p14:creationId xmlns:p14="http://schemas.microsoft.com/office/powerpoint/2010/main" val="1487453560"/>
+      </p:ext>
+    </p:extLst>
+  </p:cSld>
+  <p:clrMapOvr>
+    <a:masterClrMapping/>
+  </p:clrMapOvr>
+</p:sld>
+</file>
+
+<file path=ppt/slides/slide15.xml><?xml version="1.0" encoding="utf-8"?>
+<p:sld xmlns:a="http://schemas.openxmlformats.org/drawingml/2006/main" xmlns:r="http://schemas.openxmlformats.org/officeDocument/2006/relationships" xmlns:p="http://schemas.openxmlformats.org/presentationml/2006/main">
+  <p:cSld>
+    <p:spTree>
+      <p:nvGrpSpPr>
+        <p:cNvPr id="1" name=""/>
+        <p:cNvGrpSpPr/>
+        <p:nvPr/>
+      </p:nvGrpSpPr>
+      <p:grpSpPr>
+        <a:xfrm>
+          <a:off x="0" y="0"/>
+          <a:ext cx="0" cy="0"/>
+          <a:chOff x="0" y="0"/>
+          <a:chExt cx="0" cy="0"/>
+        </a:xfrm>
+      </p:grpSpPr>
+      <p:sp>
+        <p:nvSpPr>
+          <p:cNvPr id="2" name="Title 1">
+            <a:extLst>
+              <a:ext uri="{FF2B5EF4-FFF2-40B4-BE49-F238E27FC236}">
+                <a16:creationId xmlns:a16="http://schemas.microsoft.com/office/drawing/2014/main" id="{5399851E-FD90-427A-B00D-729037E009C0}"/>
+              </a:ext>
+            </a:extLst>
+          </p:cNvPr>
+          <p:cNvSpPr>
+            <a:spLocks noGrp="1"/>
+          </p:cNvSpPr>
+          <p:nvPr>
+            <p:ph type="title"/>
+          </p:nvPr>
+        </p:nvSpPr>
+        <p:spPr/>
+        <p:txBody>
+          <a:bodyPr/>
+          <a:lstStyle/>
+          <a:p>
+            <a:r>
+              <a:rPr lang="en-GB" dirty="0"/>
               <a:t>Product Demo – Admin Login</a:t>
             </a:r>
           </a:p>
@@ -4477,7 +4566,7 @@
 </p:sld>
 </file>
 
-<file path=ppt/slides/slide15.xml><?xml version="1.0" encoding="utf-8"?>
+<file path=ppt/slides/slide16.xml><?xml version="1.0" encoding="utf-8"?>
 <p:sld xmlns:a="http://schemas.openxmlformats.org/drawingml/2006/main" xmlns:r="http://schemas.openxmlformats.org/officeDocument/2006/relationships" xmlns:p="http://schemas.openxmlformats.org/presentationml/2006/main">
   <p:cSld>
     <p:spTree>
@@ -4565,7 +4654,7 @@
 </p:sld>
 </file>
 
-<file path=ppt/slides/slide16.xml><?xml version="1.0" encoding="utf-8"?>
+<file path=ppt/slides/slide17.xml><?xml version="1.0" encoding="utf-8"?>
 <p:sld xmlns:a="http://schemas.openxmlformats.org/drawingml/2006/main" xmlns:r="http://schemas.openxmlformats.org/officeDocument/2006/relationships" xmlns:p="http://schemas.openxmlformats.org/presentationml/2006/main">
   <p:cSld>
     <p:spTree>
@@ -4653,7 +4742,7 @@
 </p:sld>
 </file>
 
-<file path=ppt/slides/slide17.xml><?xml version="1.0" encoding="utf-8"?>
+<file path=ppt/slides/slide18.xml><?xml version="1.0" encoding="utf-8"?>
 <p:sld xmlns:a="http://schemas.openxmlformats.org/drawingml/2006/main" xmlns:r="http://schemas.openxmlformats.org/officeDocument/2006/relationships" xmlns:p="http://schemas.openxmlformats.org/presentationml/2006/main">
   <p:cSld>
     <p:spTree>
@@ -4741,217 +4830,6 @@
 </p:sld>
 </file>
 
-<file path=ppt/slides/slide18.xml><?xml version="1.0" encoding="utf-8"?>
-<p:sld xmlns:a="http://schemas.openxmlformats.org/drawingml/2006/main" xmlns:r="http://schemas.openxmlformats.org/officeDocument/2006/relationships" xmlns:p="http://schemas.openxmlformats.org/presentationml/2006/main">
-  <p:cSld>
-    <p:spTree>
-      <p:nvGrpSpPr>
-        <p:cNvPr id="1" name=""/>
-        <p:cNvGrpSpPr/>
-        <p:nvPr/>
-      </p:nvGrpSpPr>
-      <p:grpSpPr>
-        <a:xfrm>
-          <a:off x="0" y="0"/>
-          <a:ext cx="0" cy="0"/>
-          <a:chOff x="0" y="0"/>
-          <a:chExt cx="0" cy="0"/>
-        </a:xfrm>
-      </p:grpSpPr>
-      <p:sp>
-        <p:nvSpPr>
-          <p:cNvPr id="2" name="Title 1">
-            <a:extLst>
-              <a:ext uri="{FF2B5EF4-FFF2-40B4-BE49-F238E27FC236}">
-                <a16:creationId xmlns:a16="http://schemas.microsoft.com/office/drawing/2014/main" id="{5399851E-FD90-427A-B00D-729037E009C0}"/>
-              </a:ext>
-            </a:extLst>
-          </p:cNvPr>
-          <p:cNvSpPr>
-            <a:spLocks noGrp="1"/>
-          </p:cNvSpPr>
-          <p:nvPr>
-            <p:ph type="title"/>
-          </p:nvPr>
-        </p:nvSpPr>
-        <p:spPr/>
-        <p:txBody>
-          <a:bodyPr/>
-          <a:lstStyle/>
-          <a:p>
-            <a:r>
-              <a:rPr lang="en-GB"/>
-              <a:t>HCI Initial Review</a:t>
-            </a:r>
-            <a:endParaRPr lang="en-GB" dirty="0"/>
-          </a:p>
-        </p:txBody>
-      </p:sp>
-      <p:sp>
-        <p:nvSpPr>
-          <p:cNvPr id="3" name="TextBox 2">
-            <a:extLst>
-              <a:ext uri="{FF2B5EF4-FFF2-40B4-BE49-F238E27FC236}">
-                <a16:creationId xmlns:a16="http://schemas.microsoft.com/office/drawing/2014/main" id="{DBF0D781-0031-4065-9ABF-25236B6ABB0B}"/>
-              </a:ext>
-            </a:extLst>
-          </p:cNvPr>
-          <p:cNvSpPr txBox="1"/>
-          <p:nvPr/>
-        </p:nvSpPr>
-        <p:spPr>
-          <a:xfrm>
-            <a:off x="816746" y="1553592"/>
-            <a:ext cx="10238474" cy="3139321"/>
-          </a:xfrm>
-          <a:prstGeom prst="rect">
-            <a:avLst/>
-          </a:prstGeom>
-          <a:noFill/>
-        </p:spPr>
-        <p:txBody>
-          <a:bodyPr wrap="square" rtlCol="0">
-            <a:spAutoFit/>
-          </a:bodyPr>
-          <a:lstStyle/>
-          <a:p>
-            <a:pPr marL="285750" indent="-285750">
-              <a:buFont typeface="Arial" panose="020B0604020202020204" pitchFamily="34" charset="0"/>
-              <a:buChar char="•"/>
-            </a:pPr>
-            <a:r>
-              <a:rPr lang="en-GB" dirty="0">
-                <a:solidFill>
-                  <a:schemeClr val="bg1"/>
-                </a:solidFill>
-              </a:rPr>
-              <a:t>Dates changed from </a:t>
-            </a:r>
-            <a:r>
-              <a:rPr lang="en-GB" dirty="0" err="1">
-                <a:solidFill>
-                  <a:schemeClr val="bg1"/>
-                </a:solidFill>
-              </a:rPr>
-              <a:t>yyyy</a:t>
-            </a:r>
-            <a:r>
-              <a:rPr lang="en-GB" dirty="0">
-                <a:solidFill>
-                  <a:schemeClr val="bg1"/>
-                </a:solidFill>
-              </a:rPr>
-              <a:t>-mm-dd to dd/mm/</a:t>
-            </a:r>
-            <a:r>
-              <a:rPr lang="en-GB" dirty="0" err="1">
-                <a:solidFill>
-                  <a:schemeClr val="bg1"/>
-                </a:solidFill>
-              </a:rPr>
-              <a:t>yyyy</a:t>
-            </a:r>
-            <a:r>
-              <a:rPr lang="en-GB" dirty="0">
-                <a:solidFill>
-                  <a:schemeClr val="bg1"/>
-                </a:solidFill>
-              </a:rPr>
-              <a:t> as it was felt this was more customer friendly</a:t>
-            </a:r>
-          </a:p>
-          <a:p>
-            <a:pPr marL="285750" indent="-285750">
-              <a:buFont typeface="Arial" panose="020B0604020202020204" pitchFamily="34" charset="0"/>
-              <a:buChar char="•"/>
-            </a:pPr>
-            <a:r>
-              <a:rPr lang="en-GB" dirty="0">
-                <a:solidFill>
-                  <a:schemeClr val="bg1"/>
-                </a:solidFill>
-              </a:rPr>
-              <a:t>A problem with results being displayed to the left of the screen was corrected so it displayed in the correct frame</a:t>
-            </a:r>
-          </a:p>
-          <a:p>
-            <a:pPr marL="285750" indent="-285750">
-              <a:buFont typeface="Arial" panose="020B0604020202020204" pitchFamily="34" charset="0"/>
-              <a:buChar char="•"/>
-            </a:pPr>
-            <a:r>
-              <a:rPr lang="en-GB" dirty="0">
-                <a:solidFill>
-                  <a:schemeClr val="bg1"/>
-                </a:solidFill>
-              </a:rPr>
-              <a:t>A problem with the secure message page was corrected, as it did not deal with spaces and other characters correctly, also it was felt better to call it “contact” page as customers are more used to this</a:t>
-            </a:r>
-          </a:p>
-          <a:p>
-            <a:pPr marL="285750" indent="-285750">
-              <a:buFont typeface="Arial" panose="020B0604020202020204" pitchFamily="34" charset="0"/>
-              <a:buChar char="•"/>
-            </a:pPr>
-            <a:r>
-              <a:rPr lang="en-GB" dirty="0">
-                <a:solidFill>
-                  <a:schemeClr val="bg1"/>
-                </a:solidFill>
-              </a:rPr>
-              <a:t>After login in the header bar it was changed to read customer name rather than customer ID as logged in as this is more meaningful to the customer</a:t>
-            </a:r>
-          </a:p>
-          <a:p>
-            <a:pPr marL="285750" indent="-285750">
-              <a:buFont typeface="Arial" panose="020B0604020202020204" pitchFamily="34" charset="0"/>
-              <a:buChar char="•"/>
-            </a:pPr>
-            <a:r>
-              <a:rPr lang="en-GB" dirty="0">
-                <a:solidFill>
-                  <a:schemeClr val="bg1"/>
-                </a:solidFill>
-              </a:rPr>
-              <a:t>The colour scheme was changed to light blue for the header as colour blindness affects the ability to see the colour green as it was previously</a:t>
-            </a:r>
-          </a:p>
-          <a:p>
-            <a:pPr marL="285750" indent="-285750">
-              <a:buFont typeface="Arial" panose="020B0604020202020204" pitchFamily="34" charset="0"/>
-              <a:buChar char="•"/>
-            </a:pPr>
-            <a:endParaRPr lang="en-GB" dirty="0">
-              <a:solidFill>
-                <a:schemeClr val="bg1"/>
-              </a:solidFill>
-            </a:endParaRPr>
-          </a:p>
-          <a:p>
-            <a:r>
-              <a:rPr lang="en-GB" dirty="0">
-                <a:solidFill>
-                  <a:schemeClr val="bg1"/>
-                </a:solidFill>
-              </a:rPr>
-              <a:t>A more through HCI review will be done later</a:t>
-            </a:r>
-          </a:p>
-        </p:txBody>
-      </p:sp>
-    </p:spTree>
-    <p:extLst>
-      <p:ext uri="{BB962C8B-B14F-4D97-AF65-F5344CB8AC3E}">
-        <p14:creationId xmlns:p14="http://schemas.microsoft.com/office/powerpoint/2010/main" val="1157438666"/>
-      </p:ext>
-    </p:extLst>
-  </p:cSld>
-  <p:clrMapOvr>
-    <a:masterClrMapping/>
-  </p:clrMapOvr>
-</p:sld>
-</file>
-
 <file path=ppt/slides/slide19.xml><?xml version="1.0" encoding="utf-8"?>
 <p:sld xmlns:a="http://schemas.openxmlformats.org/drawingml/2006/main" xmlns:r="http://schemas.openxmlformats.org/officeDocument/2006/relationships" xmlns:p="http://schemas.openxmlformats.org/presentationml/2006/main">
   <p:cSld>
@@ -4991,9 +4869,10 @@
           <a:lstStyle/>
           <a:p>
             <a:r>
-              <a:rPr lang="en-GB" dirty="0"/>
-              <a:t>Critique of progress so far</a:t>
-            </a:r>
+              <a:rPr lang="en-GB"/>
+              <a:t>HCI Initial Review</a:t>
+            </a:r>
+            <a:endParaRPr lang="en-GB" dirty="0"/>
           </a:p>
         </p:txBody>
       </p:sp>
@@ -5012,7 +4891,7 @@
         <p:spPr>
           <a:xfrm>
             <a:off x="816746" y="1553592"/>
-            <a:ext cx="10238474" cy="1477328"/>
+            <a:ext cx="10238474" cy="3139321"/>
           </a:xfrm>
           <a:prstGeom prst="rect">
             <a:avLst/>
@@ -5035,35 +4914,116 @@
                   <a:schemeClr val="bg1"/>
                 </a:solidFill>
               </a:rPr>
-              <a:t>Good progress has been made to implement planned functionality, the project is on course, stage 1 functionality is complete, stage 2 is progressing well</a:t>
-            </a:r>
-          </a:p>
-          <a:p>
-            <a:pPr marL="285750" indent="-285750">
-              <a:buFont typeface="Arial" panose="020B0604020202020204" pitchFamily="34" charset="0"/>
-              <a:buChar char="•"/>
-            </a:pPr>
+              <a:t>Dates changed from </a:t>
+            </a:r>
+            <a:r>
+              <a:rPr lang="en-GB" dirty="0" err="1">
+                <a:solidFill>
+                  <a:schemeClr val="bg1"/>
+                </a:solidFill>
+              </a:rPr>
+              <a:t>yyyy</a:t>
+            </a:r>
             <a:r>
               <a:rPr lang="en-GB" dirty="0">
                 <a:solidFill>
                   <a:schemeClr val="bg1"/>
                 </a:solidFill>
               </a:rPr>
-              <a:t>More work will be done on HCI testing, although there has been an initial review</a:t>
-            </a:r>
-          </a:p>
-          <a:p>
-            <a:pPr marL="285750" indent="-285750">
-              <a:buFont typeface="Arial" panose="020B0604020202020204" pitchFamily="34" charset="0"/>
-              <a:buChar char="•"/>
-            </a:pPr>
+              <a:t>-mm-dd to dd/mm/</a:t>
+            </a:r>
+            <a:r>
+              <a:rPr lang="en-GB" dirty="0" err="1">
+                <a:solidFill>
+                  <a:schemeClr val="bg1"/>
+                </a:solidFill>
+              </a:rPr>
+              <a:t>yyyy</a:t>
+            </a:r>
             <a:r>
               <a:rPr lang="en-GB" dirty="0">
                 <a:solidFill>
                   <a:schemeClr val="bg1"/>
                 </a:solidFill>
               </a:rPr>
-              <a:t>We have adapted our coding approach to try to finish individually assigned elements in the first week of the sprint, and leave integration and paired programming for the second week</a:t>
+              <a:t> as it was felt this was more customer friendly</a:t>
+            </a:r>
+          </a:p>
+          <a:p>
+            <a:pPr marL="285750" indent="-285750">
+              <a:buFont typeface="Arial" panose="020B0604020202020204" pitchFamily="34" charset="0"/>
+              <a:buChar char="•"/>
+            </a:pPr>
+            <a:r>
+              <a:rPr lang="en-GB" dirty="0">
+                <a:solidFill>
+                  <a:schemeClr val="bg1"/>
+                </a:solidFill>
+              </a:rPr>
+              <a:t>A problem with results being displayed to the left of the screen was corrected so it displayed in the correct frame</a:t>
+            </a:r>
+          </a:p>
+          <a:p>
+            <a:pPr marL="285750" indent="-285750">
+              <a:buFont typeface="Arial" panose="020B0604020202020204" pitchFamily="34" charset="0"/>
+              <a:buChar char="•"/>
+            </a:pPr>
+            <a:r>
+              <a:rPr lang="en-GB" dirty="0">
+                <a:solidFill>
+                  <a:schemeClr val="bg1"/>
+                </a:solidFill>
+              </a:rPr>
+              <a:t>A problem with the secure message page was corrected, as it did not deal with spaces and other characters correctly, also it was felt better to call it “contact” page as customers are more used to this</a:t>
+            </a:r>
+          </a:p>
+          <a:p>
+            <a:pPr marL="285750" indent="-285750">
+              <a:buFont typeface="Arial" panose="020B0604020202020204" pitchFamily="34" charset="0"/>
+              <a:buChar char="•"/>
+            </a:pPr>
+            <a:r>
+              <a:rPr lang="en-GB" dirty="0">
+                <a:solidFill>
+                  <a:schemeClr val="bg1"/>
+                </a:solidFill>
+              </a:rPr>
+              <a:t>After login in the header bar it was changed to read customer name rather than customer ID as logged in as this is more meaningful to the customer</a:t>
+            </a:r>
+          </a:p>
+          <a:p>
+            <a:pPr marL="285750" indent="-285750">
+              <a:buFont typeface="Arial" panose="020B0604020202020204" pitchFamily="34" charset="0"/>
+              <a:buChar char="•"/>
+            </a:pPr>
+            <a:r>
+              <a:rPr lang="en-GB" dirty="0">
+                <a:solidFill>
+                  <a:schemeClr val="bg1"/>
+                </a:solidFill>
+              </a:rPr>
+              <a:t>The colour scheme was changed to light blue for the header as colour blindness affects the ability to see the colour green as it was previously</a:t>
+            </a:r>
+          </a:p>
+          <a:p>
+            <a:pPr marL="285750" indent="-285750">
+              <a:buFont typeface="Arial" panose="020B0604020202020204" pitchFamily="34" charset="0"/>
+              <a:buChar char="•"/>
+            </a:pPr>
+            <a:endParaRPr lang="en-GB" dirty="0">
+              <a:solidFill>
+                <a:schemeClr val="bg1"/>
+              </a:solidFill>
+            </a:endParaRPr>
+          </a:p>
+          <a:p>
+            <a:r>
+              <a:rPr lang="en-GB" dirty="0">
+                <a:solidFill>
+                  <a:schemeClr val="bg1"/>
+                </a:solidFill>
+              </a:rPr>
+              <a:t>A more through HCI review will be done later</a:t>
             </a:r>
           </a:p>
         </p:txBody>
@@ -5071,7 +5031,7 @@
     </p:spTree>
     <p:extLst>
       <p:ext uri="{BB962C8B-B14F-4D97-AF65-F5344CB8AC3E}">
-        <p14:creationId xmlns:p14="http://schemas.microsoft.com/office/powerpoint/2010/main" val="4231091809"/>
+        <p14:creationId xmlns:p14="http://schemas.microsoft.com/office/powerpoint/2010/main" val="1157438666"/>
       </p:ext>
     </p:extLst>
   </p:cSld>
@@ -5197,6 +5157,135 @@
 </file>
 
 <file path=ppt/slides/slide20.xml><?xml version="1.0" encoding="utf-8"?>
+<p:sld xmlns:a="http://schemas.openxmlformats.org/drawingml/2006/main" xmlns:r="http://schemas.openxmlformats.org/officeDocument/2006/relationships" xmlns:p="http://schemas.openxmlformats.org/presentationml/2006/main">
+  <p:cSld>
+    <p:spTree>
+      <p:nvGrpSpPr>
+        <p:cNvPr id="1" name=""/>
+        <p:cNvGrpSpPr/>
+        <p:nvPr/>
+      </p:nvGrpSpPr>
+      <p:grpSpPr>
+        <a:xfrm>
+          <a:off x="0" y="0"/>
+          <a:ext cx="0" cy="0"/>
+          <a:chOff x="0" y="0"/>
+          <a:chExt cx="0" cy="0"/>
+        </a:xfrm>
+      </p:grpSpPr>
+      <p:sp>
+        <p:nvSpPr>
+          <p:cNvPr id="2" name="Title 1">
+            <a:extLst>
+              <a:ext uri="{FF2B5EF4-FFF2-40B4-BE49-F238E27FC236}">
+                <a16:creationId xmlns:a16="http://schemas.microsoft.com/office/drawing/2014/main" id="{5399851E-FD90-427A-B00D-729037E009C0}"/>
+              </a:ext>
+            </a:extLst>
+          </p:cNvPr>
+          <p:cNvSpPr>
+            <a:spLocks noGrp="1"/>
+          </p:cNvSpPr>
+          <p:nvPr>
+            <p:ph type="title"/>
+          </p:nvPr>
+        </p:nvSpPr>
+        <p:spPr/>
+        <p:txBody>
+          <a:bodyPr/>
+          <a:lstStyle/>
+          <a:p>
+            <a:r>
+              <a:rPr lang="en-GB" dirty="0"/>
+              <a:t>Critique of progress so far</a:t>
+            </a:r>
+          </a:p>
+        </p:txBody>
+      </p:sp>
+      <p:sp>
+        <p:nvSpPr>
+          <p:cNvPr id="3" name="TextBox 2">
+            <a:extLst>
+              <a:ext uri="{FF2B5EF4-FFF2-40B4-BE49-F238E27FC236}">
+                <a16:creationId xmlns:a16="http://schemas.microsoft.com/office/drawing/2014/main" id="{DBF0D781-0031-4065-9ABF-25236B6ABB0B}"/>
+              </a:ext>
+            </a:extLst>
+          </p:cNvPr>
+          <p:cNvSpPr txBox="1"/>
+          <p:nvPr/>
+        </p:nvSpPr>
+        <p:spPr>
+          <a:xfrm>
+            <a:off x="816746" y="1553592"/>
+            <a:ext cx="10238474" cy="1477328"/>
+          </a:xfrm>
+          <a:prstGeom prst="rect">
+            <a:avLst/>
+          </a:prstGeom>
+          <a:noFill/>
+        </p:spPr>
+        <p:txBody>
+          <a:bodyPr wrap="square" rtlCol="0">
+            <a:spAutoFit/>
+          </a:bodyPr>
+          <a:lstStyle/>
+          <a:p>
+            <a:pPr marL="285750" indent="-285750">
+              <a:buFont typeface="Arial" panose="020B0604020202020204" pitchFamily="34" charset="0"/>
+              <a:buChar char="•"/>
+            </a:pPr>
+            <a:r>
+              <a:rPr lang="en-GB" dirty="0">
+                <a:solidFill>
+                  <a:schemeClr val="bg1"/>
+                </a:solidFill>
+              </a:rPr>
+              <a:t>Good progress has been made to implement planned functionality, the project is on course, stage 1 functionality is complete, stage 2 is progressing well</a:t>
+            </a:r>
+          </a:p>
+          <a:p>
+            <a:pPr marL="285750" indent="-285750">
+              <a:buFont typeface="Arial" panose="020B0604020202020204" pitchFamily="34" charset="0"/>
+              <a:buChar char="•"/>
+            </a:pPr>
+            <a:r>
+              <a:rPr lang="en-GB" dirty="0">
+                <a:solidFill>
+                  <a:schemeClr val="bg1"/>
+                </a:solidFill>
+              </a:rPr>
+              <a:t>More work will be done on HCI testing, although there has been an initial review</a:t>
+            </a:r>
+          </a:p>
+          <a:p>
+            <a:pPr marL="285750" indent="-285750">
+              <a:buFont typeface="Arial" panose="020B0604020202020204" pitchFamily="34" charset="0"/>
+              <a:buChar char="•"/>
+            </a:pPr>
+            <a:r>
+              <a:rPr lang="en-GB" dirty="0">
+                <a:solidFill>
+                  <a:schemeClr val="bg1"/>
+                </a:solidFill>
+              </a:rPr>
+              <a:t>We have adapted our coding approach to try to finish individually assigned elements in the first week of the sprint, and leave integration and paired programming for the second week</a:t>
+            </a:r>
+          </a:p>
+        </p:txBody>
+      </p:sp>
+    </p:spTree>
+    <p:extLst>
+      <p:ext uri="{BB962C8B-B14F-4D97-AF65-F5344CB8AC3E}">
+        <p14:creationId xmlns:p14="http://schemas.microsoft.com/office/powerpoint/2010/main" val="4231091809"/>
+      </p:ext>
+    </p:extLst>
+  </p:cSld>
+  <p:clrMapOvr>
+    <a:masterClrMapping/>
+  </p:clrMapOvr>
+</p:sld>
+</file>
+
+<file path=ppt/slides/slide21.xml><?xml version="1.0" encoding="utf-8"?>
 <p:sld xmlns:a="http://schemas.openxmlformats.org/drawingml/2006/main" xmlns:r="http://schemas.openxmlformats.org/officeDocument/2006/relationships" xmlns:p="http://schemas.openxmlformats.org/presentationml/2006/main">
   <p:cSld>
     <p:spTree>
@@ -6893,7 +6982,7 @@
 </p:sld>
 </file>
 
-<file path=ppt/slides/slide21.xml><?xml version="1.0" encoding="utf-8"?>
+<file path=ppt/slides/slide22.xml><?xml version="1.0" encoding="utf-8"?>
 <p:sld xmlns:a="http://schemas.openxmlformats.org/drawingml/2006/main" xmlns:r="http://schemas.openxmlformats.org/officeDocument/2006/relationships" xmlns:p="http://schemas.openxmlformats.org/presentationml/2006/main">
   <p:cSld>
     <p:spTree>

--- a/Documents/Presentations/PRCO204 Group Presentation 2.pptx
+++ b/Documents/Presentations/PRCO204 Group Presentation 2.pptx
@@ -218,7 +218,7 @@
           <a:p>
             <a:fld id="{3BD742AD-520A-47F7-B2C9-40E93A8FC620}" type="datetimeFigureOut">
               <a:rPr lang="en-GB" smtClean="0"/>
-              <a:t>05/03/2020</a:t>
+              <a:t>06/03/2020</a:t>
             </a:fld>
             <a:endParaRPr lang="en-GB"/>
           </a:p>
@@ -665,7 +665,7 @@
           <a:p>
             <a:fld id="{C0B17FCB-F812-4DC3-A3DE-7A40917F3657}" type="datetimeFigureOut">
               <a:rPr lang="en-GB" smtClean="0"/>
-              <a:t>05/03/2020</a:t>
+              <a:t>06/03/2020</a:t>
             </a:fld>
             <a:endParaRPr lang="en-GB"/>
           </a:p>
@@ -865,7 +865,7 @@
           <a:p>
             <a:fld id="{C0B17FCB-F812-4DC3-A3DE-7A40917F3657}" type="datetimeFigureOut">
               <a:rPr lang="en-GB" smtClean="0"/>
-              <a:t>05/03/2020</a:t>
+              <a:t>06/03/2020</a:t>
             </a:fld>
             <a:endParaRPr lang="en-GB"/>
           </a:p>
@@ -1075,7 +1075,7 @@
           <a:p>
             <a:fld id="{C0B17FCB-F812-4DC3-A3DE-7A40917F3657}" type="datetimeFigureOut">
               <a:rPr lang="en-GB" smtClean="0"/>
-              <a:t>05/03/2020</a:t>
+              <a:t>06/03/2020</a:t>
             </a:fld>
             <a:endParaRPr lang="en-GB"/>
           </a:p>
@@ -1410,7 +1410,7 @@
           <a:p>
             <a:fld id="{C0B17FCB-F812-4DC3-A3DE-7A40917F3657}" type="datetimeFigureOut">
               <a:rPr lang="en-GB" smtClean="0"/>
-              <a:t>05/03/2020</a:t>
+              <a:t>06/03/2020</a:t>
             </a:fld>
             <a:endParaRPr lang="en-GB"/>
           </a:p>
@@ -1753,7 +1753,7 @@
           <a:p>
             <a:fld id="{C0B17FCB-F812-4DC3-A3DE-7A40917F3657}" type="datetimeFigureOut">
               <a:rPr lang="en-GB" smtClean="0"/>
-              <a:t>05/03/2020</a:t>
+              <a:t>06/03/2020</a:t>
             </a:fld>
             <a:endParaRPr lang="en-GB"/>
           </a:p>
@@ -2021,7 +2021,7 @@
           <a:p>
             <a:fld id="{C0B17FCB-F812-4DC3-A3DE-7A40917F3657}" type="datetimeFigureOut">
               <a:rPr lang="en-GB" smtClean="0"/>
-              <a:t>05/03/2020</a:t>
+              <a:t>06/03/2020</a:t>
             </a:fld>
             <a:endParaRPr lang="en-GB"/>
           </a:p>
@@ -2436,7 +2436,7 @@
           <a:p>
             <a:fld id="{C0B17FCB-F812-4DC3-A3DE-7A40917F3657}" type="datetimeFigureOut">
               <a:rPr lang="en-GB" smtClean="0"/>
-              <a:t>05/03/2020</a:t>
+              <a:t>06/03/2020</a:t>
             </a:fld>
             <a:endParaRPr lang="en-GB"/>
           </a:p>
@@ -2578,7 +2578,7 @@
           <a:p>
             <a:fld id="{C0B17FCB-F812-4DC3-A3DE-7A40917F3657}" type="datetimeFigureOut">
               <a:rPr lang="en-GB" smtClean="0"/>
-              <a:t>05/03/2020</a:t>
+              <a:t>06/03/2020</a:t>
             </a:fld>
             <a:endParaRPr lang="en-GB"/>
           </a:p>
@@ -2691,7 +2691,7 @@
           <a:p>
             <a:fld id="{C0B17FCB-F812-4DC3-A3DE-7A40917F3657}" type="datetimeFigureOut">
               <a:rPr lang="en-GB" smtClean="0"/>
-              <a:t>05/03/2020</a:t>
+              <a:t>06/03/2020</a:t>
             </a:fld>
             <a:endParaRPr lang="en-GB"/>
           </a:p>
@@ -3004,7 +3004,7 @@
           <a:p>
             <a:fld id="{C0B17FCB-F812-4DC3-A3DE-7A40917F3657}" type="datetimeFigureOut">
               <a:rPr lang="en-GB" smtClean="0"/>
-              <a:t>05/03/2020</a:t>
+              <a:t>06/03/2020</a:t>
             </a:fld>
             <a:endParaRPr lang="en-GB"/>
           </a:p>
@@ -3293,7 +3293,7 @@
           <a:p>
             <a:fld id="{C0B17FCB-F812-4DC3-A3DE-7A40917F3657}" type="datetimeFigureOut">
               <a:rPr lang="en-GB" smtClean="0"/>
-              <a:t>05/03/2020</a:t>
+              <a:t>06/03/2020</a:t>
             </a:fld>
             <a:endParaRPr lang="en-GB"/>
           </a:p>
@@ -3552,7 +3552,7 @@
           <a:p>
             <a:fld id="{C0B17FCB-F812-4DC3-A3DE-7A40917F3657}" type="datetimeFigureOut">
               <a:rPr lang="en-GB" smtClean="0"/>
-              <a:t>05/03/2020</a:t>
+              <a:t>06/03/2020</a:t>
             </a:fld>
             <a:endParaRPr lang="en-GB"/>
           </a:p>
@@ -5023,7 +5023,7 @@
                   <a:schemeClr val="bg1"/>
                 </a:solidFill>
               </a:rPr>
-              <a:t>A more through HCI review will be done later</a:t>
+              <a:t>A more thorough HCI review will be done later</a:t>
             </a:r>
           </a:p>
         </p:txBody>

--- a/Documents/Presentations/PRCO204 Group Presentation 2.pptx
+++ b/Documents/Presentations/PRCO204 Group Presentation 2.pptx
@@ -5,7 +5,7 @@
     <p:sldMasterId id="2147483648" r:id="rId1"/>
   </p:sldMasterIdLst>
   <p:notesMasterIdLst>
-    <p:notesMasterId r:id="rId24"/>
+    <p:notesMasterId r:id="rId25"/>
   </p:notesMasterIdLst>
   <p:sldIdLst>
     <p:sldId id="256" r:id="rId2"/>
@@ -27,9 +27,10 @@
     <p:sldId id="281" r:id="rId18"/>
     <p:sldId id="282" r:id="rId19"/>
     <p:sldId id="284" r:id="rId20"/>
-    <p:sldId id="285" r:id="rId21"/>
-    <p:sldId id="267" r:id="rId22"/>
-    <p:sldId id="263" r:id="rId23"/>
+    <p:sldId id="288" r:id="rId21"/>
+    <p:sldId id="285" r:id="rId22"/>
+    <p:sldId id="267" r:id="rId23"/>
+    <p:sldId id="263" r:id="rId24"/>
   </p:sldIdLst>
   <p:sldSz cx="12192000" cy="6858000"/>
   <p:notesSz cx="6858000" cy="9144000"/>
@@ -5196,6 +5197,337 @@
           <a:p>
             <a:r>
               <a:rPr lang="en-GB" dirty="0"/>
+              <a:t>Testing, OOP and User Case Scenario's</a:t>
+            </a:r>
+          </a:p>
+        </p:txBody>
+      </p:sp>
+      <p:sp>
+        <p:nvSpPr>
+          <p:cNvPr id="3" name="TextBox 2">
+            <a:extLst>
+              <a:ext uri="{FF2B5EF4-FFF2-40B4-BE49-F238E27FC236}">
+                <a16:creationId xmlns:a16="http://schemas.microsoft.com/office/drawing/2014/main" id="{DBF0D781-0031-4065-9ABF-25236B6ABB0B}"/>
+              </a:ext>
+            </a:extLst>
+          </p:cNvPr>
+          <p:cNvSpPr txBox="1"/>
+          <p:nvPr/>
+        </p:nvSpPr>
+        <p:spPr>
+          <a:xfrm>
+            <a:off x="816746" y="1553592"/>
+            <a:ext cx="10238474" cy="2862322"/>
+          </a:xfrm>
+          <a:prstGeom prst="rect">
+            <a:avLst/>
+          </a:prstGeom>
+          <a:noFill/>
+        </p:spPr>
+        <p:txBody>
+          <a:bodyPr wrap="square" rtlCol="0">
+            <a:spAutoFit/>
+          </a:bodyPr>
+          <a:lstStyle/>
+          <a:p>
+            <a:pPr marL="285750" marR="0" lvl="0" indent="-285750" algn="l" defTabSz="914400" rtl="0" eaLnBrk="1" fontAlgn="auto" latinLnBrk="0" hangingPunct="1">
+              <a:lnSpc>
+                <a:spcPct val="100000"/>
+              </a:lnSpc>
+              <a:spcBef>
+                <a:spcPts val="0"/>
+              </a:spcBef>
+              <a:spcAft>
+                <a:spcPts val="0"/>
+              </a:spcAft>
+              <a:buClrTx/>
+              <a:buSzTx/>
+              <a:buFont typeface="Arial" panose="020B0604020202020204" pitchFamily="34" charset="0"/>
+              <a:buChar char="•"/>
+              <a:tabLst/>
+              <a:defRPr/>
+            </a:pPr>
+            <a:r>
+              <a:rPr kumimoji="0" lang="en-GB" sz="1800" b="0" i="0" u="none" strike="noStrike" kern="1200" cap="none" spc="0" normalizeH="0" baseline="0" noProof="0" dirty="0">
+                <a:ln>
+                  <a:noFill/>
+                </a:ln>
+                <a:solidFill>
+                  <a:prstClr val="white"/>
+                </a:solidFill>
+                <a:effectLst/>
+                <a:uLnTx/>
+                <a:uFillTx/>
+                <a:latin typeface="Calibri" panose="020F0502020204030204"/>
+                <a:ea typeface="+mn-ea"/>
+                <a:cs typeface="+mn-cs"/>
+              </a:rPr>
+              <a:t>A xml acceptance test file has been created for testing, at present it has to be run manually unless a way can be found to automate it</a:t>
+            </a:r>
+          </a:p>
+          <a:p>
+            <a:pPr marL="285750" marR="0" lvl="0" indent="-285750" algn="l" defTabSz="914400" rtl="0" eaLnBrk="1" fontAlgn="auto" latinLnBrk="0" hangingPunct="1">
+              <a:lnSpc>
+                <a:spcPct val="100000"/>
+              </a:lnSpc>
+              <a:spcBef>
+                <a:spcPts val="0"/>
+              </a:spcBef>
+              <a:spcAft>
+                <a:spcPts val="0"/>
+              </a:spcAft>
+              <a:buClrTx/>
+              <a:buSzTx/>
+              <a:buFont typeface="Arial" panose="020B0604020202020204" pitchFamily="34" charset="0"/>
+              <a:buChar char="•"/>
+              <a:tabLst/>
+              <a:defRPr/>
+            </a:pPr>
+            <a:r>
+              <a:rPr kumimoji="0" lang="en-GB" sz="1800" b="0" i="0" u="none" strike="noStrike" kern="1200" cap="none" spc="0" normalizeH="0" baseline="0" noProof="0" dirty="0">
+                <a:ln>
+                  <a:noFill/>
+                </a:ln>
+                <a:solidFill>
+                  <a:prstClr val="white"/>
+                </a:solidFill>
+                <a:effectLst/>
+                <a:uLnTx/>
+                <a:uFillTx/>
+                <a:latin typeface="Calibri" panose="020F0502020204030204"/>
+                <a:ea typeface="+mn-ea"/>
+                <a:cs typeface="+mn-cs"/>
+              </a:rPr>
+              <a:t>Unit testing has been more challenging as the functions and code are integrated with database calls and its not clear how they could be isolated</a:t>
+            </a:r>
+          </a:p>
+          <a:p>
+            <a:pPr marL="285750" marR="0" lvl="0" indent="-285750" algn="l" defTabSz="914400" rtl="0" eaLnBrk="1" fontAlgn="auto" latinLnBrk="0" hangingPunct="1">
+              <a:lnSpc>
+                <a:spcPct val="100000"/>
+              </a:lnSpc>
+              <a:spcBef>
+                <a:spcPts val="0"/>
+              </a:spcBef>
+              <a:spcAft>
+                <a:spcPts val="0"/>
+              </a:spcAft>
+              <a:buClrTx/>
+              <a:buSzTx/>
+              <a:buFont typeface="Arial" panose="020B0604020202020204" pitchFamily="34" charset="0"/>
+              <a:buChar char="•"/>
+              <a:tabLst/>
+              <a:defRPr/>
+            </a:pPr>
+            <a:endParaRPr kumimoji="0" lang="en-GB" sz="1800" b="0" i="0" u="none" strike="noStrike" kern="1200" cap="none" spc="0" normalizeH="0" baseline="0" noProof="0" dirty="0">
+              <a:ln>
+                <a:noFill/>
+              </a:ln>
+              <a:solidFill>
+                <a:prstClr val="white"/>
+              </a:solidFill>
+              <a:effectLst/>
+              <a:uLnTx/>
+              <a:uFillTx/>
+              <a:latin typeface="Calibri" panose="020F0502020204030204"/>
+              <a:ea typeface="+mn-ea"/>
+              <a:cs typeface="+mn-cs"/>
+            </a:endParaRPr>
+          </a:p>
+          <a:p>
+            <a:pPr marL="285750" marR="0" lvl="0" indent="-285750" algn="l" defTabSz="914400" rtl="0" eaLnBrk="1" fontAlgn="auto" latinLnBrk="0" hangingPunct="1">
+              <a:lnSpc>
+                <a:spcPct val="100000"/>
+              </a:lnSpc>
+              <a:spcBef>
+                <a:spcPts val="0"/>
+              </a:spcBef>
+              <a:spcAft>
+                <a:spcPts val="0"/>
+              </a:spcAft>
+              <a:buClrTx/>
+              <a:buSzTx/>
+              <a:buFont typeface="Arial" panose="020B0604020202020204" pitchFamily="34" charset="0"/>
+              <a:buChar char="•"/>
+              <a:tabLst/>
+              <a:defRPr/>
+            </a:pPr>
+            <a:r>
+              <a:rPr kumimoji="0" lang="en-GB" sz="1800" b="0" i="0" u="none" strike="noStrike" kern="1200" cap="none" spc="0" normalizeH="0" baseline="0" noProof="0" dirty="0">
+                <a:ln>
+                  <a:noFill/>
+                </a:ln>
+                <a:solidFill>
+                  <a:prstClr val="white"/>
+                </a:solidFill>
+                <a:effectLst/>
+                <a:uLnTx/>
+                <a:uFillTx/>
+                <a:latin typeface="Calibri" panose="020F0502020204030204"/>
+                <a:ea typeface="+mn-ea"/>
+                <a:cs typeface="+mn-cs"/>
+              </a:rPr>
+              <a:t>At present there has not been a great need for OOP design, but this could be considered later, such as making data classes, however according to agile philosophy its best only to implement where code becomes inflexible or a need becomes apparent</a:t>
+            </a:r>
+          </a:p>
+          <a:p>
+            <a:pPr marL="285750" marR="0" lvl="0" indent="-285750" algn="l" defTabSz="914400" rtl="0" eaLnBrk="1" fontAlgn="auto" latinLnBrk="0" hangingPunct="1">
+              <a:lnSpc>
+                <a:spcPct val="100000"/>
+              </a:lnSpc>
+              <a:spcBef>
+                <a:spcPts val="0"/>
+              </a:spcBef>
+              <a:spcAft>
+                <a:spcPts val="0"/>
+              </a:spcAft>
+              <a:buClrTx/>
+              <a:buSzTx/>
+              <a:buFont typeface="Arial" panose="020B0604020202020204" pitchFamily="34" charset="0"/>
+              <a:buChar char="•"/>
+              <a:tabLst/>
+              <a:defRPr/>
+            </a:pPr>
+            <a:endParaRPr kumimoji="0" lang="en-GB" sz="1800" b="0" i="0" u="none" strike="noStrike" kern="1200" cap="none" spc="0" normalizeH="0" baseline="0" noProof="0" dirty="0">
+              <a:ln>
+                <a:noFill/>
+              </a:ln>
+              <a:solidFill>
+                <a:prstClr val="white"/>
+              </a:solidFill>
+              <a:effectLst/>
+              <a:uLnTx/>
+              <a:uFillTx/>
+              <a:latin typeface="Calibri" panose="020F0502020204030204"/>
+              <a:ea typeface="+mn-ea"/>
+              <a:cs typeface="+mn-cs"/>
+            </a:endParaRPr>
+          </a:p>
+          <a:p>
+            <a:pPr marL="285750" marR="0" lvl="0" indent="-285750" algn="l" defTabSz="914400" rtl="0" eaLnBrk="1" fontAlgn="auto" latinLnBrk="0" hangingPunct="1">
+              <a:lnSpc>
+                <a:spcPct val="100000"/>
+              </a:lnSpc>
+              <a:spcBef>
+                <a:spcPts val="0"/>
+              </a:spcBef>
+              <a:spcAft>
+                <a:spcPts val="0"/>
+              </a:spcAft>
+              <a:buClrTx/>
+              <a:buSzTx/>
+              <a:buFont typeface="Arial" panose="020B0604020202020204" pitchFamily="34" charset="0"/>
+              <a:buChar char="•"/>
+              <a:tabLst/>
+              <a:defRPr/>
+            </a:pPr>
+            <a:r>
+              <a:rPr kumimoji="0" lang="en-GB" sz="1800" b="0" i="0" u="none" strike="noStrike" kern="1200" cap="none" spc="0" normalizeH="0" baseline="0" noProof="0" dirty="0">
+                <a:ln>
+                  <a:noFill/>
+                </a:ln>
+                <a:solidFill>
+                  <a:prstClr val="white"/>
+                </a:solidFill>
+                <a:effectLst/>
+                <a:uLnTx/>
+                <a:uFillTx/>
+                <a:latin typeface="Calibri" panose="020F0502020204030204"/>
+                <a:ea typeface="+mn-ea"/>
+                <a:cs typeface="+mn-cs"/>
+              </a:rPr>
+              <a:t>Use case scenario's have been developed and are </a:t>
+            </a:r>
+            <a:r>
+              <a:rPr kumimoji="0" lang="en-GB" sz="1800" b="0" i="0" u="none" strike="noStrike" kern="1200" cap="none" spc="0" normalizeH="0" baseline="0" noProof="0">
+                <a:ln>
+                  <a:noFill/>
+                </a:ln>
+                <a:solidFill>
+                  <a:prstClr val="white"/>
+                </a:solidFill>
+                <a:effectLst/>
+                <a:uLnTx/>
+                <a:uFillTx/>
+                <a:latin typeface="Calibri" panose="020F0502020204030204"/>
+                <a:ea typeface="+mn-ea"/>
+                <a:cs typeface="+mn-cs"/>
+              </a:rPr>
+              <a:t>found in detail </a:t>
+            </a:r>
+            <a:r>
+              <a:rPr kumimoji="0" lang="en-GB" sz="1800" b="0" i="0" u="none" strike="noStrike" kern="1200" cap="none" spc="0" normalizeH="0" baseline="0" noProof="0" dirty="0">
+                <a:ln>
+                  <a:noFill/>
+                </a:ln>
+                <a:solidFill>
+                  <a:prstClr val="white"/>
+                </a:solidFill>
+                <a:effectLst/>
+                <a:uLnTx/>
+                <a:uFillTx/>
+                <a:latin typeface="Calibri" panose="020F0502020204030204"/>
+                <a:ea typeface="+mn-ea"/>
+                <a:cs typeface="+mn-cs"/>
+              </a:rPr>
+              <a:t>on the GitHub repo</a:t>
+            </a:r>
+          </a:p>
+        </p:txBody>
+      </p:sp>
+    </p:spTree>
+    <p:extLst>
+      <p:ext uri="{BB962C8B-B14F-4D97-AF65-F5344CB8AC3E}">
+        <p14:creationId xmlns:p14="http://schemas.microsoft.com/office/powerpoint/2010/main" val="1661623154"/>
+      </p:ext>
+    </p:extLst>
+  </p:cSld>
+  <p:clrMapOvr>
+    <a:masterClrMapping/>
+  </p:clrMapOvr>
+</p:sld>
+</file>
+
+<file path=ppt/slides/slide21.xml><?xml version="1.0" encoding="utf-8"?>
+<p:sld xmlns:a="http://schemas.openxmlformats.org/drawingml/2006/main" xmlns:r="http://schemas.openxmlformats.org/officeDocument/2006/relationships" xmlns:p="http://schemas.openxmlformats.org/presentationml/2006/main">
+  <p:cSld>
+    <p:spTree>
+      <p:nvGrpSpPr>
+        <p:cNvPr id="1" name=""/>
+        <p:cNvGrpSpPr/>
+        <p:nvPr/>
+      </p:nvGrpSpPr>
+      <p:grpSpPr>
+        <a:xfrm>
+          <a:off x="0" y="0"/>
+          <a:ext cx="0" cy="0"/>
+          <a:chOff x="0" y="0"/>
+          <a:chExt cx="0" cy="0"/>
+        </a:xfrm>
+      </p:grpSpPr>
+      <p:sp>
+        <p:nvSpPr>
+          <p:cNvPr id="2" name="Title 1">
+            <a:extLst>
+              <a:ext uri="{FF2B5EF4-FFF2-40B4-BE49-F238E27FC236}">
+                <a16:creationId xmlns:a16="http://schemas.microsoft.com/office/drawing/2014/main" id="{5399851E-FD90-427A-B00D-729037E009C0}"/>
+              </a:ext>
+            </a:extLst>
+          </p:cNvPr>
+          <p:cNvSpPr>
+            <a:spLocks noGrp="1"/>
+          </p:cNvSpPr>
+          <p:nvPr>
+            <p:ph type="title"/>
+          </p:nvPr>
+        </p:nvSpPr>
+        <p:spPr/>
+        <p:txBody>
+          <a:bodyPr/>
+          <a:lstStyle/>
+          <a:p>
+            <a:r>
+              <a:rPr lang="en-GB" dirty="0"/>
               <a:t>Critique of progress so far</a:t>
             </a:r>
           </a:p>
@@ -5285,7 +5617,7 @@
 </p:sld>
 </file>
 
-<file path=ppt/slides/slide21.xml><?xml version="1.0" encoding="utf-8"?>
+<file path=ppt/slides/slide22.xml><?xml version="1.0" encoding="utf-8"?>
 <p:sld xmlns:a="http://schemas.openxmlformats.org/drawingml/2006/main" xmlns:r="http://schemas.openxmlformats.org/officeDocument/2006/relationships" xmlns:p="http://schemas.openxmlformats.org/presentationml/2006/main">
   <p:cSld>
     <p:spTree>
@@ -6982,7 +7314,7 @@
 </p:sld>
 </file>
 
-<file path=ppt/slides/slide22.xml><?xml version="1.0" encoding="utf-8"?>
+<file path=ppt/slides/slide23.xml><?xml version="1.0" encoding="utf-8"?>
 <p:sld xmlns:a="http://schemas.openxmlformats.org/drawingml/2006/main" xmlns:r="http://schemas.openxmlformats.org/officeDocument/2006/relationships" xmlns:p="http://schemas.openxmlformats.org/presentationml/2006/main">
   <p:cSld>
     <p:spTree>
